--- a/Unit1/Course.pptx
+++ b/Unit1/Course.pptx
@@ -5,10 +5,10 @@
     <p:sldMasterId id="2147483720" r:id="rId4"/>
   </p:sldMasterIdLst>
   <p:notesMasterIdLst>
-    <p:notesMasterId r:id="rId33"/>
+    <p:notesMasterId r:id="rId48"/>
   </p:notesMasterIdLst>
   <p:handoutMasterIdLst>
-    <p:handoutMasterId r:id="rId34"/>
+    <p:handoutMasterId r:id="rId49"/>
   </p:handoutMasterIdLst>
   <p:sldIdLst>
     <p:sldId id="542" r:id="rId5"/>
@@ -38,7 +38,22 @@
     <p:sldId id="568" r:id="rId29"/>
     <p:sldId id="569" r:id="rId30"/>
     <p:sldId id="570" r:id="rId31"/>
-    <p:sldId id="554" r:id="rId32"/>
+    <p:sldId id="580" r:id="rId32"/>
+    <p:sldId id="581" r:id="rId33"/>
+    <p:sldId id="582" r:id="rId34"/>
+    <p:sldId id="585" r:id="rId35"/>
+    <p:sldId id="583" r:id="rId36"/>
+    <p:sldId id="586" r:id="rId37"/>
+    <p:sldId id="588" r:id="rId38"/>
+    <p:sldId id="589" r:id="rId39"/>
+    <p:sldId id="590" r:id="rId40"/>
+    <p:sldId id="591" r:id="rId41"/>
+    <p:sldId id="573" r:id="rId42"/>
+    <p:sldId id="577" r:id="rId43"/>
+    <p:sldId id="574" r:id="rId44"/>
+    <p:sldId id="576" r:id="rId45"/>
+    <p:sldId id="578" r:id="rId46"/>
+    <p:sldId id="579" r:id="rId47"/>
   </p:sldIdLst>
   <p:sldSz cx="12192000" cy="6858000"/>
   <p:notesSz cx="6858000" cy="9144000"/>
@@ -28433,7 +28448,12 @@
             <p:ph type="title"/>
           </p:nvPr>
         </p:nvSpPr>
-        <p:spPr/>
+        <p:spPr>
+          <a:xfrm>
+            <a:off x="853440" y="734998"/>
+            <a:ext cx="10515600" cy="1325563"/>
+          </a:xfrm>
+        </p:spPr>
         <p:txBody>
           <a:bodyPr>
             <a:normAutofit/>
@@ -28441,18 +28461,10 @@
           <a:lstStyle/>
           <a:p>
             <a:r>
-              <a:rPr lang="en-CA" sz="7200" dirty="0">
-                <a:solidFill>
-                  <a:srgbClr val="393950"/>
-                </a:solidFill>
-              </a:rPr>
-              <a:t>Predictive </a:t>
-            </a:r>
-            <a:r>
-              <a:rPr lang="en-CA" sz="7200" dirty="0"/>
-              <a:t>Models</a:t>
-            </a:r>
-            <a:endParaRPr lang="es-MX" dirty="0"/>
+              <a:rPr lang="en-CA" sz="5400" dirty="0"/>
+              <a:t>Software development models</a:t>
+            </a:r>
+            <a:endParaRPr lang="es-MX" sz="5400" dirty="0"/>
           </a:p>
         </p:txBody>
       </p:sp>
@@ -28530,10 +28542,10 @@
       </p:sp>
       <p:pic>
         <p:nvPicPr>
-          <p:cNvPr id="10" name="Marcador de imagen en línea 27" descr="Procesador con relleno sólido">
-            <a:extLst>
-              <a:ext uri="{FF2B5EF4-FFF2-40B4-BE49-F238E27FC236}">
-                <a16:creationId xmlns:a16="http://schemas.microsoft.com/office/drawing/2014/main" id="{C4090098-DC70-4AB9-9CD9-369977E7099B}"/>
+          <p:cNvPr id="8" name="Marcador de imagen en línea 27" descr="Diseño web con relleno sólido">
+            <a:extLst>
+              <a:ext uri="{FF2B5EF4-FFF2-40B4-BE49-F238E27FC236}">
+                <a16:creationId xmlns:a16="http://schemas.microsoft.com/office/drawing/2014/main" id="{1771A7BA-C2C8-4AB5-8143-9E20EA009BE6}"/>
               </a:ext>
             </a:extLst>
           </p:cNvPr>
@@ -28555,8 +28567,8 @@
         </p:blipFill>
         <p:spPr>
           <a:xfrm>
-            <a:off x="10404465" y="654201"/>
-            <a:ext cx="747409" cy="747409"/>
+            <a:off x="9982200" y="1047259"/>
+            <a:ext cx="701040" cy="701040"/>
           </a:xfrm>
           <a:prstGeom prst="rect">
             <a:avLst/>
@@ -28565,10 +28577,177 @@
       </p:pic>
       <p:sp>
         <p:nvSpPr>
-          <p:cNvPr id="4" name="CuadroTexto 3">
-            <a:extLst>
-              <a:ext uri="{FF2B5EF4-FFF2-40B4-BE49-F238E27FC236}">
-                <a16:creationId xmlns:a16="http://schemas.microsoft.com/office/drawing/2014/main" id="{48847158-3465-4812-862D-CED8358A5CF7}"/>
+          <p:cNvPr id="10" name="Marcador de pie de página 5">
+            <a:extLst>
+              <a:ext uri="{FF2B5EF4-FFF2-40B4-BE49-F238E27FC236}">
+                <a16:creationId xmlns:a16="http://schemas.microsoft.com/office/drawing/2014/main" id="{C4BC7171-7735-4726-A052-284CD08A27CA}"/>
+              </a:ext>
+            </a:extLst>
+          </p:cNvPr>
+          <p:cNvSpPr txBox="1">
+            <a:spLocks/>
+          </p:cNvSpPr>
+          <p:nvPr/>
+        </p:nvSpPr>
+        <p:spPr>
+          <a:xfrm>
+            <a:off x="-804193" y="6356350"/>
+            <a:ext cx="4114800" cy="365125"/>
+          </a:xfrm>
+          <a:prstGeom prst="rect">
+            <a:avLst/>
+          </a:prstGeom>
+        </p:spPr>
+        <p:txBody>
+          <a:bodyPr vert="horz" lIns="91440" tIns="45720" rIns="91440" bIns="45720" rtlCol="0" anchor="ctr"/>
+          <a:lstStyle>
+            <a:defPPr rtl="0">
+              <a:defRPr lang="es-es"/>
+            </a:defPPr>
+            <a:lvl1pPr marL="0" algn="ctr" defTabSz="914400" rtl="0" eaLnBrk="1" latinLnBrk="0" hangingPunct="1">
+              <a:defRPr sz="1600" kern="1200">
+                <a:solidFill>
+                  <a:schemeClr val="tx1"/>
+                </a:solidFill>
+                <a:latin typeface="+mn-lt"/>
+                <a:ea typeface="+mn-ea"/>
+                <a:cs typeface="+mn-cs"/>
+              </a:defRPr>
+            </a:lvl1pPr>
+            <a:lvl2pPr marL="457200" algn="l" defTabSz="914400" rtl="0" eaLnBrk="1" latinLnBrk="0" hangingPunct="1">
+              <a:defRPr sz="1800" kern="1200">
+                <a:solidFill>
+                  <a:schemeClr val="tx1"/>
+                </a:solidFill>
+                <a:latin typeface="+mn-lt"/>
+                <a:ea typeface="+mn-ea"/>
+                <a:cs typeface="+mn-cs"/>
+              </a:defRPr>
+            </a:lvl2pPr>
+            <a:lvl3pPr marL="914400" algn="l" defTabSz="914400" rtl="0" eaLnBrk="1" latinLnBrk="0" hangingPunct="1">
+              <a:defRPr sz="1800" kern="1200">
+                <a:solidFill>
+                  <a:schemeClr val="tx1"/>
+                </a:solidFill>
+                <a:latin typeface="+mn-lt"/>
+                <a:ea typeface="+mn-ea"/>
+                <a:cs typeface="+mn-cs"/>
+              </a:defRPr>
+            </a:lvl3pPr>
+            <a:lvl4pPr marL="1371600" algn="l" defTabSz="914400" rtl="0" eaLnBrk="1" latinLnBrk="0" hangingPunct="1">
+              <a:defRPr sz="1800" kern="1200">
+                <a:solidFill>
+                  <a:schemeClr val="tx1"/>
+                </a:solidFill>
+                <a:latin typeface="+mn-lt"/>
+                <a:ea typeface="+mn-ea"/>
+                <a:cs typeface="+mn-cs"/>
+              </a:defRPr>
+            </a:lvl4pPr>
+            <a:lvl5pPr marL="1828800" algn="l" defTabSz="914400" rtl="0" eaLnBrk="1" latinLnBrk="0" hangingPunct="1">
+              <a:defRPr sz="1800" kern="1200">
+                <a:solidFill>
+                  <a:schemeClr val="tx1"/>
+                </a:solidFill>
+                <a:latin typeface="+mn-lt"/>
+                <a:ea typeface="+mn-ea"/>
+                <a:cs typeface="+mn-cs"/>
+              </a:defRPr>
+            </a:lvl5pPr>
+            <a:lvl6pPr marL="2286000" algn="l" defTabSz="914400" rtl="0" eaLnBrk="1" latinLnBrk="0" hangingPunct="1">
+              <a:defRPr sz="1800" kern="1200">
+                <a:solidFill>
+                  <a:schemeClr val="tx1"/>
+                </a:solidFill>
+                <a:latin typeface="+mn-lt"/>
+                <a:ea typeface="+mn-ea"/>
+                <a:cs typeface="+mn-cs"/>
+              </a:defRPr>
+            </a:lvl6pPr>
+            <a:lvl7pPr marL="2743200" algn="l" defTabSz="914400" rtl="0" eaLnBrk="1" latinLnBrk="0" hangingPunct="1">
+              <a:defRPr sz="1800" kern="1200">
+                <a:solidFill>
+                  <a:schemeClr val="tx1"/>
+                </a:solidFill>
+                <a:latin typeface="+mn-lt"/>
+                <a:ea typeface="+mn-ea"/>
+                <a:cs typeface="+mn-cs"/>
+              </a:defRPr>
+            </a:lvl7pPr>
+            <a:lvl8pPr marL="3200400" algn="l" defTabSz="914400" rtl="0" eaLnBrk="1" latinLnBrk="0" hangingPunct="1">
+              <a:defRPr sz="1800" kern="1200">
+                <a:solidFill>
+                  <a:schemeClr val="tx1"/>
+                </a:solidFill>
+                <a:latin typeface="+mn-lt"/>
+                <a:ea typeface="+mn-ea"/>
+                <a:cs typeface="+mn-cs"/>
+              </a:defRPr>
+            </a:lvl8pPr>
+            <a:lvl9pPr marL="3657600" algn="l" defTabSz="914400" rtl="0" eaLnBrk="1" latinLnBrk="0" hangingPunct="1">
+              <a:defRPr sz="1800" kern="1200">
+                <a:solidFill>
+                  <a:schemeClr val="tx1"/>
+                </a:solidFill>
+                <a:latin typeface="+mn-lt"/>
+                <a:ea typeface="+mn-ea"/>
+                <a:cs typeface="+mn-cs"/>
+              </a:defRPr>
+            </a:lvl9pPr>
+          </a:lstStyle>
+          <a:p>
+            <a:pPr>
+              <a:spcAft>
+                <a:spcPts val="600"/>
+              </a:spcAft>
+            </a:pPr>
+            <a:r>
+              <a:rPr lang="es-ES" dirty="0"/>
+              <a:t>Luis Gerardo Camara Salinas</a:t>
+            </a:r>
+          </a:p>
+        </p:txBody>
+      </p:sp>
+      <p:pic>
+        <p:nvPicPr>
+          <p:cNvPr id="11" name="image1.jpeg" descr="Un dibujo animado con letras&#10;&#10;Descripción generada automáticamente con confianza media">
+            <a:extLst>
+              <a:ext uri="{FF2B5EF4-FFF2-40B4-BE49-F238E27FC236}">
+                <a16:creationId xmlns:a16="http://schemas.microsoft.com/office/drawing/2014/main" id="{1A6CEF60-99D9-4B9D-9C7F-ADDBE771ECC7}"/>
+              </a:ext>
+            </a:extLst>
+          </p:cNvPr>
+          <p:cNvPicPr/>
+          <p:nvPr/>
+        </p:nvPicPr>
+        <p:blipFill>
+          <a:blip r:embed="rId4" cstate="print">
+            <a:extLst>
+              <a:ext uri="{28A0092B-C50C-407E-A947-70E740481C1C}">
+                <a14:useLocalDpi xmlns:a14="http://schemas.microsoft.com/office/drawing/2010/main" val="0"/>
+              </a:ext>
+            </a:extLst>
+          </a:blip>
+          <a:stretch>
+            <a:fillRect/>
+          </a:stretch>
+        </p:blipFill>
+        <p:spPr>
+          <a:xfrm>
+            <a:off x="173080" y="365125"/>
+            <a:ext cx="1852930" cy="701040"/>
+          </a:xfrm>
+          <a:prstGeom prst="rect">
+            <a:avLst/>
+          </a:prstGeom>
+        </p:spPr>
+      </p:pic>
+      <p:sp>
+        <p:nvSpPr>
+          <p:cNvPr id="12" name="CuadroTexto 11">
+            <a:extLst>
+              <a:ext uri="{FF2B5EF4-FFF2-40B4-BE49-F238E27FC236}">
+                <a16:creationId xmlns:a16="http://schemas.microsoft.com/office/drawing/2014/main" id="{3C575B82-57D0-4FCE-B23C-ECA7FC85D576}"/>
               </a:ext>
             </a:extLst>
           </p:cNvPr>
@@ -28577,8 +28756,8 @@
         </p:nvSpPr>
         <p:spPr>
           <a:xfrm>
-            <a:off x="5207879" y="2662602"/>
-            <a:ext cx="5570290" cy="2862322"/>
+            <a:off x="713147" y="2105561"/>
+            <a:ext cx="10640653" cy="707886"/>
           </a:xfrm>
           <a:prstGeom prst="rect">
             <a:avLst/>
@@ -28592,42 +28771,76 @@
           <a:lstStyle/>
           <a:p>
             <a:r>
-              <a:rPr lang="en-US" sz="3600" dirty="0">
-                <a:solidFill>
-                  <a:srgbClr val="3D3B49"/>
-                </a:solidFill>
+              <a:rPr lang="es-ES" sz="4000" dirty="0">
                 <a:latin typeface="The Hand Black (Cuerpo)"/>
               </a:rPr>
-              <a:t>In every project, you need requirements, design, testing, deployment, and maintenance.</a:t>
-            </a:r>
-          </a:p>
-          <a:p>
-            <a:endParaRPr lang="en-US" sz="3600" dirty="0">
-              <a:solidFill>
-                <a:srgbClr val="3D3B49"/>
-              </a:solidFill>
+              <a:t>V-MODEL</a:t>
+            </a:r>
+            <a:endParaRPr lang="es-MX" sz="4000" dirty="0">
               <a:latin typeface="The Hand Black (Cuerpo)"/>
             </a:endParaRPr>
           </a:p>
-          <a:p>
-            <a:r>
-              <a:rPr lang="en-US" sz="3600" dirty="0">
+        </p:txBody>
+      </p:sp>
+      <p:sp>
+        <p:nvSpPr>
+          <p:cNvPr id="9" name="CuadroTexto 8">
+            <a:extLst>
+              <a:ext uri="{FF2B5EF4-FFF2-40B4-BE49-F238E27FC236}">
+                <a16:creationId xmlns:a16="http://schemas.microsoft.com/office/drawing/2014/main" id="{6A5BF80C-FEF9-46CF-98B3-E2646C27DA0F}"/>
+              </a:ext>
+            </a:extLst>
+          </p:cNvPr>
+          <p:cNvSpPr txBox="1"/>
+          <p:nvPr/>
+        </p:nvSpPr>
+        <p:spPr>
+          <a:xfrm>
+            <a:off x="713147" y="2787695"/>
+            <a:ext cx="10268199" cy="830997"/>
+          </a:xfrm>
+          <a:prstGeom prst="rect">
+            <a:avLst/>
+          </a:prstGeom>
+          <a:noFill/>
+        </p:spPr>
+        <p:txBody>
+          <a:bodyPr wrap="square" rtlCol="0">
+            <a:spAutoFit/>
+          </a:bodyPr>
+          <a:lstStyle/>
+          <a:p>
+            <a:pPr marL="571500" indent="-571500">
+              <a:buFont typeface="Arial" panose="020B0604020202020204" pitchFamily="34" charset="0"/>
+              <a:buChar char="•"/>
+            </a:pPr>
+            <a:r>
+              <a:rPr lang="en-US" sz="2400" dirty="0">
                 <a:latin typeface="The Hand Black (Cuerpo)"/>
               </a:rPr>
-              <a:t>Exactly how you handle those tasks can vary depending on the scope of the project.</a:t>
-            </a:r>
-            <a:endParaRPr lang="es-MX" sz="3600" dirty="0">
-              <a:latin typeface="The Hand Black (Cuerpo)"/>
-            </a:endParaRPr>
+              <a:t>V-model is basically a waterfall that’s been bent into a V shape</a:t>
+            </a:r>
+          </a:p>
+          <a:p>
+            <a:pPr marL="571500" indent="-571500">
+              <a:buFont typeface="Arial" panose="020B0604020202020204" pitchFamily="34" charset="0"/>
+              <a:buChar char="•"/>
+            </a:pPr>
+            <a:r>
+              <a:rPr lang="en-US" sz="2400" dirty="0">
+                <a:latin typeface="The Hand Black (Cuerpo)"/>
+              </a:rPr>
+              <a:t>Each of the tasks on the left corresponds to a task on the right with a similar level of abstraction.</a:t>
+            </a:r>
           </a:p>
         </p:txBody>
       </p:sp>
       <p:pic>
         <p:nvPicPr>
-          <p:cNvPr id="8" name="Picture 4" descr="What is Software Development Life Cycle (SDLC)? - Strolve">
-            <a:extLst>
-              <a:ext uri="{FF2B5EF4-FFF2-40B4-BE49-F238E27FC236}">
-                <a16:creationId xmlns:a16="http://schemas.microsoft.com/office/drawing/2014/main" id="{BA68345D-E252-4949-8ABE-2BB3C61860E1}"/>
+          <p:cNvPr id="8194" name="Picture 2" descr="images">
+            <a:extLst>
+              <a:ext uri="{FF2B5EF4-FFF2-40B4-BE49-F238E27FC236}">
+                <a16:creationId xmlns:a16="http://schemas.microsoft.com/office/drawing/2014/main" id="{F443D5F8-4DD9-4F1A-BEDA-1346264F4B71}"/>
               </a:ext>
             </a:extLst>
           </p:cNvPr>
@@ -28637,7 +28850,7 @@
           <p:nvPr/>
         </p:nvPicPr>
         <p:blipFill>
-          <a:blip r:embed="rId4">
+          <a:blip r:embed="rId5">
             <a:extLst>
               <a:ext uri="{28A0092B-C50C-407E-A947-70E740481C1C}">
                 <a14:useLocalDpi xmlns:a14="http://schemas.microsoft.com/office/drawing/2010/main" val="0"/>
@@ -28651,8 +28864,8 @@
         </p:blipFill>
         <p:spPr bwMode="auto">
           <a:xfrm>
-            <a:off x="920406" y="2662602"/>
-            <a:ext cx="3830273" cy="3830273"/>
+            <a:off x="3767807" y="3761369"/>
+            <a:ext cx="4353370" cy="2671881"/>
           </a:xfrm>
           <a:prstGeom prst="rect">
             <a:avLst/>
@@ -28672,7 +28885,440 @@
     </p:spTree>
     <p:extLst>
       <p:ext uri="{BB962C8B-B14F-4D97-AF65-F5344CB8AC3E}">
-        <p14:creationId xmlns:p14="http://schemas.microsoft.com/office/powerpoint/2010/main" val="3655303103"/>
+        <p14:creationId xmlns:p14="http://schemas.microsoft.com/office/powerpoint/2010/main" val="1994105600"/>
+      </p:ext>
+    </p:extLst>
+  </p:cSld>
+  <p:clrMapOvr>
+    <a:masterClrMapping/>
+  </p:clrMapOvr>
+</p:sld>
+</file>
+
+<file path=ppt/slides/slide29.xml><?xml version="1.0" encoding="utf-8"?>
+<p:sld xmlns:a="http://schemas.openxmlformats.org/drawingml/2006/main" xmlns:r="http://schemas.openxmlformats.org/officeDocument/2006/relationships" xmlns:p="http://schemas.openxmlformats.org/presentationml/2006/main">
+  <p:cSld>
+    <p:spTree>
+      <p:nvGrpSpPr>
+        <p:cNvPr id="1" name=""/>
+        <p:cNvGrpSpPr/>
+        <p:nvPr/>
+      </p:nvGrpSpPr>
+      <p:grpSpPr>
+        <a:xfrm>
+          <a:off x="0" y="0"/>
+          <a:ext cx="0" cy="0"/>
+          <a:chOff x="0" y="0"/>
+          <a:chExt cx="0" cy="0"/>
+        </a:xfrm>
+      </p:grpSpPr>
+      <p:sp>
+        <p:nvSpPr>
+          <p:cNvPr id="2" name="Título 1">
+            <a:extLst>
+              <a:ext uri="{FF2B5EF4-FFF2-40B4-BE49-F238E27FC236}">
+                <a16:creationId xmlns:a16="http://schemas.microsoft.com/office/drawing/2014/main" id="{FDD31483-0B96-49D3-A8CB-3FD03F661093}"/>
+              </a:ext>
+            </a:extLst>
+          </p:cNvPr>
+          <p:cNvSpPr>
+            <a:spLocks noGrp="1"/>
+          </p:cNvSpPr>
+          <p:nvPr>
+            <p:ph type="title"/>
+          </p:nvPr>
+        </p:nvSpPr>
+        <p:spPr>
+          <a:xfrm>
+            <a:off x="853440" y="734998"/>
+            <a:ext cx="10515600" cy="1325563"/>
+          </a:xfrm>
+        </p:spPr>
+        <p:txBody>
+          <a:bodyPr>
+            <a:normAutofit/>
+          </a:bodyPr>
+          <a:lstStyle/>
+          <a:p>
+            <a:r>
+              <a:rPr lang="en-CA" sz="5400" dirty="0"/>
+              <a:t>Software development models</a:t>
+            </a:r>
+            <a:endParaRPr lang="es-MX" sz="5400" dirty="0"/>
+          </a:p>
+        </p:txBody>
+      </p:sp>
+      <p:sp>
+        <p:nvSpPr>
+          <p:cNvPr id="6" name="Marcador de pie de página 5">
+            <a:extLst>
+              <a:ext uri="{FF2B5EF4-FFF2-40B4-BE49-F238E27FC236}">
+                <a16:creationId xmlns:a16="http://schemas.microsoft.com/office/drawing/2014/main" id="{CCEDAD4E-B8D1-47AC-92A0-CC700C06B788}"/>
+              </a:ext>
+            </a:extLst>
+          </p:cNvPr>
+          <p:cNvSpPr>
+            <a:spLocks noGrp="1"/>
+          </p:cNvSpPr>
+          <p:nvPr>
+            <p:ph type="ftr" sz="quarter" idx="11"/>
+          </p:nvPr>
+        </p:nvSpPr>
+        <p:spPr/>
+        <p:txBody>
+          <a:bodyPr/>
+          <a:lstStyle/>
+          <a:p>
+            <a:pPr rtl="0">
+              <a:spcAft>
+                <a:spcPts val="600"/>
+              </a:spcAft>
+            </a:pPr>
+            <a:r>
+              <a:rPr lang="es-ES" noProof="0" dirty="0" err="1"/>
+              <a:t>Advanced</a:t>
+            </a:r>
+            <a:r>
+              <a:rPr lang="es-ES" noProof="0" dirty="0"/>
+              <a:t> </a:t>
+            </a:r>
+            <a:r>
+              <a:rPr lang="es-ES" noProof="0" dirty="0" err="1"/>
+              <a:t>Programming</a:t>
+            </a:r>
+            <a:endParaRPr lang="es-ES" noProof="0" dirty="0"/>
+          </a:p>
+        </p:txBody>
+      </p:sp>
+      <p:sp>
+        <p:nvSpPr>
+          <p:cNvPr id="7" name="Marcador de número de diapositiva 6">
+            <a:extLst>
+              <a:ext uri="{FF2B5EF4-FFF2-40B4-BE49-F238E27FC236}">
+                <a16:creationId xmlns:a16="http://schemas.microsoft.com/office/drawing/2014/main" id="{55B14F44-F565-4BBD-A079-E1F615D762F1}"/>
+              </a:ext>
+            </a:extLst>
+          </p:cNvPr>
+          <p:cNvSpPr>
+            <a:spLocks noGrp="1"/>
+          </p:cNvSpPr>
+          <p:nvPr>
+            <p:ph type="sldNum" sz="quarter" idx="12"/>
+          </p:nvPr>
+        </p:nvSpPr>
+        <p:spPr/>
+        <p:txBody>
+          <a:bodyPr/>
+          <a:lstStyle/>
+          <a:p>
+            <a:pPr rtl="0"/>
+            <a:fld id="{2C18C1E5-FB55-42F5-BD6D-9CC153FCDBE6}" type="slidenum">
+              <a:rPr lang="es-ES" noProof="0" smtClean="0"/>
+              <a:t>29</a:t>
+            </a:fld>
+            <a:endParaRPr lang="es-ES" noProof="0"/>
+          </a:p>
+        </p:txBody>
+      </p:sp>
+      <p:pic>
+        <p:nvPicPr>
+          <p:cNvPr id="8" name="Marcador de imagen en línea 27" descr="Diseño web con relleno sólido">
+            <a:extLst>
+              <a:ext uri="{FF2B5EF4-FFF2-40B4-BE49-F238E27FC236}">
+                <a16:creationId xmlns:a16="http://schemas.microsoft.com/office/drawing/2014/main" id="{1771A7BA-C2C8-4AB5-8143-9E20EA009BE6}"/>
+              </a:ext>
+            </a:extLst>
+          </p:cNvPr>
+          <p:cNvPicPr>
+            <a:picLocks noChangeAspect="1"/>
+          </p:cNvPicPr>
+          <p:nvPr/>
+        </p:nvPicPr>
+        <p:blipFill>
+          <a:blip r:embed="rId2">
+            <a:extLst>
+              <a:ext uri="{96DAC541-7B7A-43D3-8B79-37D633B846F1}">
+                <asvg:svgBlip xmlns:asvg="http://schemas.microsoft.com/office/drawing/2016/SVG/main" r:embed="rId3"/>
+              </a:ext>
+            </a:extLst>
+          </a:blip>
+          <a:srcRect/>
+          <a:stretch/>
+        </p:blipFill>
+        <p:spPr>
+          <a:xfrm>
+            <a:off x="9982200" y="1047259"/>
+            <a:ext cx="701040" cy="701040"/>
+          </a:xfrm>
+          <a:prstGeom prst="rect">
+            <a:avLst/>
+          </a:prstGeom>
+        </p:spPr>
+      </p:pic>
+      <p:sp>
+        <p:nvSpPr>
+          <p:cNvPr id="10" name="Marcador de pie de página 5">
+            <a:extLst>
+              <a:ext uri="{FF2B5EF4-FFF2-40B4-BE49-F238E27FC236}">
+                <a16:creationId xmlns:a16="http://schemas.microsoft.com/office/drawing/2014/main" id="{C4BC7171-7735-4726-A052-284CD08A27CA}"/>
+              </a:ext>
+            </a:extLst>
+          </p:cNvPr>
+          <p:cNvSpPr txBox="1">
+            <a:spLocks/>
+          </p:cNvSpPr>
+          <p:nvPr/>
+        </p:nvSpPr>
+        <p:spPr>
+          <a:xfrm>
+            <a:off x="-804193" y="6356350"/>
+            <a:ext cx="4114800" cy="365125"/>
+          </a:xfrm>
+          <a:prstGeom prst="rect">
+            <a:avLst/>
+          </a:prstGeom>
+        </p:spPr>
+        <p:txBody>
+          <a:bodyPr vert="horz" lIns="91440" tIns="45720" rIns="91440" bIns="45720" rtlCol="0" anchor="ctr"/>
+          <a:lstStyle>
+            <a:defPPr rtl="0">
+              <a:defRPr lang="es-es"/>
+            </a:defPPr>
+            <a:lvl1pPr marL="0" algn="ctr" defTabSz="914400" rtl="0" eaLnBrk="1" latinLnBrk="0" hangingPunct="1">
+              <a:defRPr sz="1600" kern="1200">
+                <a:solidFill>
+                  <a:schemeClr val="tx1"/>
+                </a:solidFill>
+                <a:latin typeface="+mn-lt"/>
+                <a:ea typeface="+mn-ea"/>
+                <a:cs typeface="+mn-cs"/>
+              </a:defRPr>
+            </a:lvl1pPr>
+            <a:lvl2pPr marL="457200" algn="l" defTabSz="914400" rtl="0" eaLnBrk="1" latinLnBrk="0" hangingPunct="1">
+              <a:defRPr sz="1800" kern="1200">
+                <a:solidFill>
+                  <a:schemeClr val="tx1"/>
+                </a:solidFill>
+                <a:latin typeface="+mn-lt"/>
+                <a:ea typeface="+mn-ea"/>
+                <a:cs typeface="+mn-cs"/>
+              </a:defRPr>
+            </a:lvl2pPr>
+            <a:lvl3pPr marL="914400" algn="l" defTabSz="914400" rtl="0" eaLnBrk="1" latinLnBrk="0" hangingPunct="1">
+              <a:defRPr sz="1800" kern="1200">
+                <a:solidFill>
+                  <a:schemeClr val="tx1"/>
+                </a:solidFill>
+                <a:latin typeface="+mn-lt"/>
+                <a:ea typeface="+mn-ea"/>
+                <a:cs typeface="+mn-cs"/>
+              </a:defRPr>
+            </a:lvl3pPr>
+            <a:lvl4pPr marL="1371600" algn="l" defTabSz="914400" rtl="0" eaLnBrk="1" latinLnBrk="0" hangingPunct="1">
+              <a:defRPr sz="1800" kern="1200">
+                <a:solidFill>
+                  <a:schemeClr val="tx1"/>
+                </a:solidFill>
+                <a:latin typeface="+mn-lt"/>
+                <a:ea typeface="+mn-ea"/>
+                <a:cs typeface="+mn-cs"/>
+              </a:defRPr>
+            </a:lvl4pPr>
+            <a:lvl5pPr marL="1828800" algn="l" defTabSz="914400" rtl="0" eaLnBrk="1" latinLnBrk="0" hangingPunct="1">
+              <a:defRPr sz="1800" kern="1200">
+                <a:solidFill>
+                  <a:schemeClr val="tx1"/>
+                </a:solidFill>
+                <a:latin typeface="+mn-lt"/>
+                <a:ea typeface="+mn-ea"/>
+                <a:cs typeface="+mn-cs"/>
+              </a:defRPr>
+            </a:lvl5pPr>
+            <a:lvl6pPr marL="2286000" algn="l" defTabSz="914400" rtl="0" eaLnBrk="1" latinLnBrk="0" hangingPunct="1">
+              <a:defRPr sz="1800" kern="1200">
+                <a:solidFill>
+                  <a:schemeClr val="tx1"/>
+                </a:solidFill>
+                <a:latin typeface="+mn-lt"/>
+                <a:ea typeface="+mn-ea"/>
+                <a:cs typeface="+mn-cs"/>
+              </a:defRPr>
+            </a:lvl6pPr>
+            <a:lvl7pPr marL="2743200" algn="l" defTabSz="914400" rtl="0" eaLnBrk="1" latinLnBrk="0" hangingPunct="1">
+              <a:defRPr sz="1800" kern="1200">
+                <a:solidFill>
+                  <a:schemeClr val="tx1"/>
+                </a:solidFill>
+                <a:latin typeface="+mn-lt"/>
+                <a:ea typeface="+mn-ea"/>
+                <a:cs typeface="+mn-cs"/>
+              </a:defRPr>
+            </a:lvl7pPr>
+            <a:lvl8pPr marL="3200400" algn="l" defTabSz="914400" rtl="0" eaLnBrk="1" latinLnBrk="0" hangingPunct="1">
+              <a:defRPr sz="1800" kern="1200">
+                <a:solidFill>
+                  <a:schemeClr val="tx1"/>
+                </a:solidFill>
+                <a:latin typeface="+mn-lt"/>
+                <a:ea typeface="+mn-ea"/>
+                <a:cs typeface="+mn-cs"/>
+              </a:defRPr>
+            </a:lvl8pPr>
+            <a:lvl9pPr marL="3657600" algn="l" defTabSz="914400" rtl="0" eaLnBrk="1" latinLnBrk="0" hangingPunct="1">
+              <a:defRPr sz="1800" kern="1200">
+                <a:solidFill>
+                  <a:schemeClr val="tx1"/>
+                </a:solidFill>
+                <a:latin typeface="+mn-lt"/>
+                <a:ea typeface="+mn-ea"/>
+                <a:cs typeface="+mn-cs"/>
+              </a:defRPr>
+            </a:lvl9pPr>
+          </a:lstStyle>
+          <a:p>
+            <a:pPr>
+              <a:spcAft>
+                <a:spcPts val="600"/>
+              </a:spcAft>
+            </a:pPr>
+            <a:r>
+              <a:rPr lang="es-ES" dirty="0"/>
+              <a:t>Luis Gerardo Camara Salinas</a:t>
+            </a:r>
+          </a:p>
+        </p:txBody>
+      </p:sp>
+      <p:pic>
+        <p:nvPicPr>
+          <p:cNvPr id="11" name="image1.jpeg" descr="Un dibujo animado con letras&#10;&#10;Descripción generada automáticamente con confianza media">
+            <a:extLst>
+              <a:ext uri="{FF2B5EF4-FFF2-40B4-BE49-F238E27FC236}">
+                <a16:creationId xmlns:a16="http://schemas.microsoft.com/office/drawing/2014/main" id="{1A6CEF60-99D9-4B9D-9C7F-ADDBE771ECC7}"/>
+              </a:ext>
+            </a:extLst>
+          </p:cNvPr>
+          <p:cNvPicPr/>
+          <p:nvPr/>
+        </p:nvPicPr>
+        <p:blipFill>
+          <a:blip r:embed="rId4" cstate="print">
+            <a:extLst>
+              <a:ext uri="{28A0092B-C50C-407E-A947-70E740481C1C}">
+                <a14:useLocalDpi xmlns:a14="http://schemas.microsoft.com/office/drawing/2010/main" val="0"/>
+              </a:ext>
+            </a:extLst>
+          </a:blip>
+          <a:stretch>
+            <a:fillRect/>
+          </a:stretch>
+        </p:blipFill>
+        <p:spPr>
+          <a:xfrm>
+            <a:off x="173080" y="365125"/>
+            <a:ext cx="1852930" cy="701040"/>
+          </a:xfrm>
+          <a:prstGeom prst="rect">
+            <a:avLst/>
+          </a:prstGeom>
+        </p:spPr>
+      </p:pic>
+      <p:sp>
+        <p:nvSpPr>
+          <p:cNvPr id="12" name="CuadroTexto 11">
+            <a:extLst>
+              <a:ext uri="{FF2B5EF4-FFF2-40B4-BE49-F238E27FC236}">
+                <a16:creationId xmlns:a16="http://schemas.microsoft.com/office/drawing/2014/main" id="{3C575B82-57D0-4FCE-B23C-ECA7FC85D576}"/>
+              </a:ext>
+            </a:extLst>
+          </p:cNvPr>
+          <p:cNvSpPr txBox="1"/>
+          <p:nvPr/>
+        </p:nvSpPr>
+        <p:spPr>
+          <a:xfrm>
+            <a:off x="713147" y="2105561"/>
+            <a:ext cx="10640653" cy="707886"/>
+          </a:xfrm>
+          <a:prstGeom prst="rect">
+            <a:avLst/>
+          </a:prstGeom>
+          <a:noFill/>
+        </p:spPr>
+        <p:txBody>
+          <a:bodyPr wrap="square" rtlCol="0">
+            <a:spAutoFit/>
+          </a:bodyPr>
+          <a:lstStyle/>
+          <a:p>
+            <a:r>
+              <a:rPr lang="es-ES" sz="4000" dirty="0" err="1">
+                <a:latin typeface="The Hand Black (Cuerpo)"/>
+              </a:rPr>
+              <a:t>Iterative</a:t>
+            </a:r>
+            <a:r>
+              <a:rPr lang="es-ES" sz="4000" dirty="0">
+                <a:latin typeface="The Hand Black (Cuerpo)"/>
+              </a:rPr>
+              <a:t> </a:t>
+            </a:r>
+            <a:r>
+              <a:rPr lang="es-ES" sz="4000" dirty="0" err="1">
+                <a:latin typeface="The Hand Black (Cuerpo)"/>
+              </a:rPr>
+              <a:t>models</a:t>
+            </a:r>
+            <a:endParaRPr lang="es-MX" sz="4000" dirty="0">
+              <a:latin typeface="The Hand Black (Cuerpo)"/>
+            </a:endParaRPr>
+          </a:p>
+        </p:txBody>
+      </p:sp>
+      <p:sp>
+        <p:nvSpPr>
+          <p:cNvPr id="9" name="CuadroTexto 8">
+            <a:extLst>
+              <a:ext uri="{FF2B5EF4-FFF2-40B4-BE49-F238E27FC236}">
+                <a16:creationId xmlns:a16="http://schemas.microsoft.com/office/drawing/2014/main" id="{6A5BF80C-FEF9-46CF-98B3-E2646C27DA0F}"/>
+              </a:ext>
+            </a:extLst>
+          </p:cNvPr>
+          <p:cNvSpPr txBox="1"/>
+          <p:nvPr/>
+        </p:nvSpPr>
+        <p:spPr>
+          <a:xfrm>
+            <a:off x="713147" y="2787695"/>
+            <a:ext cx="10268199" cy="830997"/>
+          </a:xfrm>
+          <a:prstGeom prst="rect">
+            <a:avLst/>
+          </a:prstGeom>
+          <a:noFill/>
+        </p:spPr>
+        <p:txBody>
+          <a:bodyPr wrap="square" rtlCol="0">
+            <a:spAutoFit/>
+          </a:bodyPr>
+          <a:lstStyle/>
+          <a:p>
+            <a:pPr marL="571500" indent="-571500">
+              <a:buFont typeface="Arial" panose="020B0604020202020204" pitchFamily="34" charset="0"/>
+              <a:buChar char="•"/>
+            </a:pPr>
+            <a:r>
+              <a:rPr lang="en-US" sz="2400" dirty="0">
+                <a:latin typeface="The Hand Black (Cuerpo)"/>
+              </a:rPr>
+              <a:t>Predictive software development has some big advantages. It’s predictable, encourages a lot of up-front design (hence the nickname big design up front or BDUF)</a:t>
+            </a:r>
+          </a:p>
+        </p:txBody>
+      </p:sp>
+    </p:spTree>
+    <p:extLst>
+      <p:ext uri="{BB962C8B-B14F-4D97-AF65-F5344CB8AC3E}">
+        <p14:creationId xmlns:p14="http://schemas.microsoft.com/office/powerpoint/2010/main" val="2219700461"/>
       </p:ext>
     </p:extLst>
   </p:cSld>
@@ -29228,6 +29874,4716 @@
 </p:sld>
 </file>
 
+<file path=ppt/slides/slide30.xml><?xml version="1.0" encoding="utf-8"?>
+<p:sld xmlns:a="http://schemas.openxmlformats.org/drawingml/2006/main" xmlns:r="http://schemas.openxmlformats.org/officeDocument/2006/relationships" xmlns:p="http://schemas.openxmlformats.org/presentationml/2006/main">
+  <p:cSld>
+    <p:spTree>
+      <p:nvGrpSpPr>
+        <p:cNvPr id="1" name=""/>
+        <p:cNvGrpSpPr/>
+        <p:nvPr/>
+      </p:nvGrpSpPr>
+      <p:grpSpPr>
+        <a:xfrm>
+          <a:off x="0" y="0"/>
+          <a:ext cx="0" cy="0"/>
+          <a:chOff x="0" y="0"/>
+          <a:chExt cx="0" cy="0"/>
+        </a:xfrm>
+      </p:grpSpPr>
+      <p:sp>
+        <p:nvSpPr>
+          <p:cNvPr id="2" name="Título 1">
+            <a:extLst>
+              <a:ext uri="{FF2B5EF4-FFF2-40B4-BE49-F238E27FC236}">
+                <a16:creationId xmlns:a16="http://schemas.microsoft.com/office/drawing/2014/main" id="{FDD31483-0B96-49D3-A8CB-3FD03F661093}"/>
+              </a:ext>
+            </a:extLst>
+          </p:cNvPr>
+          <p:cNvSpPr>
+            <a:spLocks noGrp="1"/>
+          </p:cNvSpPr>
+          <p:nvPr>
+            <p:ph type="title"/>
+          </p:nvPr>
+        </p:nvSpPr>
+        <p:spPr>
+          <a:xfrm>
+            <a:off x="853440" y="734998"/>
+            <a:ext cx="10515600" cy="1325563"/>
+          </a:xfrm>
+        </p:spPr>
+        <p:txBody>
+          <a:bodyPr>
+            <a:normAutofit/>
+          </a:bodyPr>
+          <a:lstStyle/>
+          <a:p>
+            <a:r>
+              <a:rPr lang="en-CA" sz="5400" dirty="0"/>
+              <a:t>Software development models</a:t>
+            </a:r>
+            <a:endParaRPr lang="es-MX" sz="5400" dirty="0"/>
+          </a:p>
+        </p:txBody>
+      </p:sp>
+      <p:sp>
+        <p:nvSpPr>
+          <p:cNvPr id="6" name="Marcador de pie de página 5">
+            <a:extLst>
+              <a:ext uri="{FF2B5EF4-FFF2-40B4-BE49-F238E27FC236}">
+                <a16:creationId xmlns:a16="http://schemas.microsoft.com/office/drawing/2014/main" id="{CCEDAD4E-B8D1-47AC-92A0-CC700C06B788}"/>
+              </a:ext>
+            </a:extLst>
+          </p:cNvPr>
+          <p:cNvSpPr>
+            <a:spLocks noGrp="1"/>
+          </p:cNvSpPr>
+          <p:nvPr>
+            <p:ph type="ftr" sz="quarter" idx="11"/>
+          </p:nvPr>
+        </p:nvSpPr>
+        <p:spPr/>
+        <p:txBody>
+          <a:bodyPr/>
+          <a:lstStyle/>
+          <a:p>
+            <a:pPr rtl="0">
+              <a:spcAft>
+                <a:spcPts val="600"/>
+              </a:spcAft>
+            </a:pPr>
+            <a:r>
+              <a:rPr lang="es-ES" noProof="0" dirty="0" err="1"/>
+              <a:t>Advanced</a:t>
+            </a:r>
+            <a:r>
+              <a:rPr lang="es-ES" noProof="0" dirty="0"/>
+              <a:t> </a:t>
+            </a:r>
+            <a:r>
+              <a:rPr lang="es-ES" noProof="0" dirty="0" err="1"/>
+              <a:t>Programming</a:t>
+            </a:r>
+            <a:endParaRPr lang="es-ES" noProof="0" dirty="0"/>
+          </a:p>
+        </p:txBody>
+      </p:sp>
+      <p:sp>
+        <p:nvSpPr>
+          <p:cNvPr id="7" name="Marcador de número de diapositiva 6">
+            <a:extLst>
+              <a:ext uri="{FF2B5EF4-FFF2-40B4-BE49-F238E27FC236}">
+                <a16:creationId xmlns:a16="http://schemas.microsoft.com/office/drawing/2014/main" id="{55B14F44-F565-4BBD-A079-E1F615D762F1}"/>
+              </a:ext>
+            </a:extLst>
+          </p:cNvPr>
+          <p:cNvSpPr>
+            <a:spLocks noGrp="1"/>
+          </p:cNvSpPr>
+          <p:nvPr>
+            <p:ph type="sldNum" sz="quarter" idx="12"/>
+          </p:nvPr>
+        </p:nvSpPr>
+        <p:spPr/>
+        <p:txBody>
+          <a:bodyPr/>
+          <a:lstStyle/>
+          <a:p>
+            <a:pPr rtl="0"/>
+            <a:fld id="{2C18C1E5-FB55-42F5-BD6D-9CC153FCDBE6}" type="slidenum">
+              <a:rPr lang="es-ES" noProof="0" smtClean="0"/>
+              <a:t>30</a:t>
+            </a:fld>
+            <a:endParaRPr lang="es-ES" noProof="0"/>
+          </a:p>
+        </p:txBody>
+      </p:sp>
+      <p:pic>
+        <p:nvPicPr>
+          <p:cNvPr id="8" name="Marcador de imagen en línea 27" descr="Diseño web con relleno sólido">
+            <a:extLst>
+              <a:ext uri="{FF2B5EF4-FFF2-40B4-BE49-F238E27FC236}">
+                <a16:creationId xmlns:a16="http://schemas.microsoft.com/office/drawing/2014/main" id="{1771A7BA-C2C8-4AB5-8143-9E20EA009BE6}"/>
+              </a:ext>
+            </a:extLst>
+          </p:cNvPr>
+          <p:cNvPicPr>
+            <a:picLocks noChangeAspect="1"/>
+          </p:cNvPicPr>
+          <p:nvPr/>
+        </p:nvPicPr>
+        <p:blipFill>
+          <a:blip r:embed="rId2">
+            <a:extLst>
+              <a:ext uri="{96DAC541-7B7A-43D3-8B79-37D633B846F1}">
+                <asvg:svgBlip xmlns:asvg="http://schemas.microsoft.com/office/drawing/2016/SVG/main" r:embed="rId3"/>
+              </a:ext>
+            </a:extLst>
+          </a:blip>
+          <a:srcRect/>
+          <a:stretch/>
+        </p:blipFill>
+        <p:spPr>
+          <a:xfrm>
+            <a:off x="9982200" y="1047259"/>
+            <a:ext cx="701040" cy="701040"/>
+          </a:xfrm>
+          <a:prstGeom prst="rect">
+            <a:avLst/>
+          </a:prstGeom>
+        </p:spPr>
+      </p:pic>
+      <p:sp>
+        <p:nvSpPr>
+          <p:cNvPr id="10" name="Marcador de pie de página 5">
+            <a:extLst>
+              <a:ext uri="{FF2B5EF4-FFF2-40B4-BE49-F238E27FC236}">
+                <a16:creationId xmlns:a16="http://schemas.microsoft.com/office/drawing/2014/main" id="{C4BC7171-7735-4726-A052-284CD08A27CA}"/>
+              </a:ext>
+            </a:extLst>
+          </p:cNvPr>
+          <p:cNvSpPr txBox="1">
+            <a:spLocks/>
+          </p:cNvSpPr>
+          <p:nvPr/>
+        </p:nvSpPr>
+        <p:spPr>
+          <a:xfrm>
+            <a:off x="-804193" y="6356350"/>
+            <a:ext cx="4114800" cy="365125"/>
+          </a:xfrm>
+          <a:prstGeom prst="rect">
+            <a:avLst/>
+          </a:prstGeom>
+        </p:spPr>
+        <p:txBody>
+          <a:bodyPr vert="horz" lIns="91440" tIns="45720" rIns="91440" bIns="45720" rtlCol="0" anchor="ctr"/>
+          <a:lstStyle>
+            <a:defPPr rtl="0">
+              <a:defRPr lang="es-es"/>
+            </a:defPPr>
+            <a:lvl1pPr marL="0" algn="ctr" defTabSz="914400" rtl="0" eaLnBrk="1" latinLnBrk="0" hangingPunct="1">
+              <a:defRPr sz="1600" kern="1200">
+                <a:solidFill>
+                  <a:schemeClr val="tx1"/>
+                </a:solidFill>
+                <a:latin typeface="+mn-lt"/>
+                <a:ea typeface="+mn-ea"/>
+                <a:cs typeface="+mn-cs"/>
+              </a:defRPr>
+            </a:lvl1pPr>
+            <a:lvl2pPr marL="457200" algn="l" defTabSz="914400" rtl="0" eaLnBrk="1" latinLnBrk="0" hangingPunct="1">
+              <a:defRPr sz="1800" kern="1200">
+                <a:solidFill>
+                  <a:schemeClr val="tx1"/>
+                </a:solidFill>
+                <a:latin typeface="+mn-lt"/>
+                <a:ea typeface="+mn-ea"/>
+                <a:cs typeface="+mn-cs"/>
+              </a:defRPr>
+            </a:lvl2pPr>
+            <a:lvl3pPr marL="914400" algn="l" defTabSz="914400" rtl="0" eaLnBrk="1" latinLnBrk="0" hangingPunct="1">
+              <a:defRPr sz="1800" kern="1200">
+                <a:solidFill>
+                  <a:schemeClr val="tx1"/>
+                </a:solidFill>
+                <a:latin typeface="+mn-lt"/>
+                <a:ea typeface="+mn-ea"/>
+                <a:cs typeface="+mn-cs"/>
+              </a:defRPr>
+            </a:lvl3pPr>
+            <a:lvl4pPr marL="1371600" algn="l" defTabSz="914400" rtl="0" eaLnBrk="1" latinLnBrk="0" hangingPunct="1">
+              <a:defRPr sz="1800" kern="1200">
+                <a:solidFill>
+                  <a:schemeClr val="tx1"/>
+                </a:solidFill>
+                <a:latin typeface="+mn-lt"/>
+                <a:ea typeface="+mn-ea"/>
+                <a:cs typeface="+mn-cs"/>
+              </a:defRPr>
+            </a:lvl4pPr>
+            <a:lvl5pPr marL="1828800" algn="l" defTabSz="914400" rtl="0" eaLnBrk="1" latinLnBrk="0" hangingPunct="1">
+              <a:defRPr sz="1800" kern="1200">
+                <a:solidFill>
+                  <a:schemeClr val="tx1"/>
+                </a:solidFill>
+                <a:latin typeface="+mn-lt"/>
+                <a:ea typeface="+mn-ea"/>
+                <a:cs typeface="+mn-cs"/>
+              </a:defRPr>
+            </a:lvl5pPr>
+            <a:lvl6pPr marL="2286000" algn="l" defTabSz="914400" rtl="0" eaLnBrk="1" latinLnBrk="0" hangingPunct="1">
+              <a:defRPr sz="1800" kern="1200">
+                <a:solidFill>
+                  <a:schemeClr val="tx1"/>
+                </a:solidFill>
+                <a:latin typeface="+mn-lt"/>
+                <a:ea typeface="+mn-ea"/>
+                <a:cs typeface="+mn-cs"/>
+              </a:defRPr>
+            </a:lvl6pPr>
+            <a:lvl7pPr marL="2743200" algn="l" defTabSz="914400" rtl="0" eaLnBrk="1" latinLnBrk="0" hangingPunct="1">
+              <a:defRPr sz="1800" kern="1200">
+                <a:solidFill>
+                  <a:schemeClr val="tx1"/>
+                </a:solidFill>
+                <a:latin typeface="+mn-lt"/>
+                <a:ea typeface="+mn-ea"/>
+                <a:cs typeface="+mn-cs"/>
+              </a:defRPr>
+            </a:lvl7pPr>
+            <a:lvl8pPr marL="3200400" algn="l" defTabSz="914400" rtl="0" eaLnBrk="1" latinLnBrk="0" hangingPunct="1">
+              <a:defRPr sz="1800" kern="1200">
+                <a:solidFill>
+                  <a:schemeClr val="tx1"/>
+                </a:solidFill>
+                <a:latin typeface="+mn-lt"/>
+                <a:ea typeface="+mn-ea"/>
+                <a:cs typeface="+mn-cs"/>
+              </a:defRPr>
+            </a:lvl8pPr>
+            <a:lvl9pPr marL="3657600" algn="l" defTabSz="914400" rtl="0" eaLnBrk="1" latinLnBrk="0" hangingPunct="1">
+              <a:defRPr sz="1800" kern="1200">
+                <a:solidFill>
+                  <a:schemeClr val="tx1"/>
+                </a:solidFill>
+                <a:latin typeface="+mn-lt"/>
+                <a:ea typeface="+mn-ea"/>
+                <a:cs typeface="+mn-cs"/>
+              </a:defRPr>
+            </a:lvl9pPr>
+          </a:lstStyle>
+          <a:p>
+            <a:pPr>
+              <a:spcAft>
+                <a:spcPts val="600"/>
+              </a:spcAft>
+            </a:pPr>
+            <a:r>
+              <a:rPr lang="es-ES" dirty="0"/>
+              <a:t>Luis Gerardo Camara Salinas</a:t>
+            </a:r>
+          </a:p>
+        </p:txBody>
+      </p:sp>
+      <p:pic>
+        <p:nvPicPr>
+          <p:cNvPr id="11" name="image1.jpeg" descr="Un dibujo animado con letras&#10;&#10;Descripción generada automáticamente con confianza media">
+            <a:extLst>
+              <a:ext uri="{FF2B5EF4-FFF2-40B4-BE49-F238E27FC236}">
+                <a16:creationId xmlns:a16="http://schemas.microsoft.com/office/drawing/2014/main" id="{1A6CEF60-99D9-4B9D-9C7F-ADDBE771ECC7}"/>
+              </a:ext>
+            </a:extLst>
+          </p:cNvPr>
+          <p:cNvPicPr/>
+          <p:nvPr/>
+        </p:nvPicPr>
+        <p:blipFill>
+          <a:blip r:embed="rId4" cstate="print">
+            <a:extLst>
+              <a:ext uri="{28A0092B-C50C-407E-A947-70E740481C1C}">
+                <a14:useLocalDpi xmlns:a14="http://schemas.microsoft.com/office/drawing/2010/main" val="0"/>
+              </a:ext>
+            </a:extLst>
+          </a:blip>
+          <a:stretch>
+            <a:fillRect/>
+          </a:stretch>
+        </p:blipFill>
+        <p:spPr>
+          <a:xfrm>
+            <a:off x="173080" y="365125"/>
+            <a:ext cx="1852930" cy="701040"/>
+          </a:xfrm>
+          <a:prstGeom prst="rect">
+            <a:avLst/>
+          </a:prstGeom>
+        </p:spPr>
+      </p:pic>
+      <p:sp>
+        <p:nvSpPr>
+          <p:cNvPr id="12" name="CuadroTexto 11">
+            <a:extLst>
+              <a:ext uri="{FF2B5EF4-FFF2-40B4-BE49-F238E27FC236}">
+                <a16:creationId xmlns:a16="http://schemas.microsoft.com/office/drawing/2014/main" id="{3C575B82-57D0-4FCE-B23C-ECA7FC85D576}"/>
+              </a:ext>
+            </a:extLst>
+          </p:cNvPr>
+          <p:cNvSpPr txBox="1"/>
+          <p:nvPr/>
+        </p:nvSpPr>
+        <p:spPr>
+          <a:xfrm>
+            <a:off x="713147" y="2105561"/>
+            <a:ext cx="10640653" cy="707886"/>
+          </a:xfrm>
+          <a:prstGeom prst="rect">
+            <a:avLst/>
+          </a:prstGeom>
+          <a:noFill/>
+        </p:spPr>
+        <p:txBody>
+          <a:bodyPr wrap="square" rtlCol="0">
+            <a:spAutoFit/>
+          </a:bodyPr>
+          <a:lstStyle/>
+          <a:p>
+            <a:r>
+              <a:rPr lang="es-ES" sz="4000" dirty="0" err="1">
+                <a:latin typeface="The Hand Black (Cuerpo)"/>
+              </a:rPr>
+              <a:t>Iterative</a:t>
+            </a:r>
+            <a:r>
+              <a:rPr lang="es-ES" sz="4000" dirty="0">
+                <a:latin typeface="The Hand Black (Cuerpo)"/>
+              </a:rPr>
+              <a:t> </a:t>
+            </a:r>
+            <a:r>
+              <a:rPr lang="es-ES" sz="4000" dirty="0" err="1">
+                <a:latin typeface="The Hand Black (Cuerpo)"/>
+              </a:rPr>
+              <a:t>models</a:t>
+            </a:r>
+            <a:endParaRPr lang="es-MX" sz="4000" dirty="0">
+              <a:latin typeface="The Hand Black (Cuerpo)"/>
+            </a:endParaRPr>
+          </a:p>
+        </p:txBody>
+      </p:sp>
+      <p:sp>
+        <p:nvSpPr>
+          <p:cNvPr id="9" name="CuadroTexto 8">
+            <a:extLst>
+              <a:ext uri="{FF2B5EF4-FFF2-40B4-BE49-F238E27FC236}">
+                <a16:creationId xmlns:a16="http://schemas.microsoft.com/office/drawing/2014/main" id="{6A5BF80C-FEF9-46CF-98B3-E2646C27DA0F}"/>
+              </a:ext>
+            </a:extLst>
+          </p:cNvPr>
+          <p:cNvSpPr txBox="1"/>
+          <p:nvPr/>
+        </p:nvSpPr>
+        <p:spPr>
+          <a:xfrm>
+            <a:off x="713147" y="2787695"/>
+            <a:ext cx="10268199" cy="1200329"/>
+          </a:xfrm>
+          <a:prstGeom prst="rect">
+            <a:avLst/>
+          </a:prstGeom>
+          <a:noFill/>
+        </p:spPr>
+        <p:txBody>
+          <a:bodyPr wrap="square" rtlCol="0">
+            <a:spAutoFit/>
+          </a:bodyPr>
+          <a:lstStyle/>
+          <a:p>
+            <a:pPr marL="571500" indent="-571500">
+              <a:buFont typeface="Arial" panose="020B0604020202020204" pitchFamily="34" charset="0"/>
+              <a:buChar char="•"/>
+            </a:pPr>
+            <a:r>
+              <a:rPr lang="en-US" sz="2400" dirty="0">
+                <a:latin typeface="The Hand Black (Cuerpo)"/>
+              </a:rPr>
+              <a:t>Iterative models address those problems by building the application incrementally. They start by building the smallest program that is reasonably useful. Then they use a series of increments to add more features to the program until it’s finished (if it is ever finished).</a:t>
+            </a:r>
+          </a:p>
+        </p:txBody>
+      </p:sp>
+    </p:spTree>
+    <p:extLst>
+      <p:ext uri="{BB962C8B-B14F-4D97-AF65-F5344CB8AC3E}">
+        <p14:creationId xmlns:p14="http://schemas.microsoft.com/office/powerpoint/2010/main" val="627384296"/>
+      </p:ext>
+    </p:extLst>
+  </p:cSld>
+  <p:clrMapOvr>
+    <a:masterClrMapping/>
+  </p:clrMapOvr>
+</p:sld>
+</file>
+
+<file path=ppt/slides/slide31.xml><?xml version="1.0" encoding="utf-8"?>
+<p:sld xmlns:a="http://schemas.openxmlformats.org/drawingml/2006/main" xmlns:r="http://schemas.openxmlformats.org/officeDocument/2006/relationships" xmlns:p="http://schemas.openxmlformats.org/presentationml/2006/main">
+  <p:cSld>
+    <p:spTree>
+      <p:nvGrpSpPr>
+        <p:cNvPr id="1" name=""/>
+        <p:cNvGrpSpPr/>
+        <p:nvPr/>
+      </p:nvGrpSpPr>
+      <p:grpSpPr>
+        <a:xfrm>
+          <a:off x="0" y="0"/>
+          <a:ext cx="0" cy="0"/>
+          <a:chOff x="0" y="0"/>
+          <a:chExt cx="0" cy="0"/>
+        </a:xfrm>
+      </p:grpSpPr>
+      <p:sp>
+        <p:nvSpPr>
+          <p:cNvPr id="2" name="Título 1">
+            <a:extLst>
+              <a:ext uri="{FF2B5EF4-FFF2-40B4-BE49-F238E27FC236}">
+                <a16:creationId xmlns:a16="http://schemas.microsoft.com/office/drawing/2014/main" id="{FDD31483-0B96-49D3-A8CB-3FD03F661093}"/>
+              </a:ext>
+            </a:extLst>
+          </p:cNvPr>
+          <p:cNvSpPr>
+            <a:spLocks noGrp="1"/>
+          </p:cNvSpPr>
+          <p:nvPr>
+            <p:ph type="title"/>
+          </p:nvPr>
+        </p:nvSpPr>
+        <p:spPr>
+          <a:xfrm>
+            <a:off x="853440" y="734998"/>
+            <a:ext cx="10515600" cy="1325563"/>
+          </a:xfrm>
+        </p:spPr>
+        <p:txBody>
+          <a:bodyPr>
+            <a:normAutofit/>
+          </a:bodyPr>
+          <a:lstStyle/>
+          <a:p>
+            <a:r>
+              <a:rPr lang="en-CA" sz="5400" dirty="0"/>
+              <a:t>Software development models</a:t>
+            </a:r>
+            <a:endParaRPr lang="es-MX" sz="5400" dirty="0"/>
+          </a:p>
+        </p:txBody>
+      </p:sp>
+      <p:sp>
+        <p:nvSpPr>
+          <p:cNvPr id="6" name="Marcador de pie de página 5">
+            <a:extLst>
+              <a:ext uri="{FF2B5EF4-FFF2-40B4-BE49-F238E27FC236}">
+                <a16:creationId xmlns:a16="http://schemas.microsoft.com/office/drawing/2014/main" id="{CCEDAD4E-B8D1-47AC-92A0-CC700C06B788}"/>
+              </a:ext>
+            </a:extLst>
+          </p:cNvPr>
+          <p:cNvSpPr>
+            <a:spLocks noGrp="1"/>
+          </p:cNvSpPr>
+          <p:nvPr>
+            <p:ph type="ftr" sz="quarter" idx="11"/>
+          </p:nvPr>
+        </p:nvSpPr>
+        <p:spPr/>
+        <p:txBody>
+          <a:bodyPr/>
+          <a:lstStyle/>
+          <a:p>
+            <a:pPr rtl="0">
+              <a:spcAft>
+                <a:spcPts val="600"/>
+              </a:spcAft>
+            </a:pPr>
+            <a:r>
+              <a:rPr lang="es-ES" noProof="0" dirty="0" err="1"/>
+              <a:t>Advanced</a:t>
+            </a:r>
+            <a:r>
+              <a:rPr lang="es-ES" noProof="0" dirty="0"/>
+              <a:t> </a:t>
+            </a:r>
+            <a:r>
+              <a:rPr lang="es-ES" noProof="0" dirty="0" err="1"/>
+              <a:t>Programming</a:t>
+            </a:r>
+            <a:endParaRPr lang="es-ES" noProof="0" dirty="0"/>
+          </a:p>
+        </p:txBody>
+      </p:sp>
+      <p:sp>
+        <p:nvSpPr>
+          <p:cNvPr id="7" name="Marcador de número de diapositiva 6">
+            <a:extLst>
+              <a:ext uri="{FF2B5EF4-FFF2-40B4-BE49-F238E27FC236}">
+                <a16:creationId xmlns:a16="http://schemas.microsoft.com/office/drawing/2014/main" id="{55B14F44-F565-4BBD-A079-E1F615D762F1}"/>
+              </a:ext>
+            </a:extLst>
+          </p:cNvPr>
+          <p:cNvSpPr>
+            <a:spLocks noGrp="1"/>
+          </p:cNvSpPr>
+          <p:nvPr>
+            <p:ph type="sldNum" sz="quarter" idx="12"/>
+          </p:nvPr>
+        </p:nvSpPr>
+        <p:spPr/>
+        <p:txBody>
+          <a:bodyPr/>
+          <a:lstStyle/>
+          <a:p>
+            <a:pPr rtl="0"/>
+            <a:fld id="{2C18C1E5-FB55-42F5-BD6D-9CC153FCDBE6}" type="slidenum">
+              <a:rPr lang="es-ES" noProof="0" smtClean="0"/>
+              <a:t>31</a:t>
+            </a:fld>
+            <a:endParaRPr lang="es-ES" noProof="0"/>
+          </a:p>
+        </p:txBody>
+      </p:sp>
+      <p:pic>
+        <p:nvPicPr>
+          <p:cNvPr id="8" name="Marcador de imagen en línea 27" descr="Diseño web con relleno sólido">
+            <a:extLst>
+              <a:ext uri="{FF2B5EF4-FFF2-40B4-BE49-F238E27FC236}">
+                <a16:creationId xmlns:a16="http://schemas.microsoft.com/office/drawing/2014/main" id="{1771A7BA-C2C8-4AB5-8143-9E20EA009BE6}"/>
+              </a:ext>
+            </a:extLst>
+          </p:cNvPr>
+          <p:cNvPicPr>
+            <a:picLocks noChangeAspect="1"/>
+          </p:cNvPicPr>
+          <p:nvPr/>
+        </p:nvPicPr>
+        <p:blipFill>
+          <a:blip r:embed="rId2">
+            <a:extLst>
+              <a:ext uri="{96DAC541-7B7A-43D3-8B79-37D633B846F1}">
+                <asvg:svgBlip xmlns:asvg="http://schemas.microsoft.com/office/drawing/2016/SVG/main" r:embed="rId3"/>
+              </a:ext>
+            </a:extLst>
+          </a:blip>
+          <a:srcRect/>
+          <a:stretch/>
+        </p:blipFill>
+        <p:spPr>
+          <a:xfrm>
+            <a:off x="9982200" y="1047259"/>
+            <a:ext cx="701040" cy="701040"/>
+          </a:xfrm>
+          <a:prstGeom prst="rect">
+            <a:avLst/>
+          </a:prstGeom>
+        </p:spPr>
+      </p:pic>
+      <p:sp>
+        <p:nvSpPr>
+          <p:cNvPr id="10" name="Marcador de pie de página 5">
+            <a:extLst>
+              <a:ext uri="{FF2B5EF4-FFF2-40B4-BE49-F238E27FC236}">
+                <a16:creationId xmlns:a16="http://schemas.microsoft.com/office/drawing/2014/main" id="{C4BC7171-7735-4726-A052-284CD08A27CA}"/>
+              </a:ext>
+            </a:extLst>
+          </p:cNvPr>
+          <p:cNvSpPr txBox="1">
+            <a:spLocks/>
+          </p:cNvSpPr>
+          <p:nvPr/>
+        </p:nvSpPr>
+        <p:spPr>
+          <a:xfrm>
+            <a:off x="-804193" y="6356350"/>
+            <a:ext cx="4114800" cy="365125"/>
+          </a:xfrm>
+          <a:prstGeom prst="rect">
+            <a:avLst/>
+          </a:prstGeom>
+        </p:spPr>
+        <p:txBody>
+          <a:bodyPr vert="horz" lIns="91440" tIns="45720" rIns="91440" bIns="45720" rtlCol="0" anchor="ctr"/>
+          <a:lstStyle>
+            <a:defPPr rtl="0">
+              <a:defRPr lang="es-es"/>
+            </a:defPPr>
+            <a:lvl1pPr marL="0" algn="ctr" defTabSz="914400" rtl="0" eaLnBrk="1" latinLnBrk="0" hangingPunct="1">
+              <a:defRPr sz="1600" kern="1200">
+                <a:solidFill>
+                  <a:schemeClr val="tx1"/>
+                </a:solidFill>
+                <a:latin typeface="+mn-lt"/>
+                <a:ea typeface="+mn-ea"/>
+                <a:cs typeface="+mn-cs"/>
+              </a:defRPr>
+            </a:lvl1pPr>
+            <a:lvl2pPr marL="457200" algn="l" defTabSz="914400" rtl="0" eaLnBrk="1" latinLnBrk="0" hangingPunct="1">
+              <a:defRPr sz="1800" kern="1200">
+                <a:solidFill>
+                  <a:schemeClr val="tx1"/>
+                </a:solidFill>
+                <a:latin typeface="+mn-lt"/>
+                <a:ea typeface="+mn-ea"/>
+                <a:cs typeface="+mn-cs"/>
+              </a:defRPr>
+            </a:lvl2pPr>
+            <a:lvl3pPr marL="914400" algn="l" defTabSz="914400" rtl="0" eaLnBrk="1" latinLnBrk="0" hangingPunct="1">
+              <a:defRPr sz="1800" kern="1200">
+                <a:solidFill>
+                  <a:schemeClr val="tx1"/>
+                </a:solidFill>
+                <a:latin typeface="+mn-lt"/>
+                <a:ea typeface="+mn-ea"/>
+                <a:cs typeface="+mn-cs"/>
+              </a:defRPr>
+            </a:lvl3pPr>
+            <a:lvl4pPr marL="1371600" algn="l" defTabSz="914400" rtl="0" eaLnBrk="1" latinLnBrk="0" hangingPunct="1">
+              <a:defRPr sz="1800" kern="1200">
+                <a:solidFill>
+                  <a:schemeClr val="tx1"/>
+                </a:solidFill>
+                <a:latin typeface="+mn-lt"/>
+                <a:ea typeface="+mn-ea"/>
+                <a:cs typeface="+mn-cs"/>
+              </a:defRPr>
+            </a:lvl4pPr>
+            <a:lvl5pPr marL="1828800" algn="l" defTabSz="914400" rtl="0" eaLnBrk="1" latinLnBrk="0" hangingPunct="1">
+              <a:defRPr sz="1800" kern="1200">
+                <a:solidFill>
+                  <a:schemeClr val="tx1"/>
+                </a:solidFill>
+                <a:latin typeface="+mn-lt"/>
+                <a:ea typeface="+mn-ea"/>
+                <a:cs typeface="+mn-cs"/>
+              </a:defRPr>
+            </a:lvl5pPr>
+            <a:lvl6pPr marL="2286000" algn="l" defTabSz="914400" rtl="0" eaLnBrk="1" latinLnBrk="0" hangingPunct="1">
+              <a:defRPr sz="1800" kern="1200">
+                <a:solidFill>
+                  <a:schemeClr val="tx1"/>
+                </a:solidFill>
+                <a:latin typeface="+mn-lt"/>
+                <a:ea typeface="+mn-ea"/>
+                <a:cs typeface="+mn-cs"/>
+              </a:defRPr>
+            </a:lvl6pPr>
+            <a:lvl7pPr marL="2743200" algn="l" defTabSz="914400" rtl="0" eaLnBrk="1" latinLnBrk="0" hangingPunct="1">
+              <a:defRPr sz="1800" kern="1200">
+                <a:solidFill>
+                  <a:schemeClr val="tx1"/>
+                </a:solidFill>
+                <a:latin typeface="+mn-lt"/>
+                <a:ea typeface="+mn-ea"/>
+                <a:cs typeface="+mn-cs"/>
+              </a:defRPr>
+            </a:lvl7pPr>
+            <a:lvl8pPr marL="3200400" algn="l" defTabSz="914400" rtl="0" eaLnBrk="1" latinLnBrk="0" hangingPunct="1">
+              <a:defRPr sz="1800" kern="1200">
+                <a:solidFill>
+                  <a:schemeClr val="tx1"/>
+                </a:solidFill>
+                <a:latin typeface="+mn-lt"/>
+                <a:ea typeface="+mn-ea"/>
+                <a:cs typeface="+mn-cs"/>
+              </a:defRPr>
+            </a:lvl8pPr>
+            <a:lvl9pPr marL="3657600" algn="l" defTabSz="914400" rtl="0" eaLnBrk="1" latinLnBrk="0" hangingPunct="1">
+              <a:defRPr sz="1800" kern="1200">
+                <a:solidFill>
+                  <a:schemeClr val="tx1"/>
+                </a:solidFill>
+                <a:latin typeface="+mn-lt"/>
+                <a:ea typeface="+mn-ea"/>
+                <a:cs typeface="+mn-cs"/>
+              </a:defRPr>
+            </a:lvl9pPr>
+          </a:lstStyle>
+          <a:p>
+            <a:pPr>
+              <a:spcAft>
+                <a:spcPts val="600"/>
+              </a:spcAft>
+            </a:pPr>
+            <a:r>
+              <a:rPr lang="es-ES" dirty="0"/>
+              <a:t>Luis Gerardo Camara Salinas</a:t>
+            </a:r>
+          </a:p>
+        </p:txBody>
+      </p:sp>
+      <p:pic>
+        <p:nvPicPr>
+          <p:cNvPr id="11" name="image1.jpeg" descr="Un dibujo animado con letras&#10;&#10;Descripción generada automáticamente con confianza media">
+            <a:extLst>
+              <a:ext uri="{FF2B5EF4-FFF2-40B4-BE49-F238E27FC236}">
+                <a16:creationId xmlns:a16="http://schemas.microsoft.com/office/drawing/2014/main" id="{1A6CEF60-99D9-4B9D-9C7F-ADDBE771ECC7}"/>
+              </a:ext>
+            </a:extLst>
+          </p:cNvPr>
+          <p:cNvPicPr/>
+          <p:nvPr/>
+        </p:nvPicPr>
+        <p:blipFill>
+          <a:blip r:embed="rId4" cstate="print">
+            <a:extLst>
+              <a:ext uri="{28A0092B-C50C-407E-A947-70E740481C1C}">
+                <a14:useLocalDpi xmlns:a14="http://schemas.microsoft.com/office/drawing/2010/main" val="0"/>
+              </a:ext>
+            </a:extLst>
+          </a:blip>
+          <a:stretch>
+            <a:fillRect/>
+          </a:stretch>
+        </p:blipFill>
+        <p:spPr>
+          <a:xfrm>
+            <a:off x="173080" y="365125"/>
+            <a:ext cx="1852930" cy="701040"/>
+          </a:xfrm>
+          <a:prstGeom prst="rect">
+            <a:avLst/>
+          </a:prstGeom>
+        </p:spPr>
+      </p:pic>
+      <p:sp>
+        <p:nvSpPr>
+          <p:cNvPr id="12" name="CuadroTexto 11">
+            <a:extLst>
+              <a:ext uri="{FF2B5EF4-FFF2-40B4-BE49-F238E27FC236}">
+                <a16:creationId xmlns:a16="http://schemas.microsoft.com/office/drawing/2014/main" id="{3C575B82-57D0-4FCE-B23C-ECA7FC85D576}"/>
+              </a:ext>
+            </a:extLst>
+          </p:cNvPr>
+          <p:cNvSpPr txBox="1"/>
+          <p:nvPr/>
+        </p:nvSpPr>
+        <p:spPr>
+          <a:xfrm>
+            <a:off x="713147" y="2105561"/>
+            <a:ext cx="10640653" cy="707886"/>
+          </a:xfrm>
+          <a:prstGeom prst="rect">
+            <a:avLst/>
+          </a:prstGeom>
+          <a:noFill/>
+        </p:spPr>
+        <p:txBody>
+          <a:bodyPr wrap="square" rtlCol="0">
+            <a:spAutoFit/>
+          </a:bodyPr>
+          <a:lstStyle/>
+          <a:p>
+            <a:r>
+              <a:rPr lang="es-ES" sz="4000" dirty="0" err="1">
+                <a:latin typeface="The Hand Black (Cuerpo)"/>
+              </a:rPr>
+              <a:t>Iterative</a:t>
+            </a:r>
+            <a:r>
+              <a:rPr lang="es-ES" sz="4000" dirty="0">
+                <a:latin typeface="The Hand Black (Cuerpo)"/>
+              </a:rPr>
+              <a:t> </a:t>
+            </a:r>
+            <a:r>
+              <a:rPr lang="es-ES" sz="4000" dirty="0" err="1">
+                <a:latin typeface="The Hand Black (Cuerpo)"/>
+              </a:rPr>
+              <a:t>models</a:t>
+            </a:r>
+            <a:endParaRPr lang="es-MX" sz="4000" dirty="0">
+              <a:latin typeface="The Hand Black (Cuerpo)"/>
+            </a:endParaRPr>
+          </a:p>
+        </p:txBody>
+      </p:sp>
+      <p:pic>
+        <p:nvPicPr>
+          <p:cNvPr id="9218" name="Picture 2" descr="images">
+            <a:extLst>
+              <a:ext uri="{FF2B5EF4-FFF2-40B4-BE49-F238E27FC236}">
+                <a16:creationId xmlns:a16="http://schemas.microsoft.com/office/drawing/2014/main" id="{F91E9C93-E784-437A-9685-6AD8B9EB31FF}"/>
+              </a:ext>
+            </a:extLst>
+          </p:cNvPr>
+          <p:cNvPicPr>
+            <a:picLocks noChangeAspect="1" noChangeArrowheads="1"/>
+          </p:cNvPicPr>
+          <p:nvPr/>
+        </p:nvPicPr>
+        <p:blipFill>
+          <a:blip r:embed="rId5">
+            <a:extLst>
+              <a:ext uri="{28A0092B-C50C-407E-A947-70E740481C1C}">
+                <a14:useLocalDpi xmlns:a14="http://schemas.microsoft.com/office/drawing/2010/main" val="0"/>
+              </a:ext>
+            </a:extLst>
+          </a:blip>
+          <a:srcRect/>
+          <a:stretch>
+            <a:fillRect/>
+          </a:stretch>
+        </p:blipFill>
+        <p:spPr bwMode="auto">
+          <a:xfrm>
+            <a:off x="2933700" y="2983984"/>
+            <a:ext cx="6324600" cy="3201829"/>
+          </a:xfrm>
+          <a:prstGeom prst="rect">
+            <a:avLst/>
+          </a:prstGeom>
+          <a:noFill/>
+          <a:extLst>
+            <a:ext uri="{909E8E84-426E-40DD-AFC4-6F175D3DCCD1}">
+              <a14:hiddenFill xmlns:a14="http://schemas.microsoft.com/office/drawing/2010/main">
+                <a:solidFill>
+                  <a:srgbClr val="FFFFFF"/>
+                </a:solidFill>
+              </a14:hiddenFill>
+            </a:ext>
+          </a:extLst>
+        </p:spPr>
+      </p:pic>
+    </p:spTree>
+    <p:extLst>
+      <p:ext uri="{BB962C8B-B14F-4D97-AF65-F5344CB8AC3E}">
+        <p14:creationId xmlns:p14="http://schemas.microsoft.com/office/powerpoint/2010/main" val="1594042972"/>
+      </p:ext>
+    </p:extLst>
+  </p:cSld>
+  <p:clrMapOvr>
+    <a:masterClrMapping/>
+  </p:clrMapOvr>
+</p:sld>
+</file>
+
+<file path=ppt/slides/slide32.xml><?xml version="1.0" encoding="utf-8"?>
+<p:sld xmlns:a="http://schemas.openxmlformats.org/drawingml/2006/main" xmlns:r="http://schemas.openxmlformats.org/officeDocument/2006/relationships" xmlns:p="http://schemas.openxmlformats.org/presentationml/2006/main">
+  <p:cSld>
+    <p:spTree>
+      <p:nvGrpSpPr>
+        <p:cNvPr id="1" name=""/>
+        <p:cNvGrpSpPr/>
+        <p:nvPr/>
+      </p:nvGrpSpPr>
+      <p:grpSpPr>
+        <a:xfrm>
+          <a:off x="0" y="0"/>
+          <a:ext cx="0" cy="0"/>
+          <a:chOff x="0" y="0"/>
+          <a:chExt cx="0" cy="0"/>
+        </a:xfrm>
+      </p:grpSpPr>
+      <p:sp>
+        <p:nvSpPr>
+          <p:cNvPr id="2" name="Título 1">
+            <a:extLst>
+              <a:ext uri="{FF2B5EF4-FFF2-40B4-BE49-F238E27FC236}">
+                <a16:creationId xmlns:a16="http://schemas.microsoft.com/office/drawing/2014/main" id="{FDD31483-0B96-49D3-A8CB-3FD03F661093}"/>
+              </a:ext>
+            </a:extLst>
+          </p:cNvPr>
+          <p:cNvSpPr>
+            <a:spLocks noGrp="1"/>
+          </p:cNvSpPr>
+          <p:nvPr>
+            <p:ph type="title"/>
+          </p:nvPr>
+        </p:nvSpPr>
+        <p:spPr>
+          <a:xfrm>
+            <a:off x="853440" y="734998"/>
+            <a:ext cx="10515600" cy="1325563"/>
+          </a:xfrm>
+        </p:spPr>
+        <p:txBody>
+          <a:bodyPr>
+            <a:normAutofit/>
+          </a:bodyPr>
+          <a:lstStyle/>
+          <a:p>
+            <a:r>
+              <a:rPr lang="en-CA" sz="5400" dirty="0"/>
+              <a:t>Software development models</a:t>
+            </a:r>
+            <a:endParaRPr lang="es-MX" sz="5400" dirty="0"/>
+          </a:p>
+        </p:txBody>
+      </p:sp>
+      <p:sp>
+        <p:nvSpPr>
+          <p:cNvPr id="6" name="Marcador de pie de página 5">
+            <a:extLst>
+              <a:ext uri="{FF2B5EF4-FFF2-40B4-BE49-F238E27FC236}">
+                <a16:creationId xmlns:a16="http://schemas.microsoft.com/office/drawing/2014/main" id="{CCEDAD4E-B8D1-47AC-92A0-CC700C06B788}"/>
+              </a:ext>
+            </a:extLst>
+          </p:cNvPr>
+          <p:cNvSpPr>
+            <a:spLocks noGrp="1"/>
+          </p:cNvSpPr>
+          <p:nvPr>
+            <p:ph type="ftr" sz="quarter" idx="11"/>
+          </p:nvPr>
+        </p:nvSpPr>
+        <p:spPr/>
+        <p:txBody>
+          <a:bodyPr/>
+          <a:lstStyle/>
+          <a:p>
+            <a:pPr rtl="0">
+              <a:spcAft>
+                <a:spcPts val="600"/>
+              </a:spcAft>
+            </a:pPr>
+            <a:r>
+              <a:rPr lang="es-ES" noProof="0" dirty="0" err="1"/>
+              <a:t>Advanced</a:t>
+            </a:r>
+            <a:r>
+              <a:rPr lang="es-ES" noProof="0" dirty="0"/>
+              <a:t> </a:t>
+            </a:r>
+            <a:r>
+              <a:rPr lang="es-ES" noProof="0" dirty="0" err="1"/>
+              <a:t>Programming</a:t>
+            </a:r>
+            <a:endParaRPr lang="es-ES" noProof="0" dirty="0"/>
+          </a:p>
+        </p:txBody>
+      </p:sp>
+      <p:sp>
+        <p:nvSpPr>
+          <p:cNvPr id="7" name="Marcador de número de diapositiva 6">
+            <a:extLst>
+              <a:ext uri="{FF2B5EF4-FFF2-40B4-BE49-F238E27FC236}">
+                <a16:creationId xmlns:a16="http://schemas.microsoft.com/office/drawing/2014/main" id="{55B14F44-F565-4BBD-A079-E1F615D762F1}"/>
+              </a:ext>
+            </a:extLst>
+          </p:cNvPr>
+          <p:cNvSpPr>
+            <a:spLocks noGrp="1"/>
+          </p:cNvSpPr>
+          <p:nvPr>
+            <p:ph type="sldNum" sz="quarter" idx="12"/>
+          </p:nvPr>
+        </p:nvSpPr>
+        <p:spPr/>
+        <p:txBody>
+          <a:bodyPr/>
+          <a:lstStyle/>
+          <a:p>
+            <a:pPr rtl="0"/>
+            <a:fld id="{2C18C1E5-FB55-42F5-BD6D-9CC153FCDBE6}" type="slidenum">
+              <a:rPr lang="es-ES" noProof="0" smtClean="0"/>
+              <a:t>32</a:t>
+            </a:fld>
+            <a:endParaRPr lang="es-ES" noProof="0"/>
+          </a:p>
+        </p:txBody>
+      </p:sp>
+      <p:pic>
+        <p:nvPicPr>
+          <p:cNvPr id="8" name="Marcador de imagen en línea 27" descr="Diseño web con relleno sólido">
+            <a:extLst>
+              <a:ext uri="{FF2B5EF4-FFF2-40B4-BE49-F238E27FC236}">
+                <a16:creationId xmlns:a16="http://schemas.microsoft.com/office/drawing/2014/main" id="{1771A7BA-C2C8-4AB5-8143-9E20EA009BE6}"/>
+              </a:ext>
+            </a:extLst>
+          </p:cNvPr>
+          <p:cNvPicPr>
+            <a:picLocks noChangeAspect="1"/>
+          </p:cNvPicPr>
+          <p:nvPr/>
+        </p:nvPicPr>
+        <p:blipFill>
+          <a:blip r:embed="rId2">
+            <a:extLst>
+              <a:ext uri="{96DAC541-7B7A-43D3-8B79-37D633B846F1}">
+                <asvg:svgBlip xmlns:asvg="http://schemas.microsoft.com/office/drawing/2016/SVG/main" r:embed="rId3"/>
+              </a:ext>
+            </a:extLst>
+          </a:blip>
+          <a:srcRect/>
+          <a:stretch/>
+        </p:blipFill>
+        <p:spPr>
+          <a:xfrm>
+            <a:off x="9982200" y="1047259"/>
+            <a:ext cx="701040" cy="701040"/>
+          </a:xfrm>
+          <a:prstGeom prst="rect">
+            <a:avLst/>
+          </a:prstGeom>
+        </p:spPr>
+      </p:pic>
+      <p:sp>
+        <p:nvSpPr>
+          <p:cNvPr id="10" name="Marcador de pie de página 5">
+            <a:extLst>
+              <a:ext uri="{FF2B5EF4-FFF2-40B4-BE49-F238E27FC236}">
+                <a16:creationId xmlns:a16="http://schemas.microsoft.com/office/drawing/2014/main" id="{C4BC7171-7735-4726-A052-284CD08A27CA}"/>
+              </a:ext>
+            </a:extLst>
+          </p:cNvPr>
+          <p:cNvSpPr txBox="1">
+            <a:spLocks/>
+          </p:cNvSpPr>
+          <p:nvPr/>
+        </p:nvSpPr>
+        <p:spPr>
+          <a:xfrm>
+            <a:off x="-804193" y="6356350"/>
+            <a:ext cx="4114800" cy="365125"/>
+          </a:xfrm>
+          <a:prstGeom prst="rect">
+            <a:avLst/>
+          </a:prstGeom>
+        </p:spPr>
+        <p:txBody>
+          <a:bodyPr vert="horz" lIns="91440" tIns="45720" rIns="91440" bIns="45720" rtlCol="0" anchor="ctr"/>
+          <a:lstStyle>
+            <a:defPPr rtl="0">
+              <a:defRPr lang="es-es"/>
+            </a:defPPr>
+            <a:lvl1pPr marL="0" algn="ctr" defTabSz="914400" rtl="0" eaLnBrk="1" latinLnBrk="0" hangingPunct="1">
+              <a:defRPr sz="1600" kern="1200">
+                <a:solidFill>
+                  <a:schemeClr val="tx1"/>
+                </a:solidFill>
+                <a:latin typeface="+mn-lt"/>
+                <a:ea typeface="+mn-ea"/>
+                <a:cs typeface="+mn-cs"/>
+              </a:defRPr>
+            </a:lvl1pPr>
+            <a:lvl2pPr marL="457200" algn="l" defTabSz="914400" rtl="0" eaLnBrk="1" latinLnBrk="0" hangingPunct="1">
+              <a:defRPr sz="1800" kern="1200">
+                <a:solidFill>
+                  <a:schemeClr val="tx1"/>
+                </a:solidFill>
+                <a:latin typeface="+mn-lt"/>
+                <a:ea typeface="+mn-ea"/>
+                <a:cs typeface="+mn-cs"/>
+              </a:defRPr>
+            </a:lvl2pPr>
+            <a:lvl3pPr marL="914400" algn="l" defTabSz="914400" rtl="0" eaLnBrk="1" latinLnBrk="0" hangingPunct="1">
+              <a:defRPr sz="1800" kern="1200">
+                <a:solidFill>
+                  <a:schemeClr val="tx1"/>
+                </a:solidFill>
+                <a:latin typeface="+mn-lt"/>
+                <a:ea typeface="+mn-ea"/>
+                <a:cs typeface="+mn-cs"/>
+              </a:defRPr>
+            </a:lvl3pPr>
+            <a:lvl4pPr marL="1371600" algn="l" defTabSz="914400" rtl="0" eaLnBrk="1" latinLnBrk="0" hangingPunct="1">
+              <a:defRPr sz="1800" kern="1200">
+                <a:solidFill>
+                  <a:schemeClr val="tx1"/>
+                </a:solidFill>
+                <a:latin typeface="+mn-lt"/>
+                <a:ea typeface="+mn-ea"/>
+                <a:cs typeface="+mn-cs"/>
+              </a:defRPr>
+            </a:lvl4pPr>
+            <a:lvl5pPr marL="1828800" algn="l" defTabSz="914400" rtl="0" eaLnBrk="1" latinLnBrk="0" hangingPunct="1">
+              <a:defRPr sz="1800" kern="1200">
+                <a:solidFill>
+                  <a:schemeClr val="tx1"/>
+                </a:solidFill>
+                <a:latin typeface="+mn-lt"/>
+                <a:ea typeface="+mn-ea"/>
+                <a:cs typeface="+mn-cs"/>
+              </a:defRPr>
+            </a:lvl5pPr>
+            <a:lvl6pPr marL="2286000" algn="l" defTabSz="914400" rtl="0" eaLnBrk="1" latinLnBrk="0" hangingPunct="1">
+              <a:defRPr sz="1800" kern="1200">
+                <a:solidFill>
+                  <a:schemeClr val="tx1"/>
+                </a:solidFill>
+                <a:latin typeface="+mn-lt"/>
+                <a:ea typeface="+mn-ea"/>
+                <a:cs typeface="+mn-cs"/>
+              </a:defRPr>
+            </a:lvl6pPr>
+            <a:lvl7pPr marL="2743200" algn="l" defTabSz="914400" rtl="0" eaLnBrk="1" latinLnBrk="0" hangingPunct="1">
+              <a:defRPr sz="1800" kern="1200">
+                <a:solidFill>
+                  <a:schemeClr val="tx1"/>
+                </a:solidFill>
+                <a:latin typeface="+mn-lt"/>
+                <a:ea typeface="+mn-ea"/>
+                <a:cs typeface="+mn-cs"/>
+              </a:defRPr>
+            </a:lvl7pPr>
+            <a:lvl8pPr marL="3200400" algn="l" defTabSz="914400" rtl="0" eaLnBrk="1" latinLnBrk="0" hangingPunct="1">
+              <a:defRPr sz="1800" kern="1200">
+                <a:solidFill>
+                  <a:schemeClr val="tx1"/>
+                </a:solidFill>
+                <a:latin typeface="+mn-lt"/>
+                <a:ea typeface="+mn-ea"/>
+                <a:cs typeface="+mn-cs"/>
+              </a:defRPr>
+            </a:lvl8pPr>
+            <a:lvl9pPr marL="3657600" algn="l" defTabSz="914400" rtl="0" eaLnBrk="1" latinLnBrk="0" hangingPunct="1">
+              <a:defRPr sz="1800" kern="1200">
+                <a:solidFill>
+                  <a:schemeClr val="tx1"/>
+                </a:solidFill>
+                <a:latin typeface="+mn-lt"/>
+                <a:ea typeface="+mn-ea"/>
+                <a:cs typeface="+mn-cs"/>
+              </a:defRPr>
+            </a:lvl9pPr>
+          </a:lstStyle>
+          <a:p>
+            <a:pPr>
+              <a:spcAft>
+                <a:spcPts val="600"/>
+              </a:spcAft>
+            </a:pPr>
+            <a:r>
+              <a:rPr lang="es-ES" dirty="0"/>
+              <a:t>Luis Gerardo Camara Salinas</a:t>
+            </a:r>
+          </a:p>
+        </p:txBody>
+      </p:sp>
+      <p:pic>
+        <p:nvPicPr>
+          <p:cNvPr id="11" name="image1.jpeg" descr="Un dibujo animado con letras&#10;&#10;Descripción generada automáticamente con confianza media">
+            <a:extLst>
+              <a:ext uri="{FF2B5EF4-FFF2-40B4-BE49-F238E27FC236}">
+                <a16:creationId xmlns:a16="http://schemas.microsoft.com/office/drawing/2014/main" id="{1A6CEF60-99D9-4B9D-9C7F-ADDBE771ECC7}"/>
+              </a:ext>
+            </a:extLst>
+          </p:cNvPr>
+          <p:cNvPicPr/>
+          <p:nvPr/>
+        </p:nvPicPr>
+        <p:blipFill>
+          <a:blip r:embed="rId4" cstate="print">
+            <a:extLst>
+              <a:ext uri="{28A0092B-C50C-407E-A947-70E740481C1C}">
+                <a14:useLocalDpi xmlns:a14="http://schemas.microsoft.com/office/drawing/2010/main" val="0"/>
+              </a:ext>
+            </a:extLst>
+          </a:blip>
+          <a:stretch>
+            <a:fillRect/>
+          </a:stretch>
+        </p:blipFill>
+        <p:spPr>
+          <a:xfrm>
+            <a:off x="173080" y="365125"/>
+            <a:ext cx="1852930" cy="701040"/>
+          </a:xfrm>
+          <a:prstGeom prst="rect">
+            <a:avLst/>
+          </a:prstGeom>
+        </p:spPr>
+      </p:pic>
+      <p:sp>
+        <p:nvSpPr>
+          <p:cNvPr id="12" name="CuadroTexto 11">
+            <a:extLst>
+              <a:ext uri="{FF2B5EF4-FFF2-40B4-BE49-F238E27FC236}">
+                <a16:creationId xmlns:a16="http://schemas.microsoft.com/office/drawing/2014/main" id="{3C575B82-57D0-4FCE-B23C-ECA7FC85D576}"/>
+              </a:ext>
+            </a:extLst>
+          </p:cNvPr>
+          <p:cNvSpPr txBox="1"/>
+          <p:nvPr/>
+        </p:nvSpPr>
+        <p:spPr>
+          <a:xfrm>
+            <a:off x="713147" y="2105561"/>
+            <a:ext cx="10640653" cy="707886"/>
+          </a:xfrm>
+          <a:prstGeom prst="rect">
+            <a:avLst/>
+          </a:prstGeom>
+          <a:noFill/>
+        </p:spPr>
+        <p:txBody>
+          <a:bodyPr wrap="square" rtlCol="0">
+            <a:spAutoFit/>
+          </a:bodyPr>
+          <a:lstStyle/>
+          <a:p>
+            <a:r>
+              <a:rPr lang="es-ES" sz="4000" dirty="0" err="1">
+                <a:latin typeface="The Hand Black (Cuerpo)"/>
+              </a:rPr>
+              <a:t>Iterative</a:t>
+            </a:r>
+            <a:r>
+              <a:rPr lang="es-ES" sz="4000" dirty="0">
+                <a:latin typeface="The Hand Black (Cuerpo)"/>
+              </a:rPr>
+              <a:t> </a:t>
+            </a:r>
+            <a:r>
+              <a:rPr lang="es-ES" sz="4000" dirty="0" err="1">
+                <a:latin typeface="The Hand Black (Cuerpo)"/>
+              </a:rPr>
+              <a:t>models</a:t>
+            </a:r>
+            <a:endParaRPr lang="es-MX" sz="4000" dirty="0">
+              <a:latin typeface="The Hand Black (Cuerpo)"/>
+            </a:endParaRPr>
+          </a:p>
+        </p:txBody>
+      </p:sp>
+      <p:sp>
+        <p:nvSpPr>
+          <p:cNvPr id="9" name="CuadroTexto 8">
+            <a:extLst>
+              <a:ext uri="{FF2B5EF4-FFF2-40B4-BE49-F238E27FC236}">
+                <a16:creationId xmlns:a16="http://schemas.microsoft.com/office/drawing/2014/main" id="{6A5BF80C-FEF9-46CF-98B3-E2646C27DA0F}"/>
+              </a:ext>
+            </a:extLst>
+          </p:cNvPr>
+          <p:cNvSpPr txBox="1"/>
+          <p:nvPr/>
+        </p:nvSpPr>
+        <p:spPr>
+          <a:xfrm>
+            <a:off x="713147" y="2787695"/>
+            <a:ext cx="10268199" cy="3046988"/>
+          </a:xfrm>
+          <a:prstGeom prst="rect">
+            <a:avLst/>
+          </a:prstGeom>
+          <a:noFill/>
+        </p:spPr>
+        <p:txBody>
+          <a:bodyPr wrap="square" rtlCol="0">
+            <a:spAutoFit/>
+          </a:bodyPr>
+          <a:lstStyle/>
+          <a:p>
+            <a:pPr marL="571500" indent="-571500">
+              <a:buFont typeface="Arial" panose="020B0604020202020204" pitchFamily="34" charset="0"/>
+              <a:buChar char="•"/>
+            </a:pPr>
+            <a:r>
+              <a:rPr lang="en-US" sz="2400" dirty="0">
+                <a:latin typeface="The Hand Black (Cuerpo)"/>
+              </a:rPr>
+              <a:t>Iterative models address those problems by building the application incrementally. They start by building the smallest program that is reasonably useful. Then they use a series of increments to add more features to the program until it’s finished (if it is ever finished).</a:t>
+            </a:r>
+          </a:p>
+          <a:p>
+            <a:pPr marL="571500" indent="-571500">
+              <a:buFont typeface="Arial" panose="020B0604020202020204" pitchFamily="34" charset="0"/>
+              <a:buChar char="•"/>
+            </a:pPr>
+            <a:endParaRPr lang="en-US" sz="2400" dirty="0">
+              <a:latin typeface="The Hand Black (Cuerpo)"/>
+            </a:endParaRPr>
+          </a:p>
+          <a:p>
+            <a:pPr marL="571500" indent="-571500">
+              <a:buFont typeface="Arial" panose="020B0604020202020204" pitchFamily="34" charset="0"/>
+              <a:buChar char="•"/>
+            </a:pPr>
+            <a:r>
+              <a:rPr lang="en-US" sz="2400" dirty="0">
+                <a:latin typeface="The Hand Black (Cuerpo)"/>
+              </a:rPr>
+              <a:t>Each increment has a relatively small duration (compared to a predictive project)</a:t>
+            </a:r>
+          </a:p>
+          <a:p>
+            <a:pPr marL="571500" indent="-571500">
+              <a:buFont typeface="Arial" panose="020B0604020202020204" pitchFamily="34" charset="0"/>
+              <a:buChar char="•"/>
+            </a:pPr>
+            <a:endParaRPr lang="en-US" sz="2400" dirty="0">
+              <a:latin typeface="The Hand Black (Cuerpo)"/>
+            </a:endParaRPr>
+          </a:p>
+          <a:p>
+            <a:pPr marL="571500" indent="-571500">
+              <a:buFont typeface="Arial" panose="020B0604020202020204" pitchFamily="34" charset="0"/>
+              <a:buChar char="•"/>
+            </a:pPr>
+            <a:r>
+              <a:rPr lang="en-US" sz="2400" dirty="0">
+                <a:latin typeface="The Hand Black (Cuerpo)"/>
+              </a:rPr>
+              <a:t>Iterative models also handle fuzzy requirements reasonably well. If you’re unsure of some of the application’s requirements, you can start building the parts you do understand and figure out the rest later.</a:t>
+            </a:r>
+          </a:p>
+        </p:txBody>
+      </p:sp>
+    </p:spTree>
+    <p:extLst>
+      <p:ext uri="{BB962C8B-B14F-4D97-AF65-F5344CB8AC3E}">
+        <p14:creationId xmlns:p14="http://schemas.microsoft.com/office/powerpoint/2010/main" val="1970816485"/>
+      </p:ext>
+    </p:extLst>
+  </p:cSld>
+  <p:clrMapOvr>
+    <a:masterClrMapping/>
+  </p:clrMapOvr>
+</p:sld>
+</file>
+
+<file path=ppt/slides/slide33.xml><?xml version="1.0" encoding="utf-8"?>
+<p:sld xmlns:a="http://schemas.openxmlformats.org/drawingml/2006/main" xmlns:r="http://schemas.openxmlformats.org/officeDocument/2006/relationships" xmlns:p="http://schemas.openxmlformats.org/presentationml/2006/main">
+  <p:cSld>
+    <p:spTree>
+      <p:nvGrpSpPr>
+        <p:cNvPr id="1" name=""/>
+        <p:cNvGrpSpPr/>
+        <p:nvPr/>
+      </p:nvGrpSpPr>
+      <p:grpSpPr>
+        <a:xfrm>
+          <a:off x="0" y="0"/>
+          <a:ext cx="0" cy="0"/>
+          <a:chOff x="0" y="0"/>
+          <a:chExt cx="0" cy="0"/>
+        </a:xfrm>
+      </p:grpSpPr>
+      <p:sp>
+        <p:nvSpPr>
+          <p:cNvPr id="2" name="Título 1">
+            <a:extLst>
+              <a:ext uri="{FF2B5EF4-FFF2-40B4-BE49-F238E27FC236}">
+                <a16:creationId xmlns:a16="http://schemas.microsoft.com/office/drawing/2014/main" id="{FDD31483-0B96-49D3-A8CB-3FD03F661093}"/>
+              </a:ext>
+            </a:extLst>
+          </p:cNvPr>
+          <p:cNvSpPr>
+            <a:spLocks noGrp="1"/>
+          </p:cNvSpPr>
+          <p:nvPr>
+            <p:ph type="title"/>
+          </p:nvPr>
+        </p:nvSpPr>
+        <p:spPr>
+          <a:xfrm>
+            <a:off x="853440" y="734998"/>
+            <a:ext cx="10515600" cy="1325563"/>
+          </a:xfrm>
+        </p:spPr>
+        <p:txBody>
+          <a:bodyPr>
+            <a:normAutofit/>
+          </a:bodyPr>
+          <a:lstStyle/>
+          <a:p>
+            <a:r>
+              <a:rPr lang="en-CA" sz="5400" dirty="0"/>
+              <a:t>Software development models</a:t>
+            </a:r>
+            <a:endParaRPr lang="es-MX" sz="5400" dirty="0"/>
+          </a:p>
+        </p:txBody>
+      </p:sp>
+      <p:sp>
+        <p:nvSpPr>
+          <p:cNvPr id="6" name="Marcador de pie de página 5">
+            <a:extLst>
+              <a:ext uri="{FF2B5EF4-FFF2-40B4-BE49-F238E27FC236}">
+                <a16:creationId xmlns:a16="http://schemas.microsoft.com/office/drawing/2014/main" id="{CCEDAD4E-B8D1-47AC-92A0-CC700C06B788}"/>
+              </a:ext>
+            </a:extLst>
+          </p:cNvPr>
+          <p:cNvSpPr>
+            <a:spLocks noGrp="1"/>
+          </p:cNvSpPr>
+          <p:nvPr>
+            <p:ph type="ftr" sz="quarter" idx="11"/>
+          </p:nvPr>
+        </p:nvSpPr>
+        <p:spPr/>
+        <p:txBody>
+          <a:bodyPr/>
+          <a:lstStyle/>
+          <a:p>
+            <a:pPr rtl="0">
+              <a:spcAft>
+                <a:spcPts val="600"/>
+              </a:spcAft>
+            </a:pPr>
+            <a:r>
+              <a:rPr lang="es-ES" noProof="0" dirty="0" err="1"/>
+              <a:t>Advanced</a:t>
+            </a:r>
+            <a:r>
+              <a:rPr lang="es-ES" noProof="0" dirty="0"/>
+              <a:t> </a:t>
+            </a:r>
+            <a:r>
+              <a:rPr lang="es-ES" noProof="0" dirty="0" err="1"/>
+              <a:t>Programming</a:t>
+            </a:r>
+            <a:endParaRPr lang="es-ES" noProof="0" dirty="0"/>
+          </a:p>
+        </p:txBody>
+      </p:sp>
+      <p:sp>
+        <p:nvSpPr>
+          <p:cNvPr id="7" name="Marcador de número de diapositiva 6">
+            <a:extLst>
+              <a:ext uri="{FF2B5EF4-FFF2-40B4-BE49-F238E27FC236}">
+                <a16:creationId xmlns:a16="http://schemas.microsoft.com/office/drawing/2014/main" id="{55B14F44-F565-4BBD-A079-E1F615D762F1}"/>
+              </a:ext>
+            </a:extLst>
+          </p:cNvPr>
+          <p:cNvSpPr>
+            <a:spLocks noGrp="1"/>
+          </p:cNvSpPr>
+          <p:nvPr>
+            <p:ph type="sldNum" sz="quarter" idx="12"/>
+          </p:nvPr>
+        </p:nvSpPr>
+        <p:spPr/>
+        <p:txBody>
+          <a:bodyPr/>
+          <a:lstStyle/>
+          <a:p>
+            <a:pPr rtl="0"/>
+            <a:fld id="{2C18C1E5-FB55-42F5-BD6D-9CC153FCDBE6}" type="slidenum">
+              <a:rPr lang="es-ES" noProof="0" smtClean="0"/>
+              <a:t>33</a:t>
+            </a:fld>
+            <a:endParaRPr lang="es-ES" noProof="0"/>
+          </a:p>
+        </p:txBody>
+      </p:sp>
+      <p:pic>
+        <p:nvPicPr>
+          <p:cNvPr id="8" name="Marcador de imagen en línea 27" descr="Diseño web con relleno sólido">
+            <a:extLst>
+              <a:ext uri="{FF2B5EF4-FFF2-40B4-BE49-F238E27FC236}">
+                <a16:creationId xmlns:a16="http://schemas.microsoft.com/office/drawing/2014/main" id="{1771A7BA-C2C8-4AB5-8143-9E20EA009BE6}"/>
+              </a:ext>
+            </a:extLst>
+          </p:cNvPr>
+          <p:cNvPicPr>
+            <a:picLocks noChangeAspect="1"/>
+          </p:cNvPicPr>
+          <p:nvPr/>
+        </p:nvPicPr>
+        <p:blipFill>
+          <a:blip r:embed="rId2">
+            <a:extLst>
+              <a:ext uri="{96DAC541-7B7A-43D3-8B79-37D633B846F1}">
+                <asvg:svgBlip xmlns:asvg="http://schemas.microsoft.com/office/drawing/2016/SVG/main" r:embed="rId3"/>
+              </a:ext>
+            </a:extLst>
+          </a:blip>
+          <a:srcRect/>
+          <a:stretch/>
+        </p:blipFill>
+        <p:spPr>
+          <a:xfrm>
+            <a:off x="9982200" y="1047259"/>
+            <a:ext cx="701040" cy="701040"/>
+          </a:xfrm>
+          <a:prstGeom prst="rect">
+            <a:avLst/>
+          </a:prstGeom>
+        </p:spPr>
+      </p:pic>
+      <p:sp>
+        <p:nvSpPr>
+          <p:cNvPr id="10" name="Marcador de pie de página 5">
+            <a:extLst>
+              <a:ext uri="{FF2B5EF4-FFF2-40B4-BE49-F238E27FC236}">
+                <a16:creationId xmlns:a16="http://schemas.microsoft.com/office/drawing/2014/main" id="{C4BC7171-7735-4726-A052-284CD08A27CA}"/>
+              </a:ext>
+            </a:extLst>
+          </p:cNvPr>
+          <p:cNvSpPr txBox="1">
+            <a:spLocks/>
+          </p:cNvSpPr>
+          <p:nvPr/>
+        </p:nvSpPr>
+        <p:spPr>
+          <a:xfrm>
+            <a:off x="-804193" y="6356350"/>
+            <a:ext cx="4114800" cy="365125"/>
+          </a:xfrm>
+          <a:prstGeom prst="rect">
+            <a:avLst/>
+          </a:prstGeom>
+        </p:spPr>
+        <p:txBody>
+          <a:bodyPr vert="horz" lIns="91440" tIns="45720" rIns="91440" bIns="45720" rtlCol="0" anchor="ctr"/>
+          <a:lstStyle>
+            <a:defPPr rtl="0">
+              <a:defRPr lang="es-es"/>
+            </a:defPPr>
+            <a:lvl1pPr marL="0" algn="ctr" defTabSz="914400" rtl="0" eaLnBrk="1" latinLnBrk="0" hangingPunct="1">
+              <a:defRPr sz="1600" kern="1200">
+                <a:solidFill>
+                  <a:schemeClr val="tx1"/>
+                </a:solidFill>
+                <a:latin typeface="+mn-lt"/>
+                <a:ea typeface="+mn-ea"/>
+                <a:cs typeface="+mn-cs"/>
+              </a:defRPr>
+            </a:lvl1pPr>
+            <a:lvl2pPr marL="457200" algn="l" defTabSz="914400" rtl="0" eaLnBrk="1" latinLnBrk="0" hangingPunct="1">
+              <a:defRPr sz="1800" kern="1200">
+                <a:solidFill>
+                  <a:schemeClr val="tx1"/>
+                </a:solidFill>
+                <a:latin typeface="+mn-lt"/>
+                <a:ea typeface="+mn-ea"/>
+                <a:cs typeface="+mn-cs"/>
+              </a:defRPr>
+            </a:lvl2pPr>
+            <a:lvl3pPr marL="914400" algn="l" defTabSz="914400" rtl="0" eaLnBrk="1" latinLnBrk="0" hangingPunct="1">
+              <a:defRPr sz="1800" kern="1200">
+                <a:solidFill>
+                  <a:schemeClr val="tx1"/>
+                </a:solidFill>
+                <a:latin typeface="+mn-lt"/>
+                <a:ea typeface="+mn-ea"/>
+                <a:cs typeface="+mn-cs"/>
+              </a:defRPr>
+            </a:lvl3pPr>
+            <a:lvl4pPr marL="1371600" algn="l" defTabSz="914400" rtl="0" eaLnBrk="1" latinLnBrk="0" hangingPunct="1">
+              <a:defRPr sz="1800" kern="1200">
+                <a:solidFill>
+                  <a:schemeClr val="tx1"/>
+                </a:solidFill>
+                <a:latin typeface="+mn-lt"/>
+                <a:ea typeface="+mn-ea"/>
+                <a:cs typeface="+mn-cs"/>
+              </a:defRPr>
+            </a:lvl4pPr>
+            <a:lvl5pPr marL="1828800" algn="l" defTabSz="914400" rtl="0" eaLnBrk="1" latinLnBrk="0" hangingPunct="1">
+              <a:defRPr sz="1800" kern="1200">
+                <a:solidFill>
+                  <a:schemeClr val="tx1"/>
+                </a:solidFill>
+                <a:latin typeface="+mn-lt"/>
+                <a:ea typeface="+mn-ea"/>
+                <a:cs typeface="+mn-cs"/>
+              </a:defRPr>
+            </a:lvl5pPr>
+            <a:lvl6pPr marL="2286000" algn="l" defTabSz="914400" rtl="0" eaLnBrk="1" latinLnBrk="0" hangingPunct="1">
+              <a:defRPr sz="1800" kern="1200">
+                <a:solidFill>
+                  <a:schemeClr val="tx1"/>
+                </a:solidFill>
+                <a:latin typeface="+mn-lt"/>
+                <a:ea typeface="+mn-ea"/>
+                <a:cs typeface="+mn-cs"/>
+              </a:defRPr>
+            </a:lvl6pPr>
+            <a:lvl7pPr marL="2743200" algn="l" defTabSz="914400" rtl="0" eaLnBrk="1" latinLnBrk="0" hangingPunct="1">
+              <a:defRPr sz="1800" kern="1200">
+                <a:solidFill>
+                  <a:schemeClr val="tx1"/>
+                </a:solidFill>
+                <a:latin typeface="+mn-lt"/>
+                <a:ea typeface="+mn-ea"/>
+                <a:cs typeface="+mn-cs"/>
+              </a:defRPr>
+            </a:lvl7pPr>
+            <a:lvl8pPr marL="3200400" algn="l" defTabSz="914400" rtl="0" eaLnBrk="1" latinLnBrk="0" hangingPunct="1">
+              <a:defRPr sz="1800" kern="1200">
+                <a:solidFill>
+                  <a:schemeClr val="tx1"/>
+                </a:solidFill>
+                <a:latin typeface="+mn-lt"/>
+                <a:ea typeface="+mn-ea"/>
+                <a:cs typeface="+mn-cs"/>
+              </a:defRPr>
+            </a:lvl8pPr>
+            <a:lvl9pPr marL="3657600" algn="l" defTabSz="914400" rtl="0" eaLnBrk="1" latinLnBrk="0" hangingPunct="1">
+              <a:defRPr sz="1800" kern="1200">
+                <a:solidFill>
+                  <a:schemeClr val="tx1"/>
+                </a:solidFill>
+                <a:latin typeface="+mn-lt"/>
+                <a:ea typeface="+mn-ea"/>
+                <a:cs typeface="+mn-cs"/>
+              </a:defRPr>
+            </a:lvl9pPr>
+          </a:lstStyle>
+          <a:p>
+            <a:pPr>
+              <a:spcAft>
+                <a:spcPts val="600"/>
+              </a:spcAft>
+            </a:pPr>
+            <a:r>
+              <a:rPr lang="es-ES" dirty="0"/>
+              <a:t>Luis Gerardo Camara Salinas</a:t>
+            </a:r>
+          </a:p>
+        </p:txBody>
+      </p:sp>
+      <p:pic>
+        <p:nvPicPr>
+          <p:cNvPr id="11" name="image1.jpeg" descr="Un dibujo animado con letras&#10;&#10;Descripción generada automáticamente con confianza media">
+            <a:extLst>
+              <a:ext uri="{FF2B5EF4-FFF2-40B4-BE49-F238E27FC236}">
+                <a16:creationId xmlns:a16="http://schemas.microsoft.com/office/drawing/2014/main" id="{1A6CEF60-99D9-4B9D-9C7F-ADDBE771ECC7}"/>
+              </a:ext>
+            </a:extLst>
+          </p:cNvPr>
+          <p:cNvPicPr/>
+          <p:nvPr/>
+        </p:nvPicPr>
+        <p:blipFill>
+          <a:blip r:embed="rId4" cstate="print">
+            <a:extLst>
+              <a:ext uri="{28A0092B-C50C-407E-A947-70E740481C1C}">
+                <a14:useLocalDpi xmlns:a14="http://schemas.microsoft.com/office/drawing/2010/main" val="0"/>
+              </a:ext>
+            </a:extLst>
+          </a:blip>
+          <a:stretch>
+            <a:fillRect/>
+          </a:stretch>
+        </p:blipFill>
+        <p:spPr>
+          <a:xfrm>
+            <a:off x="173080" y="365125"/>
+            <a:ext cx="1852930" cy="701040"/>
+          </a:xfrm>
+          <a:prstGeom prst="rect">
+            <a:avLst/>
+          </a:prstGeom>
+        </p:spPr>
+      </p:pic>
+      <p:sp>
+        <p:nvSpPr>
+          <p:cNvPr id="12" name="CuadroTexto 11">
+            <a:extLst>
+              <a:ext uri="{FF2B5EF4-FFF2-40B4-BE49-F238E27FC236}">
+                <a16:creationId xmlns:a16="http://schemas.microsoft.com/office/drawing/2014/main" id="{3C575B82-57D0-4FCE-B23C-ECA7FC85D576}"/>
+              </a:ext>
+            </a:extLst>
+          </p:cNvPr>
+          <p:cNvSpPr txBox="1"/>
+          <p:nvPr/>
+        </p:nvSpPr>
+        <p:spPr>
+          <a:xfrm>
+            <a:off x="713147" y="2105561"/>
+            <a:ext cx="10640653" cy="707886"/>
+          </a:xfrm>
+          <a:prstGeom prst="rect">
+            <a:avLst/>
+          </a:prstGeom>
+          <a:noFill/>
+        </p:spPr>
+        <p:txBody>
+          <a:bodyPr wrap="square" rtlCol="0">
+            <a:spAutoFit/>
+          </a:bodyPr>
+          <a:lstStyle/>
+          <a:p>
+            <a:r>
+              <a:rPr lang="es-ES" sz="4000" dirty="0" err="1">
+                <a:latin typeface="The Hand Black (Cuerpo)"/>
+              </a:rPr>
+              <a:t>Iterative</a:t>
+            </a:r>
+            <a:r>
+              <a:rPr lang="es-ES" sz="4000" dirty="0">
+                <a:latin typeface="The Hand Black (Cuerpo)"/>
+              </a:rPr>
+              <a:t> </a:t>
+            </a:r>
+            <a:r>
+              <a:rPr lang="es-ES" sz="4000" dirty="0" err="1">
+                <a:latin typeface="The Hand Black (Cuerpo)"/>
+              </a:rPr>
+              <a:t>models</a:t>
+            </a:r>
+            <a:endParaRPr lang="es-MX" sz="4000" dirty="0">
+              <a:latin typeface="The Hand Black (Cuerpo)"/>
+            </a:endParaRPr>
+          </a:p>
+        </p:txBody>
+      </p:sp>
+      <p:pic>
+        <p:nvPicPr>
+          <p:cNvPr id="9218" name="Picture 2" descr="images">
+            <a:extLst>
+              <a:ext uri="{FF2B5EF4-FFF2-40B4-BE49-F238E27FC236}">
+                <a16:creationId xmlns:a16="http://schemas.microsoft.com/office/drawing/2014/main" id="{F91E9C93-E784-437A-9685-6AD8B9EB31FF}"/>
+              </a:ext>
+            </a:extLst>
+          </p:cNvPr>
+          <p:cNvPicPr>
+            <a:picLocks noChangeAspect="1" noChangeArrowheads="1"/>
+          </p:cNvPicPr>
+          <p:nvPr/>
+        </p:nvPicPr>
+        <p:blipFill>
+          <a:blip r:embed="rId5">
+            <a:extLst>
+              <a:ext uri="{28A0092B-C50C-407E-A947-70E740481C1C}">
+                <a14:useLocalDpi xmlns:a14="http://schemas.microsoft.com/office/drawing/2010/main" val="0"/>
+              </a:ext>
+            </a:extLst>
+          </a:blip>
+          <a:srcRect/>
+          <a:stretch>
+            <a:fillRect/>
+          </a:stretch>
+        </p:blipFill>
+        <p:spPr bwMode="auto">
+          <a:xfrm>
+            <a:off x="2933700" y="2983984"/>
+            <a:ext cx="6324600" cy="3201829"/>
+          </a:xfrm>
+          <a:prstGeom prst="rect">
+            <a:avLst/>
+          </a:prstGeom>
+          <a:noFill/>
+          <a:extLst>
+            <a:ext uri="{909E8E84-426E-40DD-AFC4-6F175D3DCCD1}">
+              <a14:hiddenFill xmlns:a14="http://schemas.microsoft.com/office/drawing/2010/main">
+                <a:solidFill>
+                  <a:srgbClr val="FFFFFF"/>
+                </a:solidFill>
+              </a14:hiddenFill>
+            </a:ext>
+          </a:extLst>
+        </p:spPr>
+      </p:pic>
+    </p:spTree>
+    <p:extLst>
+      <p:ext uri="{BB962C8B-B14F-4D97-AF65-F5344CB8AC3E}">
+        <p14:creationId xmlns:p14="http://schemas.microsoft.com/office/powerpoint/2010/main" val="2469238374"/>
+      </p:ext>
+    </p:extLst>
+  </p:cSld>
+  <p:clrMapOvr>
+    <a:masterClrMapping/>
+  </p:clrMapOvr>
+</p:sld>
+</file>
+
+<file path=ppt/slides/slide34.xml><?xml version="1.0" encoding="utf-8"?>
+<p:sld xmlns:a="http://schemas.openxmlformats.org/drawingml/2006/main" xmlns:r="http://schemas.openxmlformats.org/officeDocument/2006/relationships" xmlns:p="http://schemas.openxmlformats.org/presentationml/2006/main">
+  <p:cSld>
+    <p:spTree>
+      <p:nvGrpSpPr>
+        <p:cNvPr id="1" name=""/>
+        <p:cNvGrpSpPr/>
+        <p:nvPr/>
+      </p:nvGrpSpPr>
+      <p:grpSpPr>
+        <a:xfrm>
+          <a:off x="0" y="0"/>
+          <a:ext cx="0" cy="0"/>
+          <a:chOff x="0" y="0"/>
+          <a:chExt cx="0" cy="0"/>
+        </a:xfrm>
+      </p:grpSpPr>
+      <p:sp>
+        <p:nvSpPr>
+          <p:cNvPr id="2" name="Título 1">
+            <a:extLst>
+              <a:ext uri="{FF2B5EF4-FFF2-40B4-BE49-F238E27FC236}">
+                <a16:creationId xmlns:a16="http://schemas.microsoft.com/office/drawing/2014/main" id="{FDD31483-0B96-49D3-A8CB-3FD03F661093}"/>
+              </a:ext>
+            </a:extLst>
+          </p:cNvPr>
+          <p:cNvSpPr>
+            <a:spLocks noGrp="1"/>
+          </p:cNvSpPr>
+          <p:nvPr>
+            <p:ph type="title"/>
+          </p:nvPr>
+        </p:nvSpPr>
+        <p:spPr>
+          <a:xfrm>
+            <a:off x="853440" y="734998"/>
+            <a:ext cx="10515600" cy="1325563"/>
+          </a:xfrm>
+        </p:spPr>
+        <p:txBody>
+          <a:bodyPr>
+            <a:normAutofit/>
+          </a:bodyPr>
+          <a:lstStyle/>
+          <a:p>
+            <a:r>
+              <a:rPr lang="en-CA" sz="5400" dirty="0"/>
+              <a:t>Software development models</a:t>
+            </a:r>
+            <a:endParaRPr lang="es-MX" sz="5400" dirty="0"/>
+          </a:p>
+        </p:txBody>
+      </p:sp>
+      <p:sp>
+        <p:nvSpPr>
+          <p:cNvPr id="6" name="Marcador de pie de página 5">
+            <a:extLst>
+              <a:ext uri="{FF2B5EF4-FFF2-40B4-BE49-F238E27FC236}">
+                <a16:creationId xmlns:a16="http://schemas.microsoft.com/office/drawing/2014/main" id="{CCEDAD4E-B8D1-47AC-92A0-CC700C06B788}"/>
+              </a:ext>
+            </a:extLst>
+          </p:cNvPr>
+          <p:cNvSpPr>
+            <a:spLocks noGrp="1"/>
+          </p:cNvSpPr>
+          <p:nvPr>
+            <p:ph type="ftr" sz="quarter" idx="11"/>
+          </p:nvPr>
+        </p:nvSpPr>
+        <p:spPr/>
+        <p:txBody>
+          <a:bodyPr/>
+          <a:lstStyle/>
+          <a:p>
+            <a:pPr rtl="0">
+              <a:spcAft>
+                <a:spcPts val="600"/>
+              </a:spcAft>
+            </a:pPr>
+            <a:r>
+              <a:rPr lang="es-ES" noProof="0" dirty="0" err="1"/>
+              <a:t>Advanced</a:t>
+            </a:r>
+            <a:r>
+              <a:rPr lang="es-ES" noProof="0" dirty="0"/>
+              <a:t> </a:t>
+            </a:r>
+            <a:r>
+              <a:rPr lang="es-ES" noProof="0" dirty="0" err="1"/>
+              <a:t>Programming</a:t>
+            </a:r>
+            <a:endParaRPr lang="es-ES" noProof="0" dirty="0"/>
+          </a:p>
+        </p:txBody>
+      </p:sp>
+      <p:sp>
+        <p:nvSpPr>
+          <p:cNvPr id="7" name="Marcador de número de diapositiva 6">
+            <a:extLst>
+              <a:ext uri="{FF2B5EF4-FFF2-40B4-BE49-F238E27FC236}">
+                <a16:creationId xmlns:a16="http://schemas.microsoft.com/office/drawing/2014/main" id="{55B14F44-F565-4BBD-A079-E1F615D762F1}"/>
+              </a:ext>
+            </a:extLst>
+          </p:cNvPr>
+          <p:cNvSpPr>
+            <a:spLocks noGrp="1"/>
+          </p:cNvSpPr>
+          <p:nvPr>
+            <p:ph type="sldNum" sz="quarter" idx="12"/>
+          </p:nvPr>
+        </p:nvSpPr>
+        <p:spPr/>
+        <p:txBody>
+          <a:bodyPr/>
+          <a:lstStyle/>
+          <a:p>
+            <a:pPr rtl="0"/>
+            <a:fld id="{2C18C1E5-FB55-42F5-BD6D-9CC153FCDBE6}" type="slidenum">
+              <a:rPr lang="es-ES" noProof="0" smtClean="0"/>
+              <a:t>34</a:t>
+            </a:fld>
+            <a:endParaRPr lang="es-ES" noProof="0"/>
+          </a:p>
+        </p:txBody>
+      </p:sp>
+      <p:pic>
+        <p:nvPicPr>
+          <p:cNvPr id="8" name="Marcador de imagen en línea 27" descr="Diseño web con relleno sólido">
+            <a:extLst>
+              <a:ext uri="{FF2B5EF4-FFF2-40B4-BE49-F238E27FC236}">
+                <a16:creationId xmlns:a16="http://schemas.microsoft.com/office/drawing/2014/main" id="{1771A7BA-C2C8-4AB5-8143-9E20EA009BE6}"/>
+              </a:ext>
+            </a:extLst>
+          </p:cNvPr>
+          <p:cNvPicPr>
+            <a:picLocks noChangeAspect="1"/>
+          </p:cNvPicPr>
+          <p:nvPr/>
+        </p:nvPicPr>
+        <p:blipFill>
+          <a:blip r:embed="rId2">
+            <a:extLst>
+              <a:ext uri="{96DAC541-7B7A-43D3-8B79-37D633B846F1}">
+                <asvg:svgBlip xmlns:asvg="http://schemas.microsoft.com/office/drawing/2016/SVG/main" r:embed="rId3"/>
+              </a:ext>
+            </a:extLst>
+          </a:blip>
+          <a:srcRect/>
+          <a:stretch/>
+        </p:blipFill>
+        <p:spPr>
+          <a:xfrm>
+            <a:off x="9982200" y="1047259"/>
+            <a:ext cx="701040" cy="701040"/>
+          </a:xfrm>
+          <a:prstGeom prst="rect">
+            <a:avLst/>
+          </a:prstGeom>
+        </p:spPr>
+      </p:pic>
+      <p:sp>
+        <p:nvSpPr>
+          <p:cNvPr id="10" name="Marcador de pie de página 5">
+            <a:extLst>
+              <a:ext uri="{FF2B5EF4-FFF2-40B4-BE49-F238E27FC236}">
+                <a16:creationId xmlns:a16="http://schemas.microsoft.com/office/drawing/2014/main" id="{C4BC7171-7735-4726-A052-284CD08A27CA}"/>
+              </a:ext>
+            </a:extLst>
+          </p:cNvPr>
+          <p:cNvSpPr txBox="1">
+            <a:spLocks/>
+          </p:cNvSpPr>
+          <p:nvPr/>
+        </p:nvSpPr>
+        <p:spPr>
+          <a:xfrm>
+            <a:off x="-804193" y="6356350"/>
+            <a:ext cx="4114800" cy="365125"/>
+          </a:xfrm>
+          <a:prstGeom prst="rect">
+            <a:avLst/>
+          </a:prstGeom>
+        </p:spPr>
+        <p:txBody>
+          <a:bodyPr vert="horz" lIns="91440" tIns="45720" rIns="91440" bIns="45720" rtlCol="0" anchor="ctr"/>
+          <a:lstStyle>
+            <a:defPPr rtl="0">
+              <a:defRPr lang="es-es"/>
+            </a:defPPr>
+            <a:lvl1pPr marL="0" algn="ctr" defTabSz="914400" rtl="0" eaLnBrk="1" latinLnBrk="0" hangingPunct="1">
+              <a:defRPr sz="1600" kern="1200">
+                <a:solidFill>
+                  <a:schemeClr val="tx1"/>
+                </a:solidFill>
+                <a:latin typeface="+mn-lt"/>
+                <a:ea typeface="+mn-ea"/>
+                <a:cs typeface="+mn-cs"/>
+              </a:defRPr>
+            </a:lvl1pPr>
+            <a:lvl2pPr marL="457200" algn="l" defTabSz="914400" rtl="0" eaLnBrk="1" latinLnBrk="0" hangingPunct="1">
+              <a:defRPr sz="1800" kern="1200">
+                <a:solidFill>
+                  <a:schemeClr val="tx1"/>
+                </a:solidFill>
+                <a:latin typeface="+mn-lt"/>
+                <a:ea typeface="+mn-ea"/>
+                <a:cs typeface="+mn-cs"/>
+              </a:defRPr>
+            </a:lvl2pPr>
+            <a:lvl3pPr marL="914400" algn="l" defTabSz="914400" rtl="0" eaLnBrk="1" latinLnBrk="0" hangingPunct="1">
+              <a:defRPr sz="1800" kern="1200">
+                <a:solidFill>
+                  <a:schemeClr val="tx1"/>
+                </a:solidFill>
+                <a:latin typeface="+mn-lt"/>
+                <a:ea typeface="+mn-ea"/>
+                <a:cs typeface="+mn-cs"/>
+              </a:defRPr>
+            </a:lvl3pPr>
+            <a:lvl4pPr marL="1371600" algn="l" defTabSz="914400" rtl="0" eaLnBrk="1" latinLnBrk="0" hangingPunct="1">
+              <a:defRPr sz="1800" kern="1200">
+                <a:solidFill>
+                  <a:schemeClr val="tx1"/>
+                </a:solidFill>
+                <a:latin typeface="+mn-lt"/>
+                <a:ea typeface="+mn-ea"/>
+                <a:cs typeface="+mn-cs"/>
+              </a:defRPr>
+            </a:lvl4pPr>
+            <a:lvl5pPr marL="1828800" algn="l" defTabSz="914400" rtl="0" eaLnBrk="1" latinLnBrk="0" hangingPunct="1">
+              <a:defRPr sz="1800" kern="1200">
+                <a:solidFill>
+                  <a:schemeClr val="tx1"/>
+                </a:solidFill>
+                <a:latin typeface="+mn-lt"/>
+                <a:ea typeface="+mn-ea"/>
+                <a:cs typeface="+mn-cs"/>
+              </a:defRPr>
+            </a:lvl5pPr>
+            <a:lvl6pPr marL="2286000" algn="l" defTabSz="914400" rtl="0" eaLnBrk="1" latinLnBrk="0" hangingPunct="1">
+              <a:defRPr sz="1800" kern="1200">
+                <a:solidFill>
+                  <a:schemeClr val="tx1"/>
+                </a:solidFill>
+                <a:latin typeface="+mn-lt"/>
+                <a:ea typeface="+mn-ea"/>
+                <a:cs typeface="+mn-cs"/>
+              </a:defRPr>
+            </a:lvl6pPr>
+            <a:lvl7pPr marL="2743200" algn="l" defTabSz="914400" rtl="0" eaLnBrk="1" latinLnBrk="0" hangingPunct="1">
+              <a:defRPr sz="1800" kern="1200">
+                <a:solidFill>
+                  <a:schemeClr val="tx1"/>
+                </a:solidFill>
+                <a:latin typeface="+mn-lt"/>
+                <a:ea typeface="+mn-ea"/>
+                <a:cs typeface="+mn-cs"/>
+              </a:defRPr>
+            </a:lvl7pPr>
+            <a:lvl8pPr marL="3200400" algn="l" defTabSz="914400" rtl="0" eaLnBrk="1" latinLnBrk="0" hangingPunct="1">
+              <a:defRPr sz="1800" kern="1200">
+                <a:solidFill>
+                  <a:schemeClr val="tx1"/>
+                </a:solidFill>
+                <a:latin typeface="+mn-lt"/>
+                <a:ea typeface="+mn-ea"/>
+                <a:cs typeface="+mn-cs"/>
+              </a:defRPr>
+            </a:lvl8pPr>
+            <a:lvl9pPr marL="3657600" algn="l" defTabSz="914400" rtl="0" eaLnBrk="1" latinLnBrk="0" hangingPunct="1">
+              <a:defRPr sz="1800" kern="1200">
+                <a:solidFill>
+                  <a:schemeClr val="tx1"/>
+                </a:solidFill>
+                <a:latin typeface="+mn-lt"/>
+                <a:ea typeface="+mn-ea"/>
+                <a:cs typeface="+mn-cs"/>
+              </a:defRPr>
+            </a:lvl9pPr>
+          </a:lstStyle>
+          <a:p>
+            <a:pPr>
+              <a:spcAft>
+                <a:spcPts val="600"/>
+              </a:spcAft>
+            </a:pPr>
+            <a:r>
+              <a:rPr lang="es-ES" dirty="0"/>
+              <a:t>Luis Gerardo Camara Salinas</a:t>
+            </a:r>
+          </a:p>
+        </p:txBody>
+      </p:sp>
+      <p:pic>
+        <p:nvPicPr>
+          <p:cNvPr id="11" name="image1.jpeg" descr="Un dibujo animado con letras&#10;&#10;Descripción generada automáticamente con confianza media">
+            <a:extLst>
+              <a:ext uri="{FF2B5EF4-FFF2-40B4-BE49-F238E27FC236}">
+                <a16:creationId xmlns:a16="http://schemas.microsoft.com/office/drawing/2014/main" id="{1A6CEF60-99D9-4B9D-9C7F-ADDBE771ECC7}"/>
+              </a:ext>
+            </a:extLst>
+          </p:cNvPr>
+          <p:cNvPicPr/>
+          <p:nvPr/>
+        </p:nvPicPr>
+        <p:blipFill>
+          <a:blip r:embed="rId4" cstate="print">
+            <a:extLst>
+              <a:ext uri="{28A0092B-C50C-407E-A947-70E740481C1C}">
+                <a14:useLocalDpi xmlns:a14="http://schemas.microsoft.com/office/drawing/2010/main" val="0"/>
+              </a:ext>
+            </a:extLst>
+          </a:blip>
+          <a:stretch>
+            <a:fillRect/>
+          </a:stretch>
+        </p:blipFill>
+        <p:spPr>
+          <a:xfrm>
+            <a:off x="173080" y="365125"/>
+            <a:ext cx="1852930" cy="701040"/>
+          </a:xfrm>
+          <a:prstGeom prst="rect">
+            <a:avLst/>
+          </a:prstGeom>
+        </p:spPr>
+      </p:pic>
+      <p:sp>
+        <p:nvSpPr>
+          <p:cNvPr id="12" name="CuadroTexto 11">
+            <a:extLst>
+              <a:ext uri="{FF2B5EF4-FFF2-40B4-BE49-F238E27FC236}">
+                <a16:creationId xmlns:a16="http://schemas.microsoft.com/office/drawing/2014/main" id="{3C575B82-57D0-4FCE-B23C-ECA7FC85D576}"/>
+              </a:ext>
+            </a:extLst>
+          </p:cNvPr>
+          <p:cNvSpPr txBox="1"/>
+          <p:nvPr/>
+        </p:nvSpPr>
+        <p:spPr>
+          <a:xfrm>
+            <a:off x="713147" y="2087963"/>
+            <a:ext cx="10640653" cy="707886"/>
+          </a:xfrm>
+          <a:prstGeom prst="rect">
+            <a:avLst/>
+          </a:prstGeom>
+          <a:noFill/>
+        </p:spPr>
+        <p:txBody>
+          <a:bodyPr wrap="square" rtlCol="0">
+            <a:spAutoFit/>
+          </a:bodyPr>
+          <a:lstStyle/>
+          <a:p>
+            <a:r>
+              <a:rPr lang="es-ES" sz="4000" dirty="0" err="1">
+                <a:latin typeface="The Hand Black (Cuerpo)"/>
+              </a:rPr>
+              <a:t>Iterative</a:t>
+            </a:r>
+            <a:r>
+              <a:rPr lang="es-ES" sz="4000" dirty="0">
+                <a:latin typeface="The Hand Black (Cuerpo)"/>
+              </a:rPr>
+              <a:t> </a:t>
+            </a:r>
+            <a:r>
+              <a:rPr lang="es-ES" sz="4000" dirty="0" err="1">
+                <a:latin typeface="The Hand Black (Cuerpo)"/>
+              </a:rPr>
+              <a:t>models</a:t>
+            </a:r>
+            <a:r>
+              <a:rPr lang="es-ES" sz="4000" dirty="0">
+                <a:latin typeface="The Hand Black (Cuerpo)"/>
+              </a:rPr>
+              <a:t> (</a:t>
+            </a:r>
+            <a:r>
+              <a:rPr lang="es-ES" sz="4000" dirty="0" err="1">
+                <a:latin typeface="The Hand Black (Cuerpo)"/>
+              </a:rPr>
+              <a:t>Prototypes</a:t>
+            </a:r>
+            <a:r>
+              <a:rPr lang="es-ES" sz="4000" dirty="0">
+                <a:latin typeface="The Hand Black (Cuerpo)"/>
+              </a:rPr>
+              <a:t>)</a:t>
+            </a:r>
+            <a:endParaRPr lang="es-MX" sz="4000" dirty="0">
+              <a:latin typeface="The Hand Black (Cuerpo)"/>
+            </a:endParaRPr>
+          </a:p>
+        </p:txBody>
+      </p:sp>
+      <p:sp>
+        <p:nvSpPr>
+          <p:cNvPr id="9" name="CuadroTexto 8">
+            <a:extLst>
+              <a:ext uri="{FF2B5EF4-FFF2-40B4-BE49-F238E27FC236}">
+                <a16:creationId xmlns:a16="http://schemas.microsoft.com/office/drawing/2014/main" id="{6A5BF80C-FEF9-46CF-98B3-E2646C27DA0F}"/>
+              </a:ext>
+            </a:extLst>
+          </p:cNvPr>
+          <p:cNvSpPr txBox="1"/>
+          <p:nvPr/>
+        </p:nvSpPr>
+        <p:spPr>
+          <a:xfrm>
+            <a:off x="713147" y="3000476"/>
+            <a:ext cx="10268199" cy="2308324"/>
+          </a:xfrm>
+          <a:prstGeom prst="rect">
+            <a:avLst/>
+          </a:prstGeom>
+          <a:noFill/>
+        </p:spPr>
+        <p:txBody>
+          <a:bodyPr wrap="square" rtlCol="0">
+            <a:spAutoFit/>
+          </a:bodyPr>
+          <a:lstStyle/>
+          <a:p>
+            <a:pPr marL="571500" indent="-571500">
+              <a:buFont typeface="Arial" panose="020B0604020202020204" pitchFamily="34" charset="0"/>
+              <a:buChar char="•"/>
+            </a:pPr>
+            <a:r>
+              <a:rPr lang="en-US" sz="2400" dirty="0">
+                <a:solidFill>
+                  <a:schemeClr val="accent1"/>
+                </a:solidFill>
+                <a:latin typeface="The Hand Black (Cuerpo)"/>
+              </a:rPr>
+              <a:t>Throwaway prototype</a:t>
+            </a:r>
+            <a:r>
+              <a:rPr lang="en-US" sz="2400" dirty="0">
+                <a:latin typeface="The Hand Black (Cuerpo)"/>
+              </a:rPr>
+              <a:t>: You use the prototype to study some aspect of the system and then you throw it away and write code from scratch.</a:t>
+            </a:r>
+          </a:p>
+          <a:p>
+            <a:pPr marL="571500" indent="-571500">
+              <a:buFont typeface="Arial" panose="020B0604020202020204" pitchFamily="34" charset="0"/>
+              <a:buChar char="•"/>
+            </a:pPr>
+            <a:r>
+              <a:rPr lang="en-US" sz="2400" dirty="0">
+                <a:solidFill>
+                  <a:schemeClr val="accent1"/>
+                </a:solidFill>
+                <a:latin typeface="The Hand Black (Cuerpo)"/>
+              </a:rPr>
+              <a:t>Evolutionary prototype</a:t>
+            </a:r>
+            <a:r>
+              <a:rPr lang="en-US" sz="2400" dirty="0">
+                <a:latin typeface="The Hand Black (Cuerpo)"/>
+              </a:rPr>
+              <a:t>: the prototype demonstrates some of the application’s features. As the project progresses, you refine those features and add new ones until the prototype morphs into the finished application.</a:t>
+            </a:r>
+          </a:p>
+          <a:p>
+            <a:pPr marL="571500" indent="-571500">
+              <a:buFont typeface="Arial" panose="020B0604020202020204" pitchFamily="34" charset="0"/>
+              <a:buChar char="•"/>
+            </a:pPr>
+            <a:r>
+              <a:rPr lang="en-US" sz="2400" dirty="0">
+                <a:solidFill>
+                  <a:schemeClr val="accent1"/>
+                </a:solidFill>
+                <a:latin typeface="The Hand Black (Cuerpo)"/>
+              </a:rPr>
+              <a:t>Incremental prototyping:</a:t>
+            </a:r>
+            <a:r>
+              <a:rPr lang="en-US" sz="2400" dirty="0">
+                <a:latin typeface="The Hand Black (Cuerpo)"/>
+              </a:rPr>
+              <a:t> You build a collection of prototypes of that separately demonstrate the finished application’s features and joint it. (you need to use good programming techniques for all the prototypes.)</a:t>
+            </a:r>
+          </a:p>
+        </p:txBody>
+      </p:sp>
+    </p:spTree>
+    <p:extLst>
+      <p:ext uri="{BB962C8B-B14F-4D97-AF65-F5344CB8AC3E}">
+        <p14:creationId xmlns:p14="http://schemas.microsoft.com/office/powerpoint/2010/main" val="4109494410"/>
+      </p:ext>
+    </p:extLst>
+  </p:cSld>
+  <p:clrMapOvr>
+    <a:masterClrMapping/>
+  </p:clrMapOvr>
+</p:sld>
+</file>
+
+<file path=ppt/slides/slide35.xml><?xml version="1.0" encoding="utf-8"?>
+<p:sld xmlns:a="http://schemas.openxmlformats.org/drawingml/2006/main" xmlns:r="http://schemas.openxmlformats.org/officeDocument/2006/relationships" xmlns:p="http://schemas.openxmlformats.org/presentationml/2006/main">
+  <p:cSld>
+    <p:spTree>
+      <p:nvGrpSpPr>
+        <p:cNvPr id="1" name=""/>
+        <p:cNvGrpSpPr/>
+        <p:nvPr/>
+      </p:nvGrpSpPr>
+      <p:grpSpPr>
+        <a:xfrm>
+          <a:off x="0" y="0"/>
+          <a:ext cx="0" cy="0"/>
+          <a:chOff x="0" y="0"/>
+          <a:chExt cx="0" cy="0"/>
+        </a:xfrm>
+      </p:grpSpPr>
+      <p:sp>
+        <p:nvSpPr>
+          <p:cNvPr id="2" name="Título 1">
+            <a:extLst>
+              <a:ext uri="{FF2B5EF4-FFF2-40B4-BE49-F238E27FC236}">
+                <a16:creationId xmlns:a16="http://schemas.microsoft.com/office/drawing/2014/main" id="{FDD31483-0B96-49D3-A8CB-3FD03F661093}"/>
+              </a:ext>
+            </a:extLst>
+          </p:cNvPr>
+          <p:cNvSpPr>
+            <a:spLocks noGrp="1"/>
+          </p:cNvSpPr>
+          <p:nvPr>
+            <p:ph type="title"/>
+          </p:nvPr>
+        </p:nvSpPr>
+        <p:spPr>
+          <a:xfrm>
+            <a:off x="853440" y="734998"/>
+            <a:ext cx="10515600" cy="1325563"/>
+          </a:xfrm>
+        </p:spPr>
+        <p:txBody>
+          <a:bodyPr>
+            <a:normAutofit/>
+          </a:bodyPr>
+          <a:lstStyle/>
+          <a:p>
+            <a:r>
+              <a:rPr lang="en-CA" sz="5400" dirty="0"/>
+              <a:t>Software development models</a:t>
+            </a:r>
+            <a:endParaRPr lang="es-MX" sz="5400" dirty="0"/>
+          </a:p>
+        </p:txBody>
+      </p:sp>
+      <p:sp>
+        <p:nvSpPr>
+          <p:cNvPr id="6" name="Marcador de pie de página 5">
+            <a:extLst>
+              <a:ext uri="{FF2B5EF4-FFF2-40B4-BE49-F238E27FC236}">
+                <a16:creationId xmlns:a16="http://schemas.microsoft.com/office/drawing/2014/main" id="{CCEDAD4E-B8D1-47AC-92A0-CC700C06B788}"/>
+              </a:ext>
+            </a:extLst>
+          </p:cNvPr>
+          <p:cNvSpPr>
+            <a:spLocks noGrp="1"/>
+          </p:cNvSpPr>
+          <p:nvPr>
+            <p:ph type="ftr" sz="quarter" idx="11"/>
+          </p:nvPr>
+        </p:nvSpPr>
+        <p:spPr/>
+        <p:txBody>
+          <a:bodyPr/>
+          <a:lstStyle/>
+          <a:p>
+            <a:pPr rtl="0">
+              <a:spcAft>
+                <a:spcPts val="600"/>
+              </a:spcAft>
+            </a:pPr>
+            <a:r>
+              <a:rPr lang="es-ES" noProof="0" dirty="0" err="1"/>
+              <a:t>Advanced</a:t>
+            </a:r>
+            <a:r>
+              <a:rPr lang="es-ES" noProof="0" dirty="0"/>
+              <a:t> </a:t>
+            </a:r>
+            <a:r>
+              <a:rPr lang="es-ES" noProof="0" dirty="0" err="1"/>
+              <a:t>Programming</a:t>
+            </a:r>
+            <a:endParaRPr lang="es-ES" noProof="0" dirty="0"/>
+          </a:p>
+        </p:txBody>
+      </p:sp>
+      <p:sp>
+        <p:nvSpPr>
+          <p:cNvPr id="7" name="Marcador de número de diapositiva 6">
+            <a:extLst>
+              <a:ext uri="{FF2B5EF4-FFF2-40B4-BE49-F238E27FC236}">
+                <a16:creationId xmlns:a16="http://schemas.microsoft.com/office/drawing/2014/main" id="{55B14F44-F565-4BBD-A079-E1F615D762F1}"/>
+              </a:ext>
+            </a:extLst>
+          </p:cNvPr>
+          <p:cNvSpPr>
+            <a:spLocks noGrp="1"/>
+          </p:cNvSpPr>
+          <p:nvPr>
+            <p:ph type="sldNum" sz="quarter" idx="12"/>
+          </p:nvPr>
+        </p:nvSpPr>
+        <p:spPr/>
+        <p:txBody>
+          <a:bodyPr/>
+          <a:lstStyle/>
+          <a:p>
+            <a:pPr rtl="0"/>
+            <a:fld id="{2C18C1E5-FB55-42F5-BD6D-9CC153FCDBE6}" type="slidenum">
+              <a:rPr lang="es-ES" noProof="0" smtClean="0"/>
+              <a:t>35</a:t>
+            </a:fld>
+            <a:endParaRPr lang="es-ES" noProof="0"/>
+          </a:p>
+        </p:txBody>
+      </p:sp>
+      <p:pic>
+        <p:nvPicPr>
+          <p:cNvPr id="8" name="Marcador de imagen en línea 27" descr="Diseño web con relleno sólido">
+            <a:extLst>
+              <a:ext uri="{FF2B5EF4-FFF2-40B4-BE49-F238E27FC236}">
+                <a16:creationId xmlns:a16="http://schemas.microsoft.com/office/drawing/2014/main" id="{1771A7BA-C2C8-4AB5-8143-9E20EA009BE6}"/>
+              </a:ext>
+            </a:extLst>
+          </p:cNvPr>
+          <p:cNvPicPr>
+            <a:picLocks noChangeAspect="1"/>
+          </p:cNvPicPr>
+          <p:nvPr/>
+        </p:nvPicPr>
+        <p:blipFill>
+          <a:blip r:embed="rId2">
+            <a:extLst>
+              <a:ext uri="{96DAC541-7B7A-43D3-8B79-37D633B846F1}">
+                <asvg:svgBlip xmlns:asvg="http://schemas.microsoft.com/office/drawing/2016/SVG/main" r:embed="rId3"/>
+              </a:ext>
+            </a:extLst>
+          </a:blip>
+          <a:srcRect/>
+          <a:stretch/>
+        </p:blipFill>
+        <p:spPr>
+          <a:xfrm>
+            <a:off x="9982200" y="1047259"/>
+            <a:ext cx="701040" cy="701040"/>
+          </a:xfrm>
+          <a:prstGeom prst="rect">
+            <a:avLst/>
+          </a:prstGeom>
+        </p:spPr>
+      </p:pic>
+      <p:sp>
+        <p:nvSpPr>
+          <p:cNvPr id="10" name="Marcador de pie de página 5">
+            <a:extLst>
+              <a:ext uri="{FF2B5EF4-FFF2-40B4-BE49-F238E27FC236}">
+                <a16:creationId xmlns:a16="http://schemas.microsoft.com/office/drawing/2014/main" id="{C4BC7171-7735-4726-A052-284CD08A27CA}"/>
+              </a:ext>
+            </a:extLst>
+          </p:cNvPr>
+          <p:cNvSpPr txBox="1">
+            <a:spLocks/>
+          </p:cNvSpPr>
+          <p:nvPr/>
+        </p:nvSpPr>
+        <p:spPr>
+          <a:xfrm>
+            <a:off x="-804193" y="6356350"/>
+            <a:ext cx="4114800" cy="365125"/>
+          </a:xfrm>
+          <a:prstGeom prst="rect">
+            <a:avLst/>
+          </a:prstGeom>
+        </p:spPr>
+        <p:txBody>
+          <a:bodyPr vert="horz" lIns="91440" tIns="45720" rIns="91440" bIns="45720" rtlCol="0" anchor="ctr"/>
+          <a:lstStyle>
+            <a:defPPr rtl="0">
+              <a:defRPr lang="es-es"/>
+            </a:defPPr>
+            <a:lvl1pPr marL="0" algn="ctr" defTabSz="914400" rtl="0" eaLnBrk="1" latinLnBrk="0" hangingPunct="1">
+              <a:defRPr sz="1600" kern="1200">
+                <a:solidFill>
+                  <a:schemeClr val="tx1"/>
+                </a:solidFill>
+                <a:latin typeface="+mn-lt"/>
+                <a:ea typeface="+mn-ea"/>
+                <a:cs typeface="+mn-cs"/>
+              </a:defRPr>
+            </a:lvl1pPr>
+            <a:lvl2pPr marL="457200" algn="l" defTabSz="914400" rtl="0" eaLnBrk="1" latinLnBrk="0" hangingPunct="1">
+              <a:defRPr sz="1800" kern="1200">
+                <a:solidFill>
+                  <a:schemeClr val="tx1"/>
+                </a:solidFill>
+                <a:latin typeface="+mn-lt"/>
+                <a:ea typeface="+mn-ea"/>
+                <a:cs typeface="+mn-cs"/>
+              </a:defRPr>
+            </a:lvl2pPr>
+            <a:lvl3pPr marL="914400" algn="l" defTabSz="914400" rtl="0" eaLnBrk="1" latinLnBrk="0" hangingPunct="1">
+              <a:defRPr sz="1800" kern="1200">
+                <a:solidFill>
+                  <a:schemeClr val="tx1"/>
+                </a:solidFill>
+                <a:latin typeface="+mn-lt"/>
+                <a:ea typeface="+mn-ea"/>
+                <a:cs typeface="+mn-cs"/>
+              </a:defRPr>
+            </a:lvl3pPr>
+            <a:lvl4pPr marL="1371600" algn="l" defTabSz="914400" rtl="0" eaLnBrk="1" latinLnBrk="0" hangingPunct="1">
+              <a:defRPr sz="1800" kern="1200">
+                <a:solidFill>
+                  <a:schemeClr val="tx1"/>
+                </a:solidFill>
+                <a:latin typeface="+mn-lt"/>
+                <a:ea typeface="+mn-ea"/>
+                <a:cs typeface="+mn-cs"/>
+              </a:defRPr>
+            </a:lvl4pPr>
+            <a:lvl5pPr marL="1828800" algn="l" defTabSz="914400" rtl="0" eaLnBrk="1" latinLnBrk="0" hangingPunct="1">
+              <a:defRPr sz="1800" kern="1200">
+                <a:solidFill>
+                  <a:schemeClr val="tx1"/>
+                </a:solidFill>
+                <a:latin typeface="+mn-lt"/>
+                <a:ea typeface="+mn-ea"/>
+                <a:cs typeface="+mn-cs"/>
+              </a:defRPr>
+            </a:lvl5pPr>
+            <a:lvl6pPr marL="2286000" algn="l" defTabSz="914400" rtl="0" eaLnBrk="1" latinLnBrk="0" hangingPunct="1">
+              <a:defRPr sz="1800" kern="1200">
+                <a:solidFill>
+                  <a:schemeClr val="tx1"/>
+                </a:solidFill>
+                <a:latin typeface="+mn-lt"/>
+                <a:ea typeface="+mn-ea"/>
+                <a:cs typeface="+mn-cs"/>
+              </a:defRPr>
+            </a:lvl6pPr>
+            <a:lvl7pPr marL="2743200" algn="l" defTabSz="914400" rtl="0" eaLnBrk="1" latinLnBrk="0" hangingPunct="1">
+              <a:defRPr sz="1800" kern="1200">
+                <a:solidFill>
+                  <a:schemeClr val="tx1"/>
+                </a:solidFill>
+                <a:latin typeface="+mn-lt"/>
+                <a:ea typeface="+mn-ea"/>
+                <a:cs typeface="+mn-cs"/>
+              </a:defRPr>
+            </a:lvl7pPr>
+            <a:lvl8pPr marL="3200400" algn="l" defTabSz="914400" rtl="0" eaLnBrk="1" latinLnBrk="0" hangingPunct="1">
+              <a:defRPr sz="1800" kern="1200">
+                <a:solidFill>
+                  <a:schemeClr val="tx1"/>
+                </a:solidFill>
+                <a:latin typeface="+mn-lt"/>
+                <a:ea typeface="+mn-ea"/>
+                <a:cs typeface="+mn-cs"/>
+              </a:defRPr>
+            </a:lvl8pPr>
+            <a:lvl9pPr marL="3657600" algn="l" defTabSz="914400" rtl="0" eaLnBrk="1" latinLnBrk="0" hangingPunct="1">
+              <a:defRPr sz="1800" kern="1200">
+                <a:solidFill>
+                  <a:schemeClr val="tx1"/>
+                </a:solidFill>
+                <a:latin typeface="+mn-lt"/>
+                <a:ea typeface="+mn-ea"/>
+                <a:cs typeface="+mn-cs"/>
+              </a:defRPr>
+            </a:lvl9pPr>
+          </a:lstStyle>
+          <a:p>
+            <a:pPr>
+              <a:spcAft>
+                <a:spcPts val="600"/>
+              </a:spcAft>
+            </a:pPr>
+            <a:r>
+              <a:rPr lang="es-ES" dirty="0"/>
+              <a:t>Luis Gerardo Camara Salinas</a:t>
+            </a:r>
+          </a:p>
+        </p:txBody>
+      </p:sp>
+      <p:pic>
+        <p:nvPicPr>
+          <p:cNvPr id="11" name="image1.jpeg" descr="Un dibujo animado con letras&#10;&#10;Descripción generada automáticamente con confianza media">
+            <a:extLst>
+              <a:ext uri="{FF2B5EF4-FFF2-40B4-BE49-F238E27FC236}">
+                <a16:creationId xmlns:a16="http://schemas.microsoft.com/office/drawing/2014/main" id="{1A6CEF60-99D9-4B9D-9C7F-ADDBE771ECC7}"/>
+              </a:ext>
+            </a:extLst>
+          </p:cNvPr>
+          <p:cNvPicPr/>
+          <p:nvPr/>
+        </p:nvPicPr>
+        <p:blipFill>
+          <a:blip r:embed="rId4" cstate="print">
+            <a:extLst>
+              <a:ext uri="{28A0092B-C50C-407E-A947-70E740481C1C}">
+                <a14:useLocalDpi xmlns:a14="http://schemas.microsoft.com/office/drawing/2010/main" val="0"/>
+              </a:ext>
+            </a:extLst>
+          </a:blip>
+          <a:stretch>
+            <a:fillRect/>
+          </a:stretch>
+        </p:blipFill>
+        <p:spPr>
+          <a:xfrm>
+            <a:off x="173080" y="365125"/>
+            <a:ext cx="1852930" cy="701040"/>
+          </a:xfrm>
+          <a:prstGeom prst="rect">
+            <a:avLst/>
+          </a:prstGeom>
+        </p:spPr>
+      </p:pic>
+      <p:sp>
+        <p:nvSpPr>
+          <p:cNvPr id="12" name="CuadroTexto 11">
+            <a:extLst>
+              <a:ext uri="{FF2B5EF4-FFF2-40B4-BE49-F238E27FC236}">
+                <a16:creationId xmlns:a16="http://schemas.microsoft.com/office/drawing/2014/main" id="{3C575B82-57D0-4FCE-B23C-ECA7FC85D576}"/>
+              </a:ext>
+            </a:extLst>
+          </p:cNvPr>
+          <p:cNvSpPr txBox="1"/>
+          <p:nvPr/>
+        </p:nvSpPr>
+        <p:spPr>
+          <a:xfrm>
+            <a:off x="713147" y="2087963"/>
+            <a:ext cx="10640653" cy="707886"/>
+          </a:xfrm>
+          <a:prstGeom prst="rect">
+            <a:avLst/>
+          </a:prstGeom>
+          <a:noFill/>
+        </p:spPr>
+        <p:txBody>
+          <a:bodyPr wrap="square" rtlCol="0">
+            <a:spAutoFit/>
+          </a:bodyPr>
+          <a:lstStyle/>
+          <a:p>
+            <a:r>
+              <a:rPr lang="es-ES" sz="4000" dirty="0" err="1">
+                <a:latin typeface="The Hand Black (Cuerpo)"/>
+              </a:rPr>
+              <a:t>Iterative</a:t>
+            </a:r>
+            <a:r>
+              <a:rPr lang="es-ES" sz="4000" dirty="0">
+                <a:latin typeface="The Hand Black (Cuerpo)"/>
+              </a:rPr>
+              <a:t> </a:t>
+            </a:r>
+            <a:r>
+              <a:rPr lang="es-ES" sz="4000" dirty="0" err="1">
+                <a:latin typeface="The Hand Black (Cuerpo)"/>
+              </a:rPr>
+              <a:t>models</a:t>
+            </a:r>
+            <a:r>
+              <a:rPr lang="es-ES" sz="4000" dirty="0">
+                <a:latin typeface="The Hand Black (Cuerpo)"/>
+              </a:rPr>
+              <a:t> (</a:t>
+            </a:r>
+            <a:r>
+              <a:rPr lang="es-ES" sz="4000" dirty="0" err="1">
+                <a:latin typeface="The Hand Black (Cuerpo)"/>
+              </a:rPr>
+              <a:t>Prototypes</a:t>
+            </a:r>
+            <a:r>
+              <a:rPr lang="es-ES" sz="4000" dirty="0">
+                <a:latin typeface="The Hand Black (Cuerpo)"/>
+              </a:rPr>
+              <a:t>)</a:t>
+            </a:r>
+            <a:endParaRPr lang="es-MX" sz="4000" dirty="0">
+              <a:latin typeface="The Hand Black (Cuerpo)"/>
+            </a:endParaRPr>
+          </a:p>
+        </p:txBody>
+      </p:sp>
+      <p:sp>
+        <p:nvSpPr>
+          <p:cNvPr id="9" name="CuadroTexto 8">
+            <a:extLst>
+              <a:ext uri="{FF2B5EF4-FFF2-40B4-BE49-F238E27FC236}">
+                <a16:creationId xmlns:a16="http://schemas.microsoft.com/office/drawing/2014/main" id="{6A5BF80C-FEF9-46CF-98B3-E2646C27DA0F}"/>
+              </a:ext>
+            </a:extLst>
+          </p:cNvPr>
+          <p:cNvSpPr txBox="1"/>
+          <p:nvPr/>
+        </p:nvSpPr>
+        <p:spPr>
+          <a:xfrm>
+            <a:off x="713147" y="3000476"/>
+            <a:ext cx="10268199" cy="1200329"/>
+          </a:xfrm>
+          <a:prstGeom prst="rect">
+            <a:avLst/>
+          </a:prstGeom>
+          <a:noFill/>
+        </p:spPr>
+        <p:txBody>
+          <a:bodyPr wrap="square" rtlCol="0">
+            <a:spAutoFit/>
+          </a:bodyPr>
+          <a:lstStyle/>
+          <a:p>
+            <a:pPr marL="571500" indent="-571500">
+              <a:buFont typeface="Arial" panose="020B0604020202020204" pitchFamily="34" charset="0"/>
+              <a:buChar char="•"/>
+            </a:pPr>
+            <a:r>
+              <a:rPr lang="en-US" sz="2400" dirty="0">
+                <a:latin typeface="The Hand Black (Cuerpo)"/>
+              </a:rPr>
+              <a:t>Improved requirements: allow customers to see the app and them feedback.</a:t>
+            </a:r>
+          </a:p>
+          <a:p>
+            <a:pPr marL="571500" indent="-571500">
+              <a:buFont typeface="Arial" panose="020B0604020202020204" pitchFamily="34" charset="0"/>
+              <a:buChar char="•"/>
+            </a:pPr>
+            <a:r>
+              <a:rPr lang="en-US" sz="2400" dirty="0">
+                <a:latin typeface="The Hand Black (Cuerpo)"/>
+              </a:rPr>
+              <a:t>Common vision: </a:t>
+            </a:r>
+            <a:r>
+              <a:rPr lang="en-US" sz="2400" dirty="0" err="1">
+                <a:latin typeface="The Hand Black (Cuerpo)"/>
+              </a:rPr>
+              <a:t>Custumers</a:t>
+            </a:r>
+            <a:r>
+              <a:rPr lang="en-US" sz="2400" dirty="0">
+                <a:latin typeface="The Hand Black (Cuerpo)"/>
+              </a:rPr>
+              <a:t> and Dev.</a:t>
+            </a:r>
+          </a:p>
+          <a:p>
+            <a:pPr marL="571500" indent="-571500">
+              <a:buFont typeface="Arial" panose="020B0604020202020204" pitchFamily="34" charset="0"/>
+              <a:buChar char="•"/>
+            </a:pPr>
+            <a:r>
+              <a:rPr lang="en-US" sz="2400" dirty="0">
+                <a:latin typeface="The Hand Black (Cuerpo)"/>
+              </a:rPr>
+              <a:t>Better design</a:t>
+            </a:r>
+          </a:p>
+        </p:txBody>
+      </p:sp>
+    </p:spTree>
+    <p:extLst>
+      <p:ext uri="{BB962C8B-B14F-4D97-AF65-F5344CB8AC3E}">
+        <p14:creationId xmlns:p14="http://schemas.microsoft.com/office/powerpoint/2010/main" val="3802012320"/>
+      </p:ext>
+    </p:extLst>
+  </p:cSld>
+  <p:clrMapOvr>
+    <a:masterClrMapping/>
+  </p:clrMapOvr>
+</p:sld>
+</file>
+
+<file path=ppt/slides/slide36.xml><?xml version="1.0" encoding="utf-8"?>
+<p:sld xmlns:a="http://schemas.openxmlformats.org/drawingml/2006/main" xmlns:r="http://schemas.openxmlformats.org/officeDocument/2006/relationships" xmlns:p="http://schemas.openxmlformats.org/presentationml/2006/main">
+  <p:cSld>
+    <p:spTree>
+      <p:nvGrpSpPr>
+        <p:cNvPr id="1" name=""/>
+        <p:cNvGrpSpPr/>
+        <p:nvPr/>
+      </p:nvGrpSpPr>
+      <p:grpSpPr>
+        <a:xfrm>
+          <a:off x="0" y="0"/>
+          <a:ext cx="0" cy="0"/>
+          <a:chOff x="0" y="0"/>
+          <a:chExt cx="0" cy="0"/>
+        </a:xfrm>
+      </p:grpSpPr>
+      <p:sp>
+        <p:nvSpPr>
+          <p:cNvPr id="2" name="Título 1">
+            <a:extLst>
+              <a:ext uri="{FF2B5EF4-FFF2-40B4-BE49-F238E27FC236}">
+                <a16:creationId xmlns:a16="http://schemas.microsoft.com/office/drawing/2014/main" id="{FDD31483-0B96-49D3-A8CB-3FD03F661093}"/>
+              </a:ext>
+            </a:extLst>
+          </p:cNvPr>
+          <p:cNvSpPr>
+            <a:spLocks noGrp="1"/>
+          </p:cNvSpPr>
+          <p:nvPr>
+            <p:ph type="title"/>
+          </p:nvPr>
+        </p:nvSpPr>
+        <p:spPr>
+          <a:xfrm>
+            <a:off x="853440" y="734998"/>
+            <a:ext cx="10515600" cy="1325563"/>
+          </a:xfrm>
+        </p:spPr>
+        <p:txBody>
+          <a:bodyPr>
+            <a:normAutofit/>
+          </a:bodyPr>
+          <a:lstStyle/>
+          <a:p>
+            <a:r>
+              <a:rPr lang="en-CA" sz="5400" dirty="0"/>
+              <a:t>Software development models</a:t>
+            </a:r>
+            <a:endParaRPr lang="es-MX" sz="5400" dirty="0"/>
+          </a:p>
+        </p:txBody>
+      </p:sp>
+      <p:sp>
+        <p:nvSpPr>
+          <p:cNvPr id="6" name="Marcador de pie de página 5">
+            <a:extLst>
+              <a:ext uri="{FF2B5EF4-FFF2-40B4-BE49-F238E27FC236}">
+                <a16:creationId xmlns:a16="http://schemas.microsoft.com/office/drawing/2014/main" id="{CCEDAD4E-B8D1-47AC-92A0-CC700C06B788}"/>
+              </a:ext>
+            </a:extLst>
+          </p:cNvPr>
+          <p:cNvSpPr>
+            <a:spLocks noGrp="1"/>
+          </p:cNvSpPr>
+          <p:nvPr>
+            <p:ph type="ftr" sz="quarter" idx="11"/>
+          </p:nvPr>
+        </p:nvSpPr>
+        <p:spPr/>
+        <p:txBody>
+          <a:bodyPr/>
+          <a:lstStyle/>
+          <a:p>
+            <a:pPr rtl="0">
+              <a:spcAft>
+                <a:spcPts val="600"/>
+              </a:spcAft>
+            </a:pPr>
+            <a:r>
+              <a:rPr lang="es-ES" noProof="0" dirty="0" err="1"/>
+              <a:t>Advanced</a:t>
+            </a:r>
+            <a:r>
+              <a:rPr lang="es-ES" noProof="0" dirty="0"/>
+              <a:t> </a:t>
+            </a:r>
+            <a:r>
+              <a:rPr lang="es-ES" noProof="0" dirty="0" err="1"/>
+              <a:t>Programming</a:t>
+            </a:r>
+            <a:endParaRPr lang="es-ES" noProof="0" dirty="0"/>
+          </a:p>
+        </p:txBody>
+      </p:sp>
+      <p:sp>
+        <p:nvSpPr>
+          <p:cNvPr id="7" name="Marcador de número de diapositiva 6">
+            <a:extLst>
+              <a:ext uri="{FF2B5EF4-FFF2-40B4-BE49-F238E27FC236}">
+                <a16:creationId xmlns:a16="http://schemas.microsoft.com/office/drawing/2014/main" id="{55B14F44-F565-4BBD-A079-E1F615D762F1}"/>
+              </a:ext>
+            </a:extLst>
+          </p:cNvPr>
+          <p:cNvSpPr>
+            <a:spLocks noGrp="1"/>
+          </p:cNvSpPr>
+          <p:nvPr>
+            <p:ph type="sldNum" sz="quarter" idx="12"/>
+          </p:nvPr>
+        </p:nvSpPr>
+        <p:spPr/>
+        <p:txBody>
+          <a:bodyPr/>
+          <a:lstStyle/>
+          <a:p>
+            <a:pPr rtl="0"/>
+            <a:fld id="{2C18C1E5-FB55-42F5-BD6D-9CC153FCDBE6}" type="slidenum">
+              <a:rPr lang="es-ES" noProof="0" smtClean="0"/>
+              <a:t>36</a:t>
+            </a:fld>
+            <a:endParaRPr lang="es-ES" noProof="0"/>
+          </a:p>
+        </p:txBody>
+      </p:sp>
+      <p:pic>
+        <p:nvPicPr>
+          <p:cNvPr id="8" name="Marcador de imagen en línea 27" descr="Diseño web con relleno sólido">
+            <a:extLst>
+              <a:ext uri="{FF2B5EF4-FFF2-40B4-BE49-F238E27FC236}">
+                <a16:creationId xmlns:a16="http://schemas.microsoft.com/office/drawing/2014/main" id="{1771A7BA-C2C8-4AB5-8143-9E20EA009BE6}"/>
+              </a:ext>
+            </a:extLst>
+          </p:cNvPr>
+          <p:cNvPicPr>
+            <a:picLocks noChangeAspect="1"/>
+          </p:cNvPicPr>
+          <p:nvPr/>
+        </p:nvPicPr>
+        <p:blipFill>
+          <a:blip r:embed="rId2">
+            <a:extLst>
+              <a:ext uri="{96DAC541-7B7A-43D3-8B79-37D633B846F1}">
+                <asvg:svgBlip xmlns:asvg="http://schemas.microsoft.com/office/drawing/2016/SVG/main" r:embed="rId3"/>
+              </a:ext>
+            </a:extLst>
+          </a:blip>
+          <a:srcRect/>
+          <a:stretch/>
+        </p:blipFill>
+        <p:spPr>
+          <a:xfrm>
+            <a:off x="9982200" y="1047259"/>
+            <a:ext cx="701040" cy="701040"/>
+          </a:xfrm>
+          <a:prstGeom prst="rect">
+            <a:avLst/>
+          </a:prstGeom>
+        </p:spPr>
+      </p:pic>
+      <p:sp>
+        <p:nvSpPr>
+          <p:cNvPr id="10" name="Marcador de pie de página 5">
+            <a:extLst>
+              <a:ext uri="{FF2B5EF4-FFF2-40B4-BE49-F238E27FC236}">
+                <a16:creationId xmlns:a16="http://schemas.microsoft.com/office/drawing/2014/main" id="{C4BC7171-7735-4726-A052-284CD08A27CA}"/>
+              </a:ext>
+            </a:extLst>
+          </p:cNvPr>
+          <p:cNvSpPr txBox="1">
+            <a:spLocks/>
+          </p:cNvSpPr>
+          <p:nvPr/>
+        </p:nvSpPr>
+        <p:spPr>
+          <a:xfrm>
+            <a:off x="-804193" y="6356350"/>
+            <a:ext cx="4114800" cy="365125"/>
+          </a:xfrm>
+          <a:prstGeom prst="rect">
+            <a:avLst/>
+          </a:prstGeom>
+        </p:spPr>
+        <p:txBody>
+          <a:bodyPr vert="horz" lIns="91440" tIns="45720" rIns="91440" bIns="45720" rtlCol="0" anchor="ctr"/>
+          <a:lstStyle>
+            <a:defPPr rtl="0">
+              <a:defRPr lang="es-es"/>
+            </a:defPPr>
+            <a:lvl1pPr marL="0" algn="ctr" defTabSz="914400" rtl="0" eaLnBrk="1" latinLnBrk="0" hangingPunct="1">
+              <a:defRPr sz="1600" kern="1200">
+                <a:solidFill>
+                  <a:schemeClr val="tx1"/>
+                </a:solidFill>
+                <a:latin typeface="+mn-lt"/>
+                <a:ea typeface="+mn-ea"/>
+                <a:cs typeface="+mn-cs"/>
+              </a:defRPr>
+            </a:lvl1pPr>
+            <a:lvl2pPr marL="457200" algn="l" defTabSz="914400" rtl="0" eaLnBrk="1" latinLnBrk="0" hangingPunct="1">
+              <a:defRPr sz="1800" kern="1200">
+                <a:solidFill>
+                  <a:schemeClr val="tx1"/>
+                </a:solidFill>
+                <a:latin typeface="+mn-lt"/>
+                <a:ea typeface="+mn-ea"/>
+                <a:cs typeface="+mn-cs"/>
+              </a:defRPr>
+            </a:lvl2pPr>
+            <a:lvl3pPr marL="914400" algn="l" defTabSz="914400" rtl="0" eaLnBrk="1" latinLnBrk="0" hangingPunct="1">
+              <a:defRPr sz="1800" kern="1200">
+                <a:solidFill>
+                  <a:schemeClr val="tx1"/>
+                </a:solidFill>
+                <a:latin typeface="+mn-lt"/>
+                <a:ea typeface="+mn-ea"/>
+                <a:cs typeface="+mn-cs"/>
+              </a:defRPr>
+            </a:lvl3pPr>
+            <a:lvl4pPr marL="1371600" algn="l" defTabSz="914400" rtl="0" eaLnBrk="1" latinLnBrk="0" hangingPunct="1">
+              <a:defRPr sz="1800" kern="1200">
+                <a:solidFill>
+                  <a:schemeClr val="tx1"/>
+                </a:solidFill>
+                <a:latin typeface="+mn-lt"/>
+                <a:ea typeface="+mn-ea"/>
+                <a:cs typeface="+mn-cs"/>
+              </a:defRPr>
+            </a:lvl4pPr>
+            <a:lvl5pPr marL="1828800" algn="l" defTabSz="914400" rtl="0" eaLnBrk="1" latinLnBrk="0" hangingPunct="1">
+              <a:defRPr sz="1800" kern="1200">
+                <a:solidFill>
+                  <a:schemeClr val="tx1"/>
+                </a:solidFill>
+                <a:latin typeface="+mn-lt"/>
+                <a:ea typeface="+mn-ea"/>
+                <a:cs typeface="+mn-cs"/>
+              </a:defRPr>
+            </a:lvl5pPr>
+            <a:lvl6pPr marL="2286000" algn="l" defTabSz="914400" rtl="0" eaLnBrk="1" latinLnBrk="0" hangingPunct="1">
+              <a:defRPr sz="1800" kern="1200">
+                <a:solidFill>
+                  <a:schemeClr val="tx1"/>
+                </a:solidFill>
+                <a:latin typeface="+mn-lt"/>
+                <a:ea typeface="+mn-ea"/>
+                <a:cs typeface="+mn-cs"/>
+              </a:defRPr>
+            </a:lvl6pPr>
+            <a:lvl7pPr marL="2743200" algn="l" defTabSz="914400" rtl="0" eaLnBrk="1" latinLnBrk="0" hangingPunct="1">
+              <a:defRPr sz="1800" kern="1200">
+                <a:solidFill>
+                  <a:schemeClr val="tx1"/>
+                </a:solidFill>
+                <a:latin typeface="+mn-lt"/>
+                <a:ea typeface="+mn-ea"/>
+                <a:cs typeface="+mn-cs"/>
+              </a:defRPr>
+            </a:lvl7pPr>
+            <a:lvl8pPr marL="3200400" algn="l" defTabSz="914400" rtl="0" eaLnBrk="1" latinLnBrk="0" hangingPunct="1">
+              <a:defRPr sz="1800" kern="1200">
+                <a:solidFill>
+                  <a:schemeClr val="tx1"/>
+                </a:solidFill>
+                <a:latin typeface="+mn-lt"/>
+                <a:ea typeface="+mn-ea"/>
+                <a:cs typeface="+mn-cs"/>
+              </a:defRPr>
+            </a:lvl8pPr>
+            <a:lvl9pPr marL="3657600" algn="l" defTabSz="914400" rtl="0" eaLnBrk="1" latinLnBrk="0" hangingPunct="1">
+              <a:defRPr sz="1800" kern="1200">
+                <a:solidFill>
+                  <a:schemeClr val="tx1"/>
+                </a:solidFill>
+                <a:latin typeface="+mn-lt"/>
+                <a:ea typeface="+mn-ea"/>
+                <a:cs typeface="+mn-cs"/>
+              </a:defRPr>
+            </a:lvl9pPr>
+          </a:lstStyle>
+          <a:p>
+            <a:pPr>
+              <a:spcAft>
+                <a:spcPts val="600"/>
+              </a:spcAft>
+            </a:pPr>
+            <a:r>
+              <a:rPr lang="es-ES" dirty="0"/>
+              <a:t>Luis Gerardo Camara Salinas</a:t>
+            </a:r>
+          </a:p>
+        </p:txBody>
+      </p:sp>
+      <p:pic>
+        <p:nvPicPr>
+          <p:cNvPr id="11" name="image1.jpeg" descr="Un dibujo animado con letras&#10;&#10;Descripción generada automáticamente con confianza media">
+            <a:extLst>
+              <a:ext uri="{FF2B5EF4-FFF2-40B4-BE49-F238E27FC236}">
+                <a16:creationId xmlns:a16="http://schemas.microsoft.com/office/drawing/2014/main" id="{1A6CEF60-99D9-4B9D-9C7F-ADDBE771ECC7}"/>
+              </a:ext>
+            </a:extLst>
+          </p:cNvPr>
+          <p:cNvPicPr/>
+          <p:nvPr/>
+        </p:nvPicPr>
+        <p:blipFill>
+          <a:blip r:embed="rId4" cstate="print">
+            <a:extLst>
+              <a:ext uri="{28A0092B-C50C-407E-A947-70E740481C1C}">
+                <a14:useLocalDpi xmlns:a14="http://schemas.microsoft.com/office/drawing/2010/main" val="0"/>
+              </a:ext>
+            </a:extLst>
+          </a:blip>
+          <a:stretch>
+            <a:fillRect/>
+          </a:stretch>
+        </p:blipFill>
+        <p:spPr>
+          <a:xfrm>
+            <a:off x="173080" y="365125"/>
+            <a:ext cx="1852930" cy="701040"/>
+          </a:xfrm>
+          <a:prstGeom prst="rect">
+            <a:avLst/>
+          </a:prstGeom>
+        </p:spPr>
+      </p:pic>
+      <p:sp>
+        <p:nvSpPr>
+          <p:cNvPr id="12" name="CuadroTexto 11">
+            <a:extLst>
+              <a:ext uri="{FF2B5EF4-FFF2-40B4-BE49-F238E27FC236}">
+                <a16:creationId xmlns:a16="http://schemas.microsoft.com/office/drawing/2014/main" id="{3C575B82-57D0-4FCE-B23C-ECA7FC85D576}"/>
+              </a:ext>
+            </a:extLst>
+          </p:cNvPr>
+          <p:cNvSpPr txBox="1"/>
+          <p:nvPr/>
+        </p:nvSpPr>
+        <p:spPr>
+          <a:xfrm>
+            <a:off x="713147" y="2087963"/>
+            <a:ext cx="10640653" cy="707886"/>
+          </a:xfrm>
+          <a:prstGeom prst="rect">
+            <a:avLst/>
+          </a:prstGeom>
+          <a:noFill/>
+        </p:spPr>
+        <p:txBody>
+          <a:bodyPr wrap="square" rtlCol="0">
+            <a:spAutoFit/>
+          </a:bodyPr>
+          <a:lstStyle/>
+          <a:p>
+            <a:r>
+              <a:rPr lang="es-ES" sz="4000" dirty="0" err="1">
+                <a:latin typeface="The Hand Black (Cuerpo)"/>
+              </a:rPr>
+              <a:t>Iterative</a:t>
+            </a:r>
+            <a:r>
+              <a:rPr lang="es-ES" sz="4000" dirty="0">
+                <a:latin typeface="The Hand Black (Cuerpo)"/>
+              </a:rPr>
+              <a:t> </a:t>
+            </a:r>
+            <a:r>
+              <a:rPr lang="es-ES" sz="4000" dirty="0" err="1">
+                <a:latin typeface="The Hand Black (Cuerpo)"/>
+              </a:rPr>
+              <a:t>models</a:t>
+            </a:r>
+            <a:r>
+              <a:rPr lang="es-ES" sz="4000" dirty="0">
+                <a:latin typeface="The Hand Black (Cuerpo)"/>
+              </a:rPr>
+              <a:t> (SPIRAL)</a:t>
+            </a:r>
+            <a:endParaRPr lang="es-MX" sz="4000" dirty="0">
+              <a:latin typeface="The Hand Black (Cuerpo)"/>
+            </a:endParaRPr>
+          </a:p>
+        </p:txBody>
+      </p:sp>
+      <p:sp>
+        <p:nvSpPr>
+          <p:cNvPr id="9" name="CuadroTexto 8">
+            <a:extLst>
+              <a:ext uri="{FF2B5EF4-FFF2-40B4-BE49-F238E27FC236}">
+                <a16:creationId xmlns:a16="http://schemas.microsoft.com/office/drawing/2014/main" id="{6A5BF80C-FEF9-46CF-98B3-E2646C27DA0F}"/>
+              </a:ext>
+            </a:extLst>
+          </p:cNvPr>
+          <p:cNvSpPr txBox="1"/>
+          <p:nvPr/>
+        </p:nvSpPr>
+        <p:spPr>
+          <a:xfrm>
+            <a:off x="713147" y="3000476"/>
+            <a:ext cx="10268199" cy="461665"/>
+          </a:xfrm>
+          <a:prstGeom prst="rect">
+            <a:avLst/>
+          </a:prstGeom>
+          <a:noFill/>
+        </p:spPr>
+        <p:txBody>
+          <a:bodyPr wrap="square" rtlCol="0">
+            <a:spAutoFit/>
+          </a:bodyPr>
+          <a:lstStyle/>
+          <a:p>
+            <a:pPr marL="571500" indent="-571500">
+              <a:buFont typeface="Arial" panose="020B0604020202020204" pitchFamily="34" charset="0"/>
+              <a:buChar char="•"/>
+            </a:pPr>
+            <a:r>
+              <a:rPr lang="en-US" sz="2400" dirty="0">
+                <a:latin typeface="The Hand Black (Cuerpo)"/>
+              </a:rPr>
+              <a:t>If you don’t understand all the requirements, then you might use an iterative approach for developing them.</a:t>
+            </a:r>
+          </a:p>
+        </p:txBody>
+      </p:sp>
+      <p:pic>
+        <p:nvPicPr>
+          <p:cNvPr id="10242" name="Picture 2" descr="images">
+            <a:extLst>
+              <a:ext uri="{FF2B5EF4-FFF2-40B4-BE49-F238E27FC236}">
+                <a16:creationId xmlns:a16="http://schemas.microsoft.com/office/drawing/2014/main" id="{260ED5C1-B32B-4B28-8269-E90F310325A6}"/>
+              </a:ext>
+            </a:extLst>
+          </p:cNvPr>
+          <p:cNvPicPr>
+            <a:picLocks noChangeAspect="1" noChangeArrowheads="1"/>
+          </p:cNvPicPr>
+          <p:nvPr/>
+        </p:nvPicPr>
+        <p:blipFill>
+          <a:blip r:embed="rId5">
+            <a:extLst>
+              <a:ext uri="{28A0092B-C50C-407E-A947-70E740481C1C}">
+                <a14:useLocalDpi xmlns:a14="http://schemas.microsoft.com/office/drawing/2010/main" val="0"/>
+              </a:ext>
+            </a:extLst>
+          </a:blip>
+          <a:srcRect/>
+          <a:stretch>
+            <a:fillRect/>
+          </a:stretch>
+        </p:blipFill>
+        <p:spPr bwMode="auto">
+          <a:xfrm>
+            <a:off x="4159807" y="3611430"/>
+            <a:ext cx="3747331" cy="2744920"/>
+          </a:xfrm>
+          <a:prstGeom prst="rect">
+            <a:avLst/>
+          </a:prstGeom>
+          <a:noFill/>
+          <a:extLst>
+            <a:ext uri="{909E8E84-426E-40DD-AFC4-6F175D3DCCD1}">
+              <a14:hiddenFill xmlns:a14="http://schemas.microsoft.com/office/drawing/2010/main">
+                <a:solidFill>
+                  <a:srgbClr val="FFFFFF"/>
+                </a:solidFill>
+              </a14:hiddenFill>
+            </a:ext>
+          </a:extLst>
+        </p:spPr>
+      </p:pic>
+    </p:spTree>
+    <p:extLst>
+      <p:ext uri="{BB962C8B-B14F-4D97-AF65-F5344CB8AC3E}">
+        <p14:creationId xmlns:p14="http://schemas.microsoft.com/office/powerpoint/2010/main" val="2054071285"/>
+      </p:ext>
+    </p:extLst>
+  </p:cSld>
+  <p:clrMapOvr>
+    <a:masterClrMapping/>
+  </p:clrMapOvr>
+</p:sld>
+</file>
+
+<file path=ppt/slides/slide37.xml><?xml version="1.0" encoding="utf-8"?>
+<p:sld xmlns:a="http://schemas.openxmlformats.org/drawingml/2006/main" xmlns:r="http://schemas.openxmlformats.org/officeDocument/2006/relationships" xmlns:p="http://schemas.openxmlformats.org/presentationml/2006/main">
+  <p:cSld>
+    <p:spTree>
+      <p:nvGrpSpPr>
+        <p:cNvPr id="1" name=""/>
+        <p:cNvGrpSpPr/>
+        <p:nvPr/>
+      </p:nvGrpSpPr>
+      <p:grpSpPr>
+        <a:xfrm>
+          <a:off x="0" y="0"/>
+          <a:ext cx="0" cy="0"/>
+          <a:chOff x="0" y="0"/>
+          <a:chExt cx="0" cy="0"/>
+        </a:xfrm>
+      </p:grpSpPr>
+      <p:sp>
+        <p:nvSpPr>
+          <p:cNvPr id="2" name="Título 1">
+            <a:extLst>
+              <a:ext uri="{FF2B5EF4-FFF2-40B4-BE49-F238E27FC236}">
+                <a16:creationId xmlns:a16="http://schemas.microsoft.com/office/drawing/2014/main" id="{FDD31483-0B96-49D3-A8CB-3FD03F661093}"/>
+              </a:ext>
+            </a:extLst>
+          </p:cNvPr>
+          <p:cNvSpPr>
+            <a:spLocks noGrp="1"/>
+          </p:cNvSpPr>
+          <p:nvPr>
+            <p:ph type="title"/>
+          </p:nvPr>
+        </p:nvSpPr>
+        <p:spPr>
+          <a:xfrm>
+            <a:off x="853440" y="734998"/>
+            <a:ext cx="10515600" cy="1325563"/>
+          </a:xfrm>
+        </p:spPr>
+        <p:txBody>
+          <a:bodyPr>
+            <a:normAutofit/>
+          </a:bodyPr>
+          <a:lstStyle/>
+          <a:p>
+            <a:r>
+              <a:rPr lang="en-CA" sz="5400" dirty="0"/>
+              <a:t>Software development models</a:t>
+            </a:r>
+            <a:endParaRPr lang="es-MX" sz="5400" dirty="0"/>
+          </a:p>
+        </p:txBody>
+      </p:sp>
+      <p:sp>
+        <p:nvSpPr>
+          <p:cNvPr id="6" name="Marcador de pie de página 5">
+            <a:extLst>
+              <a:ext uri="{FF2B5EF4-FFF2-40B4-BE49-F238E27FC236}">
+                <a16:creationId xmlns:a16="http://schemas.microsoft.com/office/drawing/2014/main" id="{CCEDAD4E-B8D1-47AC-92A0-CC700C06B788}"/>
+              </a:ext>
+            </a:extLst>
+          </p:cNvPr>
+          <p:cNvSpPr>
+            <a:spLocks noGrp="1"/>
+          </p:cNvSpPr>
+          <p:nvPr>
+            <p:ph type="ftr" sz="quarter" idx="11"/>
+          </p:nvPr>
+        </p:nvSpPr>
+        <p:spPr/>
+        <p:txBody>
+          <a:bodyPr/>
+          <a:lstStyle/>
+          <a:p>
+            <a:pPr rtl="0">
+              <a:spcAft>
+                <a:spcPts val="600"/>
+              </a:spcAft>
+            </a:pPr>
+            <a:r>
+              <a:rPr lang="es-ES" noProof="0" dirty="0" err="1"/>
+              <a:t>Advanced</a:t>
+            </a:r>
+            <a:r>
+              <a:rPr lang="es-ES" noProof="0" dirty="0"/>
+              <a:t> </a:t>
+            </a:r>
+            <a:r>
+              <a:rPr lang="es-ES" noProof="0" dirty="0" err="1"/>
+              <a:t>Programming</a:t>
+            </a:r>
+            <a:endParaRPr lang="es-ES" noProof="0" dirty="0"/>
+          </a:p>
+        </p:txBody>
+      </p:sp>
+      <p:sp>
+        <p:nvSpPr>
+          <p:cNvPr id="7" name="Marcador de número de diapositiva 6">
+            <a:extLst>
+              <a:ext uri="{FF2B5EF4-FFF2-40B4-BE49-F238E27FC236}">
+                <a16:creationId xmlns:a16="http://schemas.microsoft.com/office/drawing/2014/main" id="{55B14F44-F565-4BBD-A079-E1F615D762F1}"/>
+              </a:ext>
+            </a:extLst>
+          </p:cNvPr>
+          <p:cNvSpPr>
+            <a:spLocks noGrp="1"/>
+          </p:cNvSpPr>
+          <p:nvPr>
+            <p:ph type="sldNum" sz="quarter" idx="12"/>
+          </p:nvPr>
+        </p:nvSpPr>
+        <p:spPr/>
+        <p:txBody>
+          <a:bodyPr/>
+          <a:lstStyle/>
+          <a:p>
+            <a:pPr rtl="0"/>
+            <a:fld id="{2C18C1E5-FB55-42F5-BD6D-9CC153FCDBE6}" type="slidenum">
+              <a:rPr lang="es-ES" noProof="0" smtClean="0"/>
+              <a:t>37</a:t>
+            </a:fld>
+            <a:endParaRPr lang="es-ES" noProof="0"/>
+          </a:p>
+        </p:txBody>
+      </p:sp>
+      <p:pic>
+        <p:nvPicPr>
+          <p:cNvPr id="8" name="Marcador de imagen en línea 27" descr="Diseño web con relleno sólido">
+            <a:extLst>
+              <a:ext uri="{FF2B5EF4-FFF2-40B4-BE49-F238E27FC236}">
+                <a16:creationId xmlns:a16="http://schemas.microsoft.com/office/drawing/2014/main" id="{1771A7BA-C2C8-4AB5-8143-9E20EA009BE6}"/>
+              </a:ext>
+            </a:extLst>
+          </p:cNvPr>
+          <p:cNvPicPr>
+            <a:picLocks noChangeAspect="1"/>
+          </p:cNvPicPr>
+          <p:nvPr/>
+        </p:nvPicPr>
+        <p:blipFill>
+          <a:blip r:embed="rId2">
+            <a:extLst>
+              <a:ext uri="{96DAC541-7B7A-43D3-8B79-37D633B846F1}">
+                <asvg:svgBlip xmlns:asvg="http://schemas.microsoft.com/office/drawing/2016/SVG/main" r:embed="rId3"/>
+              </a:ext>
+            </a:extLst>
+          </a:blip>
+          <a:srcRect/>
+          <a:stretch/>
+        </p:blipFill>
+        <p:spPr>
+          <a:xfrm>
+            <a:off x="9982200" y="1047259"/>
+            <a:ext cx="701040" cy="701040"/>
+          </a:xfrm>
+          <a:prstGeom prst="rect">
+            <a:avLst/>
+          </a:prstGeom>
+        </p:spPr>
+      </p:pic>
+      <p:sp>
+        <p:nvSpPr>
+          <p:cNvPr id="10" name="Marcador de pie de página 5">
+            <a:extLst>
+              <a:ext uri="{FF2B5EF4-FFF2-40B4-BE49-F238E27FC236}">
+                <a16:creationId xmlns:a16="http://schemas.microsoft.com/office/drawing/2014/main" id="{C4BC7171-7735-4726-A052-284CD08A27CA}"/>
+              </a:ext>
+            </a:extLst>
+          </p:cNvPr>
+          <p:cNvSpPr txBox="1">
+            <a:spLocks/>
+          </p:cNvSpPr>
+          <p:nvPr/>
+        </p:nvSpPr>
+        <p:spPr>
+          <a:xfrm>
+            <a:off x="-804193" y="6356350"/>
+            <a:ext cx="4114800" cy="365125"/>
+          </a:xfrm>
+          <a:prstGeom prst="rect">
+            <a:avLst/>
+          </a:prstGeom>
+        </p:spPr>
+        <p:txBody>
+          <a:bodyPr vert="horz" lIns="91440" tIns="45720" rIns="91440" bIns="45720" rtlCol="0" anchor="ctr"/>
+          <a:lstStyle>
+            <a:defPPr rtl="0">
+              <a:defRPr lang="es-es"/>
+            </a:defPPr>
+            <a:lvl1pPr marL="0" algn="ctr" defTabSz="914400" rtl="0" eaLnBrk="1" latinLnBrk="0" hangingPunct="1">
+              <a:defRPr sz="1600" kern="1200">
+                <a:solidFill>
+                  <a:schemeClr val="tx1"/>
+                </a:solidFill>
+                <a:latin typeface="+mn-lt"/>
+                <a:ea typeface="+mn-ea"/>
+                <a:cs typeface="+mn-cs"/>
+              </a:defRPr>
+            </a:lvl1pPr>
+            <a:lvl2pPr marL="457200" algn="l" defTabSz="914400" rtl="0" eaLnBrk="1" latinLnBrk="0" hangingPunct="1">
+              <a:defRPr sz="1800" kern="1200">
+                <a:solidFill>
+                  <a:schemeClr val="tx1"/>
+                </a:solidFill>
+                <a:latin typeface="+mn-lt"/>
+                <a:ea typeface="+mn-ea"/>
+                <a:cs typeface="+mn-cs"/>
+              </a:defRPr>
+            </a:lvl2pPr>
+            <a:lvl3pPr marL="914400" algn="l" defTabSz="914400" rtl="0" eaLnBrk="1" latinLnBrk="0" hangingPunct="1">
+              <a:defRPr sz="1800" kern="1200">
+                <a:solidFill>
+                  <a:schemeClr val="tx1"/>
+                </a:solidFill>
+                <a:latin typeface="+mn-lt"/>
+                <a:ea typeface="+mn-ea"/>
+                <a:cs typeface="+mn-cs"/>
+              </a:defRPr>
+            </a:lvl3pPr>
+            <a:lvl4pPr marL="1371600" algn="l" defTabSz="914400" rtl="0" eaLnBrk="1" latinLnBrk="0" hangingPunct="1">
+              <a:defRPr sz="1800" kern="1200">
+                <a:solidFill>
+                  <a:schemeClr val="tx1"/>
+                </a:solidFill>
+                <a:latin typeface="+mn-lt"/>
+                <a:ea typeface="+mn-ea"/>
+                <a:cs typeface="+mn-cs"/>
+              </a:defRPr>
+            </a:lvl4pPr>
+            <a:lvl5pPr marL="1828800" algn="l" defTabSz="914400" rtl="0" eaLnBrk="1" latinLnBrk="0" hangingPunct="1">
+              <a:defRPr sz="1800" kern="1200">
+                <a:solidFill>
+                  <a:schemeClr val="tx1"/>
+                </a:solidFill>
+                <a:latin typeface="+mn-lt"/>
+                <a:ea typeface="+mn-ea"/>
+                <a:cs typeface="+mn-cs"/>
+              </a:defRPr>
+            </a:lvl5pPr>
+            <a:lvl6pPr marL="2286000" algn="l" defTabSz="914400" rtl="0" eaLnBrk="1" latinLnBrk="0" hangingPunct="1">
+              <a:defRPr sz="1800" kern="1200">
+                <a:solidFill>
+                  <a:schemeClr val="tx1"/>
+                </a:solidFill>
+                <a:latin typeface="+mn-lt"/>
+                <a:ea typeface="+mn-ea"/>
+                <a:cs typeface="+mn-cs"/>
+              </a:defRPr>
+            </a:lvl6pPr>
+            <a:lvl7pPr marL="2743200" algn="l" defTabSz="914400" rtl="0" eaLnBrk="1" latinLnBrk="0" hangingPunct="1">
+              <a:defRPr sz="1800" kern="1200">
+                <a:solidFill>
+                  <a:schemeClr val="tx1"/>
+                </a:solidFill>
+                <a:latin typeface="+mn-lt"/>
+                <a:ea typeface="+mn-ea"/>
+                <a:cs typeface="+mn-cs"/>
+              </a:defRPr>
+            </a:lvl7pPr>
+            <a:lvl8pPr marL="3200400" algn="l" defTabSz="914400" rtl="0" eaLnBrk="1" latinLnBrk="0" hangingPunct="1">
+              <a:defRPr sz="1800" kern="1200">
+                <a:solidFill>
+                  <a:schemeClr val="tx1"/>
+                </a:solidFill>
+                <a:latin typeface="+mn-lt"/>
+                <a:ea typeface="+mn-ea"/>
+                <a:cs typeface="+mn-cs"/>
+              </a:defRPr>
+            </a:lvl8pPr>
+            <a:lvl9pPr marL="3657600" algn="l" defTabSz="914400" rtl="0" eaLnBrk="1" latinLnBrk="0" hangingPunct="1">
+              <a:defRPr sz="1800" kern="1200">
+                <a:solidFill>
+                  <a:schemeClr val="tx1"/>
+                </a:solidFill>
+                <a:latin typeface="+mn-lt"/>
+                <a:ea typeface="+mn-ea"/>
+                <a:cs typeface="+mn-cs"/>
+              </a:defRPr>
+            </a:lvl9pPr>
+          </a:lstStyle>
+          <a:p>
+            <a:pPr>
+              <a:spcAft>
+                <a:spcPts val="600"/>
+              </a:spcAft>
+            </a:pPr>
+            <a:r>
+              <a:rPr lang="es-ES" dirty="0"/>
+              <a:t>Luis Gerardo Camara Salinas</a:t>
+            </a:r>
+          </a:p>
+        </p:txBody>
+      </p:sp>
+      <p:pic>
+        <p:nvPicPr>
+          <p:cNvPr id="11" name="image1.jpeg" descr="Un dibujo animado con letras&#10;&#10;Descripción generada automáticamente con confianza media">
+            <a:extLst>
+              <a:ext uri="{FF2B5EF4-FFF2-40B4-BE49-F238E27FC236}">
+                <a16:creationId xmlns:a16="http://schemas.microsoft.com/office/drawing/2014/main" id="{1A6CEF60-99D9-4B9D-9C7F-ADDBE771ECC7}"/>
+              </a:ext>
+            </a:extLst>
+          </p:cNvPr>
+          <p:cNvPicPr/>
+          <p:nvPr/>
+        </p:nvPicPr>
+        <p:blipFill>
+          <a:blip r:embed="rId4" cstate="print">
+            <a:extLst>
+              <a:ext uri="{28A0092B-C50C-407E-A947-70E740481C1C}">
+                <a14:useLocalDpi xmlns:a14="http://schemas.microsoft.com/office/drawing/2010/main" val="0"/>
+              </a:ext>
+            </a:extLst>
+          </a:blip>
+          <a:stretch>
+            <a:fillRect/>
+          </a:stretch>
+        </p:blipFill>
+        <p:spPr>
+          <a:xfrm>
+            <a:off x="173080" y="365125"/>
+            <a:ext cx="1852930" cy="701040"/>
+          </a:xfrm>
+          <a:prstGeom prst="rect">
+            <a:avLst/>
+          </a:prstGeom>
+        </p:spPr>
+      </p:pic>
+      <p:sp>
+        <p:nvSpPr>
+          <p:cNvPr id="12" name="CuadroTexto 11">
+            <a:extLst>
+              <a:ext uri="{FF2B5EF4-FFF2-40B4-BE49-F238E27FC236}">
+                <a16:creationId xmlns:a16="http://schemas.microsoft.com/office/drawing/2014/main" id="{3C575B82-57D0-4FCE-B23C-ECA7FC85D576}"/>
+              </a:ext>
+            </a:extLst>
+          </p:cNvPr>
+          <p:cNvSpPr txBox="1"/>
+          <p:nvPr/>
+        </p:nvSpPr>
+        <p:spPr>
+          <a:xfrm>
+            <a:off x="713148" y="2087963"/>
+            <a:ext cx="10515600" cy="707886"/>
+          </a:xfrm>
+          <a:prstGeom prst="rect">
+            <a:avLst/>
+          </a:prstGeom>
+          <a:noFill/>
+        </p:spPr>
+        <p:txBody>
+          <a:bodyPr wrap="square" rtlCol="0">
+            <a:spAutoFit/>
+          </a:bodyPr>
+          <a:lstStyle/>
+          <a:p>
+            <a:r>
+              <a:rPr lang="es-ES" sz="4000" dirty="0" err="1">
+                <a:latin typeface="The Hand Black (Cuerpo)"/>
+              </a:rPr>
+              <a:t>Iterative</a:t>
+            </a:r>
+            <a:r>
+              <a:rPr lang="es-ES" sz="4000" dirty="0">
+                <a:latin typeface="The Hand Black (Cuerpo)"/>
+              </a:rPr>
+              <a:t> </a:t>
+            </a:r>
+            <a:r>
+              <a:rPr lang="es-ES" sz="4000" dirty="0" err="1">
+                <a:latin typeface="The Hand Black (Cuerpo)"/>
+              </a:rPr>
+              <a:t>models</a:t>
+            </a:r>
+            <a:r>
+              <a:rPr lang="es-ES" sz="4000" dirty="0">
+                <a:latin typeface="The Hand Black (Cuerpo)"/>
+              </a:rPr>
+              <a:t> (SPIRAL)</a:t>
+            </a:r>
+            <a:endParaRPr lang="es-MX" sz="4000" dirty="0">
+              <a:latin typeface="The Hand Black (Cuerpo)"/>
+            </a:endParaRPr>
+          </a:p>
+        </p:txBody>
+      </p:sp>
+      <p:pic>
+        <p:nvPicPr>
+          <p:cNvPr id="10242" name="Picture 2" descr="images">
+            <a:extLst>
+              <a:ext uri="{FF2B5EF4-FFF2-40B4-BE49-F238E27FC236}">
+                <a16:creationId xmlns:a16="http://schemas.microsoft.com/office/drawing/2014/main" id="{260ED5C1-B32B-4B28-8269-E90F310325A6}"/>
+              </a:ext>
+            </a:extLst>
+          </p:cNvPr>
+          <p:cNvPicPr>
+            <a:picLocks noChangeAspect="1" noChangeArrowheads="1"/>
+          </p:cNvPicPr>
+          <p:nvPr/>
+        </p:nvPicPr>
+        <p:blipFill>
+          <a:blip r:embed="rId5">
+            <a:extLst>
+              <a:ext uri="{28A0092B-C50C-407E-A947-70E740481C1C}">
+                <a14:useLocalDpi xmlns:a14="http://schemas.microsoft.com/office/drawing/2010/main" val="0"/>
+              </a:ext>
+            </a:extLst>
+          </a:blip>
+          <a:srcRect/>
+          <a:stretch>
+            <a:fillRect/>
+          </a:stretch>
+        </p:blipFill>
+        <p:spPr bwMode="auto">
+          <a:xfrm>
+            <a:off x="3737219" y="2786598"/>
+            <a:ext cx="4873381" cy="3569752"/>
+          </a:xfrm>
+          <a:prstGeom prst="rect">
+            <a:avLst/>
+          </a:prstGeom>
+          <a:noFill/>
+          <a:extLst>
+            <a:ext uri="{909E8E84-426E-40DD-AFC4-6F175D3DCCD1}">
+              <a14:hiddenFill xmlns:a14="http://schemas.microsoft.com/office/drawing/2010/main">
+                <a:solidFill>
+                  <a:srgbClr val="FFFFFF"/>
+                </a:solidFill>
+              </a14:hiddenFill>
+            </a:ext>
+          </a:extLst>
+        </p:spPr>
+      </p:pic>
+      <p:sp>
+        <p:nvSpPr>
+          <p:cNvPr id="3" name="CuadroTexto 2">
+            <a:extLst>
+              <a:ext uri="{FF2B5EF4-FFF2-40B4-BE49-F238E27FC236}">
+                <a16:creationId xmlns:a16="http://schemas.microsoft.com/office/drawing/2014/main" id="{DE22D637-76E9-42AE-A50A-B1A220CC3C9B}"/>
+              </a:ext>
+            </a:extLst>
+          </p:cNvPr>
+          <p:cNvSpPr txBox="1"/>
+          <p:nvPr/>
+        </p:nvSpPr>
+        <p:spPr>
+          <a:xfrm>
+            <a:off x="1099545" y="3786644"/>
+            <a:ext cx="2730807" cy="1569660"/>
+          </a:xfrm>
+          <a:prstGeom prst="rect">
+            <a:avLst/>
+          </a:prstGeom>
+          <a:noFill/>
+        </p:spPr>
+        <p:txBody>
+          <a:bodyPr wrap="square" rtlCol="0">
+            <a:spAutoFit/>
+          </a:bodyPr>
+          <a:lstStyle/>
+          <a:p>
+            <a:r>
+              <a:rPr lang="es-ES" sz="2400" dirty="0" err="1"/>
+              <a:t>Phases</a:t>
+            </a:r>
+            <a:r>
+              <a:rPr lang="es-ES" sz="2400" dirty="0"/>
+              <a:t> in </a:t>
+            </a:r>
+            <a:r>
+              <a:rPr lang="es-ES" sz="2400" dirty="0" err="1"/>
+              <a:t>Spiral</a:t>
+            </a:r>
+            <a:r>
+              <a:rPr lang="es-ES" sz="2400" dirty="0"/>
+              <a:t> </a:t>
+            </a:r>
+            <a:r>
+              <a:rPr lang="es-ES" sz="2400" dirty="0" err="1"/>
+              <a:t>Model</a:t>
+            </a:r>
+            <a:endParaRPr lang="es-ES" dirty="0"/>
+          </a:p>
+          <a:p>
+            <a:pPr lvl="1"/>
+            <a:r>
+              <a:rPr lang="es-ES" dirty="0"/>
+              <a:t>1-. </a:t>
+            </a:r>
+            <a:r>
+              <a:rPr lang="es-ES" dirty="0" err="1"/>
+              <a:t>Planning</a:t>
+            </a:r>
+            <a:r>
+              <a:rPr lang="es-ES" dirty="0"/>
+              <a:t> </a:t>
+            </a:r>
+            <a:r>
+              <a:rPr lang="es-ES" dirty="0" err="1"/>
+              <a:t>Phase</a:t>
+            </a:r>
+            <a:endParaRPr lang="es-ES" dirty="0"/>
+          </a:p>
+          <a:p>
+            <a:pPr lvl="1"/>
+            <a:r>
+              <a:rPr lang="es-ES" dirty="0"/>
+              <a:t>2-. </a:t>
+            </a:r>
+            <a:r>
+              <a:rPr lang="es-ES" dirty="0" err="1"/>
+              <a:t>Risk</a:t>
+            </a:r>
+            <a:r>
+              <a:rPr lang="es-ES" dirty="0"/>
+              <a:t> </a:t>
+            </a:r>
+            <a:r>
+              <a:rPr lang="es-ES" dirty="0" err="1"/>
+              <a:t>analysis</a:t>
+            </a:r>
+            <a:r>
+              <a:rPr lang="es-ES" dirty="0"/>
+              <a:t> </a:t>
+            </a:r>
+            <a:r>
+              <a:rPr lang="es-ES" dirty="0" err="1"/>
+              <a:t>phase</a:t>
+            </a:r>
+            <a:r>
+              <a:rPr lang="es-ES" dirty="0"/>
+              <a:t>.</a:t>
+            </a:r>
+          </a:p>
+          <a:p>
+            <a:pPr lvl="1"/>
+            <a:r>
+              <a:rPr lang="es-ES" dirty="0"/>
+              <a:t>3-. </a:t>
+            </a:r>
+            <a:r>
+              <a:rPr lang="es-ES" dirty="0" err="1"/>
+              <a:t>Engineering</a:t>
+            </a:r>
+            <a:r>
+              <a:rPr lang="es-ES" dirty="0"/>
+              <a:t> </a:t>
+            </a:r>
+            <a:r>
+              <a:rPr lang="es-ES" dirty="0" err="1"/>
+              <a:t>phase</a:t>
+            </a:r>
+            <a:r>
+              <a:rPr lang="es-ES" dirty="0"/>
+              <a:t>.</a:t>
+            </a:r>
+          </a:p>
+          <a:p>
+            <a:pPr lvl="1"/>
+            <a:r>
+              <a:rPr lang="es-MX" dirty="0"/>
+              <a:t>4-. </a:t>
+            </a:r>
+            <a:r>
+              <a:rPr lang="es-MX" dirty="0" err="1"/>
+              <a:t>Evaluation</a:t>
+            </a:r>
+            <a:r>
+              <a:rPr lang="es-MX" dirty="0"/>
+              <a:t> </a:t>
+            </a:r>
+            <a:r>
+              <a:rPr lang="es-MX" dirty="0" err="1"/>
+              <a:t>phase</a:t>
+            </a:r>
+            <a:r>
+              <a:rPr lang="es-MX" dirty="0"/>
+              <a:t>.</a:t>
+            </a:r>
+          </a:p>
+        </p:txBody>
+      </p:sp>
+    </p:spTree>
+    <p:extLst>
+      <p:ext uri="{BB962C8B-B14F-4D97-AF65-F5344CB8AC3E}">
+        <p14:creationId xmlns:p14="http://schemas.microsoft.com/office/powerpoint/2010/main" val="4148465364"/>
+      </p:ext>
+    </p:extLst>
+  </p:cSld>
+  <p:clrMapOvr>
+    <a:masterClrMapping/>
+  </p:clrMapOvr>
+</p:sld>
+</file>
+
+<file path=ppt/slides/slide38.xml><?xml version="1.0" encoding="utf-8"?>
+<p:sld xmlns:a="http://schemas.openxmlformats.org/drawingml/2006/main" xmlns:r="http://schemas.openxmlformats.org/officeDocument/2006/relationships" xmlns:p="http://schemas.openxmlformats.org/presentationml/2006/main">
+  <p:cSld>
+    <p:spTree>
+      <p:nvGrpSpPr>
+        <p:cNvPr id="1" name=""/>
+        <p:cNvGrpSpPr/>
+        <p:nvPr/>
+      </p:nvGrpSpPr>
+      <p:grpSpPr>
+        <a:xfrm>
+          <a:off x="0" y="0"/>
+          <a:ext cx="0" cy="0"/>
+          <a:chOff x="0" y="0"/>
+          <a:chExt cx="0" cy="0"/>
+        </a:xfrm>
+      </p:grpSpPr>
+      <p:sp>
+        <p:nvSpPr>
+          <p:cNvPr id="2" name="Título 1">
+            <a:extLst>
+              <a:ext uri="{FF2B5EF4-FFF2-40B4-BE49-F238E27FC236}">
+                <a16:creationId xmlns:a16="http://schemas.microsoft.com/office/drawing/2014/main" id="{FDD31483-0B96-49D3-A8CB-3FD03F661093}"/>
+              </a:ext>
+            </a:extLst>
+          </p:cNvPr>
+          <p:cNvSpPr>
+            <a:spLocks noGrp="1"/>
+          </p:cNvSpPr>
+          <p:nvPr>
+            <p:ph type="title"/>
+          </p:nvPr>
+        </p:nvSpPr>
+        <p:spPr>
+          <a:xfrm>
+            <a:off x="853440" y="734998"/>
+            <a:ext cx="10515600" cy="1325563"/>
+          </a:xfrm>
+        </p:spPr>
+        <p:txBody>
+          <a:bodyPr>
+            <a:normAutofit/>
+          </a:bodyPr>
+          <a:lstStyle/>
+          <a:p>
+            <a:r>
+              <a:rPr lang="en-CA" sz="5400" dirty="0"/>
+              <a:t>Programming session 1</a:t>
+            </a:r>
+            <a:endParaRPr lang="es-MX" sz="5400" dirty="0"/>
+          </a:p>
+        </p:txBody>
+      </p:sp>
+      <p:sp>
+        <p:nvSpPr>
+          <p:cNvPr id="6" name="Marcador de pie de página 5">
+            <a:extLst>
+              <a:ext uri="{FF2B5EF4-FFF2-40B4-BE49-F238E27FC236}">
+                <a16:creationId xmlns:a16="http://schemas.microsoft.com/office/drawing/2014/main" id="{CCEDAD4E-B8D1-47AC-92A0-CC700C06B788}"/>
+              </a:ext>
+            </a:extLst>
+          </p:cNvPr>
+          <p:cNvSpPr>
+            <a:spLocks noGrp="1"/>
+          </p:cNvSpPr>
+          <p:nvPr>
+            <p:ph type="ftr" sz="quarter" idx="11"/>
+          </p:nvPr>
+        </p:nvSpPr>
+        <p:spPr/>
+        <p:txBody>
+          <a:bodyPr/>
+          <a:lstStyle/>
+          <a:p>
+            <a:pPr rtl="0">
+              <a:spcAft>
+                <a:spcPts val="600"/>
+              </a:spcAft>
+            </a:pPr>
+            <a:r>
+              <a:rPr lang="es-ES" noProof="0" dirty="0" err="1"/>
+              <a:t>Advanced</a:t>
+            </a:r>
+            <a:r>
+              <a:rPr lang="es-ES" noProof="0" dirty="0"/>
+              <a:t> </a:t>
+            </a:r>
+            <a:r>
+              <a:rPr lang="es-ES" noProof="0" dirty="0" err="1"/>
+              <a:t>Programming</a:t>
+            </a:r>
+            <a:endParaRPr lang="es-ES" noProof="0" dirty="0"/>
+          </a:p>
+        </p:txBody>
+      </p:sp>
+      <p:sp>
+        <p:nvSpPr>
+          <p:cNvPr id="7" name="Marcador de número de diapositiva 6">
+            <a:extLst>
+              <a:ext uri="{FF2B5EF4-FFF2-40B4-BE49-F238E27FC236}">
+                <a16:creationId xmlns:a16="http://schemas.microsoft.com/office/drawing/2014/main" id="{55B14F44-F565-4BBD-A079-E1F615D762F1}"/>
+              </a:ext>
+            </a:extLst>
+          </p:cNvPr>
+          <p:cNvSpPr>
+            <a:spLocks noGrp="1"/>
+          </p:cNvSpPr>
+          <p:nvPr>
+            <p:ph type="sldNum" sz="quarter" idx="12"/>
+          </p:nvPr>
+        </p:nvSpPr>
+        <p:spPr/>
+        <p:txBody>
+          <a:bodyPr/>
+          <a:lstStyle/>
+          <a:p>
+            <a:pPr rtl="0"/>
+            <a:fld id="{2C18C1E5-FB55-42F5-BD6D-9CC153FCDBE6}" type="slidenum">
+              <a:rPr lang="es-ES" noProof="0" smtClean="0"/>
+              <a:t>38</a:t>
+            </a:fld>
+            <a:endParaRPr lang="es-ES" noProof="0"/>
+          </a:p>
+        </p:txBody>
+      </p:sp>
+      <p:pic>
+        <p:nvPicPr>
+          <p:cNvPr id="8" name="Marcador de imagen en línea 27" descr="Diseño web con relleno sólido">
+            <a:extLst>
+              <a:ext uri="{FF2B5EF4-FFF2-40B4-BE49-F238E27FC236}">
+                <a16:creationId xmlns:a16="http://schemas.microsoft.com/office/drawing/2014/main" id="{1771A7BA-C2C8-4AB5-8143-9E20EA009BE6}"/>
+              </a:ext>
+            </a:extLst>
+          </p:cNvPr>
+          <p:cNvPicPr>
+            <a:picLocks noChangeAspect="1"/>
+          </p:cNvPicPr>
+          <p:nvPr/>
+        </p:nvPicPr>
+        <p:blipFill>
+          <a:blip r:embed="rId2">
+            <a:extLst>
+              <a:ext uri="{96DAC541-7B7A-43D3-8B79-37D633B846F1}">
+                <asvg:svgBlip xmlns:asvg="http://schemas.microsoft.com/office/drawing/2016/SVG/main" r:embed="rId3"/>
+              </a:ext>
+            </a:extLst>
+          </a:blip>
+          <a:srcRect/>
+          <a:stretch/>
+        </p:blipFill>
+        <p:spPr>
+          <a:xfrm>
+            <a:off x="9982200" y="1047259"/>
+            <a:ext cx="701040" cy="701040"/>
+          </a:xfrm>
+          <a:prstGeom prst="rect">
+            <a:avLst/>
+          </a:prstGeom>
+        </p:spPr>
+      </p:pic>
+      <p:sp>
+        <p:nvSpPr>
+          <p:cNvPr id="10" name="Marcador de pie de página 5">
+            <a:extLst>
+              <a:ext uri="{FF2B5EF4-FFF2-40B4-BE49-F238E27FC236}">
+                <a16:creationId xmlns:a16="http://schemas.microsoft.com/office/drawing/2014/main" id="{C4BC7171-7735-4726-A052-284CD08A27CA}"/>
+              </a:ext>
+            </a:extLst>
+          </p:cNvPr>
+          <p:cNvSpPr txBox="1">
+            <a:spLocks/>
+          </p:cNvSpPr>
+          <p:nvPr/>
+        </p:nvSpPr>
+        <p:spPr>
+          <a:xfrm>
+            <a:off x="-804193" y="6356350"/>
+            <a:ext cx="4114800" cy="365125"/>
+          </a:xfrm>
+          <a:prstGeom prst="rect">
+            <a:avLst/>
+          </a:prstGeom>
+        </p:spPr>
+        <p:txBody>
+          <a:bodyPr vert="horz" lIns="91440" tIns="45720" rIns="91440" bIns="45720" rtlCol="0" anchor="ctr"/>
+          <a:lstStyle>
+            <a:defPPr rtl="0">
+              <a:defRPr lang="es-es"/>
+            </a:defPPr>
+            <a:lvl1pPr marL="0" algn="ctr" defTabSz="914400" rtl="0" eaLnBrk="1" latinLnBrk="0" hangingPunct="1">
+              <a:defRPr sz="1600" kern="1200">
+                <a:solidFill>
+                  <a:schemeClr val="tx1"/>
+                </a:solidFill>
+                <a:latin typeface="+mn-lt"/>
+                <a:ea typeface="+mn-ea"/>
+                <a:cs typeface="+mn-cs"/>
+              </a:defRPr>
+            </a:lvl1pPr>
+            <a:lvl2pPr marL="457200" algn="l" defTabSz="914400" rtl="0" eaLnBrk="1" latinLnBrk="0" hangingPunct="1">
+              <a:defRPr sz="1800" kern="1200">
+                <a:solidFill>
+                  <a:schemeClr val="tx1"/>
+                </a:solidFill>
+                <a:latin typeface="+mn-lt"/>
+                <a:ea typeface="+mn-ea"/>
+                <a:cs typeface="+mn-cs"/>
+              </a:defRPr>
+            </a:lvl2pPr>
+            <a:lvl3pPr marL="914400" algn="l" defTabSz="914400" rtl="0" eaLnBrk="1" latinLnBrk="0" hangingPunct="1">
+              <a:defRPr sz="1800" kern="1200">
+                <a:solidFill>
+                  <a:schemeClr val="tx1"/>
+                </a:solidFill>
+                <a:latin typeface="+mn-lt"/>
+                <a:ea typeface="+mn-ea"/>
+                <a:cs typeface="+mn-cs"/>
+              </a:defRPr>
+            </a:lvl3pPr>
+            <a:lvl4pPr marL="1371600" algn="l" defTabSz="914400" rtl="0" eaLnBrk="1" latinLnBrk="0" hangingPunct="1">
+              <a:defRPr sz="1800" kern="1200">
+                <a:solidFill>
+                  <a:schemeClr val="tx1"/>
+                </a:solidFill>
+                <a:latin typeface="+mn-lt"/>
+                <a:ea typeface="+mn-ea"/>
+                <a:cs typeface="+mn-cs"/>
+              </a:defRPr>
+            </a:lvl4pPr>
+            <a:lvl5pPr marL="1828800" algn="l" defTabSz="914400" rtl="0" eaLnBrk="1" latinLnBrk="0" hangingPunct="1">
+              <a:defRPr sz="1800" kern="1200">
+                <a:solidFill>
+                  <a:schemeClr val="tx1"/>
+                </a:solidFill>
+                <a:latin typeface="+mn-lt"/>
+                <a:ea typeface="+mn-ea"/>
+                <a:cs typeface="+mn-cs"/>
+              </a:defRPr>
+            </a:lvl5pPr>
+            <a:lvl6pPr marL="2286000" algn="l" defTabSz="914400" rtl="0" eaLnBrk="1" latinLnBrk="0" hangingPunct="1">
+              <a:defRPr sz="1800" kern="1200">
+                <a:solidFill>
+                  <a:schemeClr val="tx1"/>
+                </a:solidFill>
+                <a:latin typeface="+mn-lt"/>
+                <a:ea typeface="+mn-ea"/>
+                <a:cs typeface="+mn-cs"/>
+              </a:defRPr>
+            </a:lvl6pPr>
+            <a:lvl7pPr marL="2743200" algn="l" defTabSz="914400" rtl="0" eaLnBrk="1" latinLnBrk="0" hangingPunct="1">
+              <a:defRPr sz="1800" kern="1200">
+                <a:solidFill>
+                  <a:schemeClr val="tx1"/>
+                </a:solidFill>
+                <a:latin typeface="+mn-lt"/>
+                <a:ea typeface="+mn-ea"/>
+                <a:cs typeface="+mn-cs"/>
+              </a:defRPr>
+            </a:lvl7pPr>
+            <a:lvl8pPr marL="3200400" algn="l" defTabSz="914400" rtl="0" eaLnBrk="1" latinLnBrk="0" hangingPunct="1">
+              <a:defRPr sz="1800" kern="1200">
+                <a:solidFill>
+                  <a:schemeClr val="tx1"/>
+                </a:solidFill>
+                <a:latin typeface="+mn-lt"/>
+                <a:ea typeface="+mn-ea"/>
+                <a:cs typeface="+mn-cs"/>
+              </a:defRPr>
+            </a:lvl8pPr>
+            <a:lvl9pPr marL="3657600" algn="l" defTabSz="914400" rtl="0" eaLnBrk="1" latinLnBrk="0" hangingPunct="1">
+              <a:defRPr sz="1800" kern="1200">
+                <a:solidFill>
+                  <a:schemeClr val="tx1"/>
+                </a:solidFill>
+                <a:latin typeface="+mn-lt"/>
+                <a:ea typeface="+mn-ea"/>
+                <a:cs typeface="+mn-cs"/>
+              </a:defRPr>
+            </a:lvl9pPr>
+          </a:lstStyle>
+          <a:p>
+            <a:pPr>
+              <a:spcAft>
+                <a:spcPts val="600"/>
+              </a:spcAft>
+            </a:pPr>
+            <a:r>
+              <a:rPr lang="es-ES" dirty="0"/>
+              <a:t>Luis Gerardo Camara Salinas</a:t>
+            </a:r>
+          </a:p>
+        </p:txBody>
+      </p:sp>
+      <p:pic>
+        <p:nvPicPr>
+          <p:cNvPr id="11" name="image1.jpeg" descr="Un dibujo animado con letras&#10;&#10;Descripción generada automáticamente con confianza media">
+            <a:extLst>
+              <a:ext uri="{FF2B5EF4-FFF2-40B4-BE49-F238E27FC236}">
+                <a16:creationId xmlns:a16="http://schemas.microsoft.com/office/drawing/2014/main" id="{1A6CEF60-99D9-4B9D-9C7F-ADDBE771ECC7}"/>
+              </a:ext>
+            </a:extLst>
+          </p:cNvPr>
+          <p:cNvPicPr/>
+          <p:nvPr/>
+        </p:nvPicPr>
+        <p:blipFill>
+          <a:blip r:embed="rId4" cstate="print">
+            <a:extLst>
+              <a:ext uri="{28A0092B-C50C-407E-A947-70E740481C1C}">
+                <a14:useLocalDpi xmlns:a14="http://schemas.microsoft.com/office/drawing/2010/main" val="0"/>
+              </a:ext>
+            </a:extLst>
+          </a:blip>
+          <a:stretch>
+            <a:fillRect/>
+          </a:stretch>
+        </p:blipFill>
+        <p:spPr>
+          <a:xfrm>
+            <a:off x="173080" y="365125"/>
+            <a:ext cx="1852930" cy="701040"/>
+          </a:xfrm>
+          <a:prstGeom prst="rect">
+            <a:avLst/>
+          </a:prstGeom>
+        </p:spPr>
+      </p:pic>
+      <p:sp>
+        <p:nvSpPr>
+          <p:cNvPr id="12" name="CuadroTexto 11">
+            <a:extLst>
+              <a:ext uri="{FF2B5EF4-FFF2-40B4-BE49-F238E27FC236}">
+                <a16:creationId xmlns:a16="http://schemas.microsoft.com/office/drawing/2014/main" id="{3C575B82-57D0-4FCE-B23C-ECA7FC85D576}"/>
+              </a:ext>
+            </a:extLst>
+          </p:cNvPr>
+          <p:cNvSpPr txBox="1"/>
+          <p:nvPr/>
+        </p:nvSpPr>
+        <p:spPr>
+          <a:xfrm>
+            <a:off x="713147" y="2105561"/>
+            <a:ext cx="10640653" cy="707886"/>
+          </a:xfrm>
+          <a:prstGeom prst="rect">
+            <a:avLst/>
+          </a:prstGeom>
+          <a:noFill/>
+        </p:spPr>
+        <p:txBody>
+          <a:bodyPr wrap="square" rtlCol="0">
+            <a:spAutoFit/>
+          </a:bodyPr>
+          <a:lstStyle/>
+          <a:p>
+            <a:r>
+              <a:rPr lang="es-ES" sz="4000" dirty="0">
+                <a:latin typeface="The Hand Black (Cuerpo)"/>
+              </a:rPr>
+              <a:t>Variables</a:t>
+            </a:r>
+            <a:endParaRPr lang="es-MX" sz="4000" dirty="0">
+              <a:latin typeface="The Hand Black (Cuerpo)"/>
+            </a:endParaRPr>
+          </a:p>
+        </p:txBody>
+      </p:sp>
+      <p:sp>
+        <p:nvSpPr>
+          <p:cNvPr id="9" name="CuadroTexto 8">
+            <a:extLst>
+              <a:ext uri="{FF2B5EF4-FFF2-40B4-BE49-F238E27FC236}">
+                <a16:creationId xmlns:a16="http://schemas.microsoft.com/office/drawing/2014/main" id="{6A5BF80C-FEF9-46CF-98B3-E2646C27DA0F}"/>
+              </a:ext>
+            </a:extLst>
+          </p:cNvPr>
+          <p:cNvSpPr txBox="1"/>
+          <p:nvPr/>
+        </p:nvSpPr>
+        <p:spPr>
+          <a:xfrm>
+            <a:off x="713147" y="2951946"/>
+            <a:ext cx="10268199" cy="1569660"/>
+          </a:xfrm>
+          <a:prstGeom prst="rect">
+            <a:avLst/>
+          </a:prstGeom>
+          <a:noFill/>
+        </p:spPr>
+        <p:txBody>
+          <a:bodyPr wrap="square" rtlCol="0">
+            <a:spAutoFit/>
+          </a:bodyPr>
+          <a:lstStyle/>
+          <a:p>
+            <a:pPr marL="571500" indent="-571500">
+              <a:buFont typeface="Arial" panose="020B0604020202020204" pitchFamily="34" charset="0"/>
+              <a:buChar char="•"/>
+            </a:pPr>
+            <a:r>
+              <a:rPr lang="en-US" sz="2400" dirty="0">
+                <a:latin typeface="The Hand Black (Cuerpo)"/>
+              </a:rPr>
+              <a:t>Variables are used to store data in JavaScript, such as numbers and text values. The name of a variable is called an identifier, and it must conform to certain naming rules. A variable can be declared using the var, let or const keyword.</a:t>
+            </a:r>
+          </a:p>
+          <a:p>
+            <a:pPr marL="571500" indent="-571500">
+              <a:buFont typeface="Arial" panose="020B0604020202020204" pitchFamily="34" charset="0"/>
+              <a:buChar char="•"/>
+            </a:pPr>
+            <a:r>
+              <a:rPr lang="en-US" sz="2400" dirty="0">
+                <a:latin typeface="The Hand Black (Cuerpo)"/>
+              </a:rPr>
+              <a:t>Global variables exist outside any function while local variables are defined inside a particular function.</a:t>
+            </a:r>
+          </a:p>
+          <a:p>
+            <a:pPr marL="571500" indent="-571500">
+              <a:buFont typeface="Arial" panose="020B0604020202020204" pitchFamily="34" charset="0"/>
+              <a:buChar char="•"/>
+            </a:pPr>
+            <a:r>
+              <a:rPr lang="en-US" sz="2400" dirty="0">
+                <a:latin typeface="The Hand Black (Cuerpo)"/>
+              </a:rPr>
+              <a:t>Variable hoisting allows accessing a variable before it is declared in code, but a hoisted variable returns the value of undefined.</a:t>
+            </a:r>
+          </a:p>
+        </p:txBody>
+      </p:sp>
+    </p:spTree>
+    <p:extLst>
+      <p:ext uri="{BB962C8B-B14F-4D97-AF65-F5344CB8AC3E}">
+        <p14:creationId xmlns:p14="http://schemas.microsoft.com/office/powerpoint/2010/main" val="1981697324"/>
+      </p:ext>
+    </p:extLst>
+  </p:cSld>
+  <p:clrMapOvr>
+    <a:masterClrMapping/>
+  </p:clrMapOvr>
+</p:sld>
+</file>
+
+<file path=ppt/slides/slide39.xml><?xml version="1.0" encoding="utf-8"?>
+<p:sld xmlns:a="http://schemas.openxmlformats.org/drawingml/2006/main" xmlns:r="http://schemas.openxmlformats.org/officeDocument/2006/relationships" xmlns:p="http://schemas.openxmlformats.org/presentationml/2006/main">
+  <p:cSld>
+    <p:spTree>
+      <p:nvGrpSpPr>
+        <p:cNvPr id="1" name=""/>
+        <p:cNvGrpSpPr/>
+        <p:nvPr/>
+      </p:nvGrpSpPr>
+      <p:grpSpPr>
+        <a:xfrm>
+          <a:off x="0" y="0"/>
+          <a:ext cx="0" cy="0"/>
+          <a:chOff x="0" y="0"/>
+          <a:chExt cx="0" cy="0"/>
+        </a:xfrm>
+      </p:grpSpPr>
+      <p:sp>
+        <p:nvSpPr>
+          <p:cNvPr id="2" name="Título 1">
+            <a:extLst>
+              <a:ext uri="{FF2B5EF4-FFF2-40B4-BE49-F238E27FC236}">
+                <a16:creationId xmlns:a16="http://schemas.microsoft.com/office/drawing/2014/main" id="{FDD31483-0B96-49D3-A8CB-3FD03F661093}"/>
+              </a:ext>
+            </a:extLst>
+          </p:cNvPr>
+          <p:cNvSpPr>
+            <a:spLocks noGrp="1"/>
+          </p:cNvSpPr>
+          <p:nvPr>
+            <p:ph type="title"/>
+          </p:nvPr>
+        </p:nvSpPr>
+        <p:spPr>
+          <a:xfrm>
+            <a:off x="853440" y="734998"/>
+            <a:ext cx="10515600" cy="1325563"/>
+          </a:xfrm>
+        </p:spPr>
+        <p:txBody>
+          <a:bodyPr>
+            <a:normAutofit/>
+          </a:bodyPr>
+          <a:lstStyle/>
+          <a:p>
+            <a:r>
+              <a:rPr lang="en-CA" sz="5400" dirty="0"/>
+              <a:t>Programming session 1</a:t>
+            </a:r>
+            <a:endParaRPr lang="es-MX" sz="5400" dirty="0"/>
+          </a:p>
+        </p:txBody>
+      </p:sp>
+      <p:sp>
+        <p:nvSpPr>
+          <p:cNvPr id="6" name="Marcador de pie de página 5">
+            <a:extLst>
+              <a:ext uri="{FF2B5EF4-FFF2-40B4-BE49-F238E27FC236}">
+                <a16:creationId xmlns:a16="http://schemas.microsoft.com/office/drawing/2014/main" id="{CCEDAD4E-B8D1-47AC-92A0-CC700C06B788}"/>
+              </a:ext>
+            </a:extLst>
+          </p:cNvPr>
+          <p:cNvSpPr>
+            <a:spLocks noGrp="1"/>
+          </p:cNvSpPr>
+          <p:nvPr>
+            <p:ph type="ftr" sz="quarter" idx="11"/>
+          </p:nvPr>
+        </p:nvSpPr>
+        <p:spPr/>
+        <p:txBody>
+          <a:bodyPr/>
+          <a:lstStyle/>
+          <a:p>
+            <a:pPr rtl="0">
+              <a:spcAft>
+                <a:spcPts val="600"/>
+              </a:spcAft>
+            </a:pPr>
+            <a:r>
+              <a:rPr lang="es-ES" noProof="0" dirty="0" err="1"/>
+              <a:t>Advanced</a:t>
+            </a:r>
+            <a:r>
+              <a:rPr lang="es-ES" noProof="0" dirty="0"/>
+              <a:t> </a:t>
+            </a:r>
+            <a:r>
+              <a:rPr lang="es-ES" noProof="0" dirty="0" err="1"/>
+              <a:t>Programming</a:t>
+            </a:r>
+            <a:endParaRPr lang="es-ES" noProof="0" dirty="0"/>
+          </a:p>
+        </p:txBody>
+      </p:sp>
+      <p:sp>
+        <p:nvSpPr>
+          <p:cNvPr id="7" name="Marcador de número de diapositiva 6">
+            <a:extLst>
+              <a:ext uri="{FF2B5EF4-FFF2-40B4-BE49-F238E27FC236}">
+                <a16:creationId xmlns:a16="http://schemas.microsoft.com/office/drawing/2014/main" id="{55B14F44-F565-4BBD-A079-E1F615D762F1}"/>
+              </a:ext>
+            </a:extLst>
+          </p:cNvPr>
+          <p:cNvSpPr>
+            <a:spLocks noGrp="1"/>
+          </p:cNvSpPr>
+          <p:nvPr>
+            <p:ph type="sldNum" sz="quarter" idx="12"/>
+          </p:nvPr>
+        </p:nvSpPr>
+        <p:spPr/>
+        <p:txBody>
+          <a:bodyPr/>
+          <a:lstStyle/>
+          <a:p>
+            <a:pPr rtl="0"/>
+            <a:fld id="{2C18C1E5-FB55-42F5-BD6D-9CC153FCDBE6}" type="slidenum">
+              <a:rPr lang="es-ES" noProof="0" smtClean="0"/>
+              <a:t>39</a:t>
+            </a:fld>
+            <a:endParaRPr lang="es-ES" noProof="0"/>
+          </a:p>
+        </p:txBody>
+      </p:sp>
+      <p:pic>
+        <p:nvPicPr>
+          <p:cNvPr id="8" name="Marcador de imagen en línea 27" descr="Diseño web con relleno sólido">
+            <a:extLst>
+              <a:ext uri="{FF2B5EF4-FFF2-40B4-BE49-F238E27FC236}">
+                <a16:creationId xmlns:a16="http://schemas.microsoft.com/office/drawing/2014/main" id="{1771A7BA-C2C8-4AB5-8143-9E20EA009BE6}"/>
+              </a:ext>
+            </a:extLst>
+          </p:cNvPr>
+          <p:cNvPicPr>
+            <a:picLocks noChangeAspect="1"/>
+          </p:cNvPicPr>
+          <p:nvPr/>
+        </p:nvPicPr>
+        <p:blipFill>
+          <a:blip r:embed="rId2">
+            <a:extLst>
+              <a:ext uri="{96DAC541-7B7A-43D3-8B79-37D633B846F1}">
+                <asvg:svgBlip xmlns:asvg="http://schemas.microsoft.com/office/drawing/2016/SVG/main" r:embed="rId3"/>
+              </a:ext>
+            </a:extLst>
+          </a:blip>
+          <a:srcRect/>
+          <a:stretch/>
+        </p:blipFill>
+        <p:spPr>
+          <a:xfrm>
+            <a:off x="9982200" y="1047259"/>
+            <a:ext cx="701040" cy="701040"/>
+          </a:xfrm>
+          <a:prstGeom prst="rect">
+            <a:avLst/>
+          </a:prstGeom>
+        </p:spPr>
+      </p:pic>
+      <p:sp>
+        <p:nvSpPr>
+          <p:cNvPr id="10" name="Marcador de pie de página 5">
+            <a:extLst>
+              <a:ext uri="{FF2B5EF4-FFF2-40B4-BE49-F238E27FC236}">
+                <a16:creationId xmlns:a16="http://schemas.microsoft.com/office/drawing/2014/main" id="{C4BC7171-7735-4726-A052-284CD08A27CA}"/>
+              </a:ext>
+            </a:extLst>
+          </p:cNvPr>
+          <p:cNvSpPr txBox="1">
+            <a:spLocks/>
+          </p:cNvSpPr>
+          <p:nvPr/>
+        </p:nvSpPr>
+        <p:spPr>
+          <a:xfrm>
+            <a:off x="-804193" y="6356350"/>
+            <a:ext cx="4114800" cy="365125"/>
+          </a:xfrm>
+          <a:prstGeom prst="rect">
+            <a:avLst/>
+          </a:prstGeom>
+        </p:spPr>
+        <p:txBody>
+          <a:bodyPr vert="horz" lIns="91440" tIns="45720" rIns="91440" bIns="45720" rtlCol="0" anchor="ctr"/>
+          <a:lstStyle>
+            <a:defPPr rtl="0">
+              <a:defRPr lang="es-es"/>
+            </a:defPPr>
+            <a:lvl1pPr marL="0" algn="ctr" defTabSz="914400" rtl="0" eaLnBrk="1" latinLnBrk="0" hangingPunct="1">
+              <a:defRPr sz="1600" kern="1200">
+                <a:solidFill>
+                  <a:schemeClr val="tx1"/>
+                </a:solidFill>
+                <a:latin typeface="+mn-lt"/>
+                <a:ea typeface="+mn-ea"/>
+                <a:cs typeface="+mn-cs"/>
+              </a:defRPr>
+            </a:lvl1pPr>
+            <a:lvl2pPr marL="457200" algn="l" defTabSz="914400" rtl="0" eaLnBrk="1" latinLnBrk="0" hangingPunct="1">
+              <a:defRPr sz="1800" kern="1200">
+                <a:solidFill>
+                  <a:schemeClr val="tx1"/>
+                </a:solidFill>
+                <a:latin typeface="+mn-lt"/>
+                <a:ea typeface="+mn-ea"/>
+                <a:cs typeface="+mn-cs"/>
+              </a:defRPr>
+            </a:lvl2pPr>
+            <a:lvl3pPr marL="914400" algn="l" defTabSz="914400" rtl="0" eaLnBrk="1" latinLnBrk="0" hangingPunct="1">
+              <a:defRPr sz="1800" kern="1200">
+                <a:solidFill>
+                  <a:schemeClr val="tx1"/>
+                </a:solidFill>
+                <a:latin typeface="+mn-lt"/>
+                <a:ea typeface="+mn-ea"/>
+                <a:cs typeface="+mn-cs"/>
+              </a:defRPr>
+            </a:lvl3pPr>
+            <a:lvl4pPr marL="1371600" algn="l" defTabSz="914400" rtl="0" eaLnBrk="1" latinLnBrk="0" hangingPunct="1">
+              <a:defRPr sz="1800" kern="1200">
+                <a:solidFill>
+                  <a:schemeClr val="tx1"/>
+                </a:solidFill>
+                <a:latin typeface="+mn-lt"/>
+                <a:ea typeface="+mn-ea"/>
+                <a:cs typeface="+mn-cs"/>
+              </a:defRPr>
+            </a:lvl4pPr>
+            <a:lvl5pPr marL="1828800" algn="l" defTabSz="914400" rtl="0" eaLnBrk="1" latinLnBrk="0" hangingPunct="1">
+              <a:defRPr sz="1800" kern="1200">
+                <a:solidFill>
+                  <a:schemeClr val="tx1"/>
+                </a:solidFill>
+                <a:latin typeface="+mn-lt"/>
+                <a:ea typeface="+mn-ea"/>
+                <a:cs typeface="+mn-cs"/>
+              </a:defRPr>
+            </a:lvl5pPr>
+            <a:lvl6pPr marL="2286000" algn="l" defTabSz="914400" rtl="0" eaLnBrk="1" latinLnBrk="0" hangingPunct="1">
+              <a:defRPr sz="1800" kern="1200">
+                <a:solidFill>
+                  <a:schemeClr val="tx1"/>
+                </a:solidFill>
+                <a:latin typeface="+mn-lt"/>
+                <a:ea typeface="+mn-ea"/>
+                <a:cs typeface="+mn-cs"/>
+              </a:defRPr>
+            </a:lvl6pPr>
+            <a:lvl7pPr marL="2743200" algn="l" defTabSz="914400" rtl="0" eaLnBrk="1" latinLnBrk="0" hangingPunct="1">
+              <a:defRPr sz="1800" kern="1200">
+                <a:solidFill>
+                  <a:schemeClr val="tx1"/>
+                </a:solidFill>
+                <a:latin typeface="+mn-lt"/>
+                <a:ea typeface="+mn-ea"/>
+                <a:cs typeface="+mn-cs"/>
+              </a:defRPr>
+            </a:lvl7pPr>
+            <a:lvl8pPr marL="3200400" algn="l" defTabSz="914400" rtl="0" eaLnBrk="1" latinLnBrk="0" hangingPunct="1">
+              <a:defRPr sz="1800" kern="1200">
+                <a:solidFill>
+                  <a:schemeClr val="tx1"/>
+                </a:solidFill>
+                <a:latin typeface="+mn-lt"/>
+                <a:ea typeface="+mn-ea"/>
+                <a:cs typeface="+mn-cs"/>
+              </a:defRPr>
+            </a:lvl8pPr>
+            <a:lvl9pPr marL="3657600" algn="l" defTabSz="914400" rtl="0" eaLnBrk="1" latinLnBrk="0" hangingPunct="1">
+              <a:defRPr sz="1800" kern="1200">
+                <a:solidFill>
+                  <a:schemeClr val="tx1"/>
+                </a:solidFill>
+                <a:latin typeface="+mn-lt"/>
+                <a:ea typeface="+mn-ea"/>
+                <a:cs typeface="+mn-cs"/>
+              </a:defRPr>
+            </a:lvl9pPr>
+          </a:lstStyle>
+          <a:p>
+            <a:pPr>
+              <a:spcAft>
+                <a:spcPts val="600"/>
+              </a:spcAft>
+            </a:pPr>
+            <a:r>
+              <a:rPr lang="es-ES" dirty="0"/>
+              <a:t>Luis Gerardo Camara Salinas</a:t>
+            </a:r>
+          </a:p>
+        </p:txBody>
+      </p:sp>
+      <p:pic>
+        <p:nvPicPr>
+          <p:cNvPr id="11" name="image1.jpeg" descr="Un dibujo animado con letras&#10;&#10;Descripción generada automáticamente con confianza media">
+            <a:extLst>
+              <a:ext uri="{FF2B5EF4-FFF2-40B4-BE49-F238E27FC236}">
+                <a16:creationId xmlns:a16="http://schemas.microsoft.com/office/drawing/2014/main" id="{1A6CEF60-99D9-4B9D-9C7F-ADDBE771ECC7}"/>
+              </a:ext>
+            </a:extLst>
+          </p:cNvPr>
+          <p:cNvPicPr/>
+          <p:nvPr/>
+        </p:nvPicPr>
+        <p:blipFill>
+          <a:blip r:embed="rId4" cstate="print">
+            <a:extLst>
+              <a:ext uri="{28A0092B-C50C-407E-A947-70E740481C1C}">
+                <a14:useLocalDpi xmlns:a14="http://schemas.microsoft.com/office/drawing/2010/main" val="0"/>
+              </a:ext>
+            </a:extLst>
+          </a:blip>
+          <a:stretch>
+            <a:fillRect/>
+          </a:stretch>
+        </p:blipFill>
+        <p:spPr>
+          <a:xfrm>
+            <a:off x="173080" y="365125"/>
+            <a:ext cx="1852930" cy="701040"/>
+          </a:xfrm>
+          <a:prstGeom prst="rect">
+            <a:avLst/>
+          </a:prstGeom>
+        </p:spPr>
+      </p:pic>
+      <p:sp>
+        <p:nvSpPr>
+          <p:cNvPr id="12" name="CuadroTexto 11">
+            <a:extLst>
+              <a:ext uri="{FF2B5EF4-FFF2-40B4-BE49-F238E27FC236}">
+                <a16:creationId xmlns:a16="http://schemas.microsoft.com/office/drawing/2014/main" id="{3C575B82-57D0-4FCE-B23C-ECA7FC85D576}"/>
+              </a:ext>
+            </a:extLst>
+          </p:cNvPr>
+          <p:cNvSpPr txBox="1"/>
+          <p:nvPr/>
+        </p:nvSpPr>
+        <p:spPr>
+          <a:xfrm>
+            <a:off x="713147" y="2105561"/>
+            <a:ext cx="10640653" cy="707886"/>
+          </a:xfrm>
+          <a:prstGeom prst="rect">
+            <a:avLst/>
+          </a:prstGeom>
+          <a:noFill/>
+        </p:spPr>
+        <p:txBody>
+          <a:bodyPr wrap="square" rtlCol="0">
+            <a:spAutoFit/>
+          </a:bodyPr>
+          <a:lstStyle/>
+          <a:p>
+            <a:r>
+              <a:rPr lang="es-ES" sz="4000" dirty="0">
+                <a:latin typeface="The Hand Black (Cuerpo)"/>
+              </a:rPr>
+              <a:t>Variables</a:t>
+            </a:r>
+            <a:endParaRPr lang="es-MX" sz="4000" dirty="0">
+              <a:latin typeface="The Hand Black (Cuerpo)"/>
+            </a:endParaRPr>
+          </a:p>
+        </p:txBody>
+      </p:sp>
+      <p:pic>
+        <p:nvPicPr>
+          <p:cNvPr id="4" name="Imagen 3" descr="Texto&#10;&#10;Descripción generada automáticamente con confianza baja">
+            <a:extLst>
+              <a:ext uri="{FF2B5EF4-FFF2-40B4-BE49-F238E27FC236}">
+                <a16:creationId xmlns:a16="http://schemas.microsoft.com/office/drawing/2014/main" id="{9668052C-56B9-4D06-9A09-2D97FD3AD937}"/>
+              </a:ext>
+            </a:extLst>
+          </p:cNvPr>
+          <p:cNvPicPr>
+            <a:picLocks noChangeAspect="1"/>
+          </p:cNvPicPr>
+          <p:nvPr/>
+        </p:nvPicPr>
+        <p:blipFill>
+          <a:blip r:embed="rId5"/>
+          <a:stretch>
+            <a:fillRect/>
+          </a:stretch>
+        </p:blipFill>
+        <p:spPr>
+          <a:xfrm>
+            <a:off x="2373595" y="3106604"/>
+            <a:ext cx="7676260" cy="2704137"/>
+          </a:xfrm>
+          <a:prstGeom prst="rect">
+            <a:avLst/>
+          </a:prstGeom>
+        </p:spPr>
+      </p:pic>
+    </p:spTree>
+    <p:extLst>
+      <p:ext uri="{BB962C8B-B14F-4D97-AF65-F5344CB8AC3E}">
+        <p14:creationId xmlns:p14="http://schemas.microsoft.com/office/powerpoint/2010/main" val="516868997"/>
+      </p:ext>
+    </p:extLst>
+  </p:cSld>
+  <p:clrMapOvr>
+    <a:masterClrMapping/>
+  </p:clrMapOvr>
+</p:sld>
+</file>
+
 <file path=ppt/slides/slide4.xml><?xml version="1.0" encoding="utf-8"?>
 <p:sld xmlns:a="http://schemas.openxmlformats.org/drawingml/2006/main" xmlns:r="http://schemas.openxmlformats.org/officeDocument/2006/relationships" xmlns:p="http://schemas.openxmlformats.org/presentationml/2006/main">
   <p:cSld>
@@ -29696,6 +35052,1910 @@
     <p:extLst>
       <p:ext uri="{BB962C8B-B14F-4D97-AF65-F5344CB8AC3E}">
         <p14:creationId xmlns:p14="http://schemas.microsoft.com/office/powerpoint/2010/main" val="3863692635"/>
+      </p:ext>
+    </p:extLst>
+  </p:cSld>
+  <p:clrMapOvr>
+    <a:masterClrMapping/>
+  </p:clrMapOvr>
+</p:sld>
+</file>
+
+<file path=ppt/slides/slide40.xml><?xml version="1.0" encoding="utf-8"?>
+<p:sld xmlns:a="http://schemas.openxmlformats.org/drawingml/2006/main" xmlns:r="http://schemas.openxmlformats.org/officeDocument/2006/relationships" xmlns:p="http://schemas.openxmlformats.org/presentationml/2006/main">
+  <p:cSld>
+    <p:spTree>
+      <p:nvGrpSpPr>
+        <p:cNvPr id="1" name=""/>
+        <p:cNvGrpSpPr/>
+        <p:nvPr/>
+      </p:nvGrpSpPr>
+      <p:grpSpPr>
+        <a:xfrm>
+          <a:off x="0" y="0"/>
+          <a:ext cx="0" cy="0"/>
+          <a:chOff x="0" y="0"/>
+          <a:chExt cx="0" cy="0"/>
+        </a:xfrm>
+      </p:grpSpPr>
+      <p:sp>
+        <p:nvSpPr>
+          <p:cNvPr id="2" name="Título 1">
+            <a:extLst>
+              <a:ext uri="{FF2B5EF4-FFF2-40B4-BE49-F238E27FC236}">
+                <a16:creationId xmlns:a16="http://schemas.microsoft.com/office/drawing/2014/main" id="{FDD31483-0B96-49D3-A8CB-3FD03F661093}"/>
+              </a:ext>
+            </a:extLst>
+          </p:cNvPr>
+          <p:cNvSpPr>
+            <a:spLocks noGrp="1"/>
+          </p:cNvSpPr>
+          <p:nvPr>
+            <p:ph type="title"/>
+          </p:nvPr>
+        </p:nvSpPr>
+        <p:spPr>
+          <a:xfrm>
+            <a:off x="853440" y="734998"/>
+            <a:ext cx="10515600" cy="1325563"/>
+          </a:xfrm>
+        </p:spPr>
+        <p:txBody>
+          <a:bodyPr>
+            <a:normAutofit/>
+          </a:bodyPr>
+          <a:lstStyle/>
+          <a:p>
+            <a:r>
+              <a:rPr lang="en-CA" sz="5400" dirty="0"/>
+              <a:t>Programming session 1</a:t>
+            </a:r>
+            <a:endParaRPr lang="es-MX" sz="5400" dirty="0"/>
+          </a:p>
+        </p:txBody>
+      </p:sp>
+      <p:sp>
+        <p:nvSpPr>
+          <p:cNvPr id="6" name="Marcador de pie de página 5">
+            <a:extLst>
+              <a:ext uri="{FF2B5EF4-FFF2-40B4-BE49-F238E27FC236}">
+                <a16:creationId xmlns:a16="http://schemas.microsoft.com/office/drawing/2014/main" id="{CCEDAD4E-B8D1-47AC-92A0-CC700C06B788}"/>
+              </a:ext>
+            </a:extLst>
+          </p:cNvPr>
+          <p:cNvSpPr>
+            <a:spLocks noGrp="1"/>
+          </p:cNvSpPr>
+          <p:nvPr>
+            <p:ph type="ftr" sz="quarter" idx="11"/>
+          </p:nvPr>
+        </p:nvSpPr>
+        <p:spPr/>
+        <p:txBody>
+          <a:bodyPr/>
+          <a:lstStyle/>
+          <a:p>
+            <a:pPr rtl="0">
+              <a:spcAft>
+                <a:spcPts val="600"/>
+              </a:spcAft>
+            </a:pPr>
+            <a:r>
+              <a:rPr lang="es-ES" noProof="0" dirty="0" err="1"/>
+              <a:t>Advanced</a:t>
+            </a:r>
+            <a:r>
+              <a:rPr lang="es-ES" noProof="0" dirty="0"/>
+              <a:t> </a:t>
+            </a:r>
+            <a:r>
+              <a:rPr lang="es-ES" noProof="0" dirty="0" err="1"/>
+              <a:t>Programming</a:t>
+            </a:r>
+            <a:endParaRPr lang="es-ES" noProof="0" dirty="0"/>
+          </a:p>
+        </p:txBody>
+      </p:sp>
+      <p:sp>
+        <p:nvSpPr>
+          <p:cNvPr id="7" name="Marcador de número de diapositiva 6">
+            <a:extLst>
+              <a:ext uri="{FF2B5EF4-FFF2-40B4-BE49-F238E27FC236}">
+                <a16:creationId xmlns:a16="http://schemas.microsoft.com/office/drawing/2014/main" id="{55B14F44-F565-4BBD-A079-E1F615D762F1}"/>
+              </a:ext>
+            </a:extLst>
+          </p:cNvPr>
+          <p:cNvSpPr>
+            <a:spLocks noGrp="1"/>
+          </p:cNvSpPr>
+          <p:nvPr>
+            <p:ph type="sldNum" sz="quarter" idx="12"/>
+          </p:nvPr>
+        </p:nvSpPr>
+        <p:spPr/>
+        <p:txBody>
+          <a:bodyPr/>
+          <a:lstStyle/>
+          <a:p>
+            <a:pPr rtl="0"/>
+            <a:fld id="{2C18C1E5-FB55-42F5-BD6D-9CC153FCDBE6}" type="slidenum">
+              <a:rPr lang="es-ES" noProof="0" smtClean="0"/>
+              <a:t>40</a:t>
+            </a:fld>
+            <a:endParaRPr lang="es-ES" noProof="0"/>
+          </a:p>
+        </p:txBody>
+      </p:sp>
+      <p:pic>
+        <p:nvPicPr>
+          <p:cNvPr id="8" name="Marcador de imagen en línea 27" descr="Diseño web con relleno sólido">
+            <a:extLst>
+              <a:ext uri="{FF2B5EF4-FFF2-40B4-BE49-F238E27FC236}">
+                <a16:creationId xmlns:a16="http://schemas.microsoft.com/office/drawing/2014/main" id="{1771A7BA-C2C8-4AB5-8143-9E20EA009BE6}"/>
+              </a:ext>
+            </a:extLst>
+          </p:cNvPr>
+          <p:cNvPicPr>
+            <a:picLocks noChangeAspect="1"/>
+          </p:cNvPicPr>
+          <p:nvPr/>
+        </p:nvPicPr>
+        <p:blipFill>
+          <a:blip r:embed="rId2">
+            <a:extLst>
+              <a:ext uri="{96DAC541-7B7A-43D3-8B79-37D633B846F1}">
+                <asvg:svgBlip xmlns:asvg="http://schemas.microsoft.com/office/drawing/2016/SVG/main" r:embed="rId3"/>
+              </a:ext>
+            </a:extLst>
+          </a:blip>
+          <a:srcRect/>
+          <a:stretch/>
+        </p:blipFill>
+        <p:spPr>
+          <a:xfrm>
+            <a:off x="9982200" y="1047259"/>
+            <a:ext cx="701040" cy="701040"/>
+          </a:xfrm>
+          <a:prstGeom prst="rect">
+            <a:avLst/>
+          </a:prstGeom>
+        </p:spPr>
+      </p:pic>
+      <p:sp>
+        <p:nvSpPr>
+          <p:cNvPr id="10" name="Marcador de pie de página 5">
+            <a:extLst>
+              <a:ext uri="{FF2B5EF4-FFF2-40B4-BE49-F238E27FC236}">
+                <a16:creationId xmlns:a16="http://schemas.microsoft.com/office/drawing/2014/main" id="{C4BC7171-7735-4726-A052-284CD08A27CA}"/>
+              </a:ext>
+            </a:extLst>
+          </p:cNvPr>
+          <p:cNvSpPr txBox="1">
+            <a:spLocks/>
+          </p:cNvSpPr>
+          <p:nvPr/>
+        </p:nvSpPr>
+        <p:spPr>
+          <a:xfrm>
+            <a:off x="-804193" y="6356350"/>
+            <a:ext cx="4114800" cy="365125"/>
+          </a:xfrm>
+          <a:prstGeom prst="rect">
+            <a:avLst/>
+          </a:prstGeom>
+        </p:spPr>
+        <p:txBody>
+          <a:bodyPr vert="horz" lIns="91440" tIns="45720" rIns="91440" bIns="45720" rtlCol="0" anchor="ctr"/>
+          <a:lstStyle>
+            <a:defPPr rtl="0">
+              <a:defRPr lang="es-es"/>
+            </a:defPPr>
+            <a:lvl1pPr marL="0" algn="ctr" defTabSz="914400" rtl="0" eaLnBrk="1" latinLnBrk="0" hangingPunct="1">
+              <a:defRPr sz="1600" kern="1200">
+                <a:solidFill>
+                  <a:schemeClr val="tx1"/>
+                </a:solidFill>
+                <a:latin typeface="+mn-lt"/>
+                <a:ea typeface="+mn-ea"/>
+                <a:cs typeface="+mn-cs"/>
+              </a:defRPr>
+            </a:lvl1pPr>
+            <a:lvl2pPr marL="457200" algn="l" defTabSz="914400" rtl="0" eaLnBrk="1" latinLnBrk="0" hangingPunct="1">
+              <a:defRPr sz="1800" kern="1200">
+                <a:solidFill>
+                  <a:schemeClr val="tx1"/>
+                </a:solidFill>
+                <a:latin typeface="+mn-lt"/>
+                <a:ea typeface="+mn-ea"/>
+                <a:cs typeface="+mn-cs"/>
+              </a:defRPr>
+            </a:lvl2pPr>
+            <a:lvl3pPr marL="914400" algn="l" defTabSz="914400" rtl="0" eaLnBrk="1" latinLnBrk="0" hangingPunct="1">
+              <a:defRPr sz="1800" kern="1200">
+                <a:solidFill>
+                  <a:schemeClr val="tx1"/>
+                </a:solidFill>
+                <a:latin typeface="+mn-lt"/>
+                <a:ea typeface="+mn-ea"/>
+                <a:cs typeface="+mn-cs"/>
+              </a:defRPr>
+            </a:lvl3pPr>
+            <a:lvl4pPr marL="1371600" algn="l" defTabSz="914400" rtl="0" eaLnBrk="1" latinLnBrk="0" hangingPunct="1">
+              <a:defRPr sz="1800" kern="1200">
+                <a:solidFill>
+                  <a:schemeClr val="tx1"/>
+                </a:solidFill>
+                <a:latin typeface="+mn-lt"/>
+                <a:ea typeface="+mn-ea"/>
+                <a:cs typeface="+mn-cs"/>
+              </a:defRPr>
+            </a:lvl4pPr>
+            <a:lvl5pPr marL="1828800" algn="l" defTabSz="914400" rtl="0" eaLnBrk="1" latinLnBrk="0" hangingPunct="1">
+              <a:defRPr sz="1800" kern="1200">
+                <a:solidFill>
+                  <a:schemeClr val="tx1"/>
+                </a:solidFill>
+                <a:latin typeface="+mn-lt"/>
+                <a:ea typeface="+mn-ea"/>
+                <a:cs typeface="+mn-cs"/>
+              </a:defRPr>
+            </a:lvl5pPr>
+            <a:lvl6pPr marL="2286000" algn="l" defTabSz="914400" rtl="0" eaLnBrk="1" latinLnBrk="0" hangingPunct="1">
+              <a:defRPr sz="1800" kern="1200">
+                <a:solidFill>
+                  <a:schemeClr val="tx1"/>
+                </a:solidFill>
+                <a:latin typeface="+mn-lt"/>
+                <a:ea typeface="+mn-ea"/>
+                <a:cs typeface="+mn-cs"/>
+              </a:defRPr>
+            </a:lvl6pPr>
+            <a:lvl7pPr marL="2743200" algn="l" defTabSz="914400" rtl="0" eaLnBrk="1" latinLnBrk="0" hangingPunct="1">
+              <a:defRPr sz="1800" kern="1200">
+                <a:solidFill>
+                  <a:schemeClr val="tx1"/>
+                </a:solidFill>
+                <a:latin typeface="+mn-lt"/>
+                <a:ea typeface="+mn-ea"/>
+                <a:cs typeface="+mn-cs"/>
+              </a:defRPr>
+            </a:lvl7pPr>
+            <a:lvl8pPr marL="3200400" algn="l" defTabSz="914400" rtl="0" eaLnBrk="1" latinLnBrk="0" hangingPunct="1">
+              <a:defRPr sz="1800" kern="1200">
+                <a:solidFill>
+                  <a:schemeClr val="tx1"/>
+                </a:solidFill>
+                <a:latin typeface="+mn-lt"/>
+                <a:ea typeface="+mn-ea"/>
+                <a:cs typeface="+mn-cs"/>
+              </a:defRPr>
+            </a:lvl8pPr>
+            <a:lvl9pPr marL="3657600" algn="l" defTabSz="914400" rtl="0" eaLnBrk="1" latinLnBrk="0" hangingPunct="1">
+              <a:defRPr sz="1800" kern="1200">
+                <a:solidFill>
+                  <a:schemeClr val="tx1"/>
+                </a:solidFill>
+                <a:latin typeface="+mn-lt"/>
+                <a:ea typeface="+mn-ea"/>
+                <a:cs typeface="+mn-cs"/>
+              </a:defRPr>
+            </a:lvl9pPr>
+          </a:lstStyle>
+          <a:p>
+            <a:pPr>
+              <a:spcAft>
+                <a:spcPts val="600"/>
+              </a:spcAft>
+            </a:pPr>
+            <a:r>
+              <a:rPr lang="es-ES" dirty="0"/>
+              <a:t>Luis Gerardo Camara Salinas</a:t>
+            </a:r>
+          </a:p>
+        </p:txBody>
+      </p:sp>
+      <p:pic>
+        <p:nvPicPr>
+          <p:cNvPr id="11" name="image1.jpeg" descr="Un dibujo animado con letras&#10;&#10;Descripción generada automáticamente con confianza media">
+            <a:extLst>
+              <a:ext uri="{FF2B5EF4-FFF2-40B4-BE49-F238E27FC236}">
+                <a16:creationId xmlns:a16="http://schemas.microsoft.com/office/drawing/2014/main" id="{1A6CEF60-99D9-4B9D-9C7F-ADDBE771ECC7}"/>
+              </a:ext>
+            </a:extLst>
+          </p:cNvPr>
+          <p:cNvPicPr/>
+          <p:nvPr/>
+        </p:nvPicPr>
+        <p:blipFill>
+          <a:blip r:embed="rId4" cstate="print">
+            <a:extLst>
+              <a:ext uri="{28A0092B-C50C-407E-A947-70E740481C1C}">
+                <a14:useLocalDpi xmlns:a14="http://schemas.microsoft.com/office/drawing/2010/main" val="0"/>
+              </a:ext>
+            </a:extLst>
+          </a:blip>
+          <a:stretch>
+            <a:fillRect/>
+          </a:stretch>
+        </p:blipFill>
+        <p:spPr>
+          <a:xfrm>
+            <a:off x="173080" y="365125"/>
+            <a:ext cx="1852930" cy="701040"/>
+          </a:xfrm>
+          <a:prstGeom prst="rect">
+            <a:avLst/>
+          </a:prstGeom>
+        </p:spPr>
+      </p:pic>
+      <p:sp>
+        <p:nvSpPr>
+          <p:cNvPr id="12" name="CuadroTexto 11">
+            <a:extLst>
+              <a:ext uri="{FF2B5EF4-FFF2-40B4-BE49-F238E27FC236}">
+                <a16:creationId xmlns:a16="http://schemas.microsoft.com/office/drawing/2014/main" id="{3C575B82-57D0-4FCE-B23C-ECA7FC85D576}"/>
+              </a:ext>
+            </a:extLst>
+          </p:cNvPr>
+          <p:cNvSpPr txBox="1"/>
+          <p:nvPr/>
+        </p:nvSpPr>
+        <p:spPr>
+          <a:xfrm>
+            <a:off x="713147" y="2105561"/>
+            <a:ext cx="10640653" cy="707886"/>
+          </a:xfrm>
+          <a:prstGeom prst="rect">
+            <a:avLst/>
+          </a:prstGeom>
+          <a:noFill/>
+        </p:spPr>
+        <p:txBody>
+          <a:bodyPr wrap="square" rtlCol="0">
+            <a:spAutoFit/>
+          </a:bodyPr>
+          <a:lstStyle/>
+          <a:p>
+            <a:r>
+              <a:rPr lang="es-ES" sz="4000" dirty="0" err="1">
+                <a:latin typeface="The Hand Black (Cuerpo)"/>
+              </a:rPr>
+              <a:t>Coding</a:t>
+            </a:r>
+            <a:r>
+              <a:rPr lang="es-ES" sz="4000" dirty="0">
+                <a:latin typeface="The Hand Black (Cuerpo)"/>
+              </a:rPr>
+              <a:t>…</a:t>
+            </a:r>
+            <a:endParaRPr lang="es-MX" sz="4000" dirty="0">
+              <a:latin typeface="The Hand Black (Cuerpo)"/>
+            </a:endParaRPr>
+          </a:p>
+        </p:txBody>
+      </p:sp>
+      <p:pic>
+        <p:nvPicPr>
+          <p:cNvPr id="13" name="Picture 2" descr="Cat Coding Sticker by SUSHIBOX for iOS &amp; Android | GIPHY">
+            <a:extLst>
+              <a:ext uri="{FF2B5EF4-FFF2-40B4-BE49-F238E27FC236}">
+                <a16:creationId xmlns:a16="http://schemas.microsoft.com/office/drawing/2014/main" id="{BA402BB7-A5AB-400F-82E4-33D0F4457C3A}"/>
+              </a:ext>
+            </a:extLst>
+          </p:cNvPr>
+          <p:cNvPicPr>
+            <a:picLocks noGrp="1" noChangeAspect="1" noChangeArrowheads="1" noCrop="1"/>
+          </p:cNvPicPr>
+          <p:nvPr>
+            <p:ph sz="half" idx="1"/>
+          </p:nvPr>
+        </p:nvPicPr>
+        <p:blipFill>
+          <a:blip r:embed="rId5">
+            <a:extLst>
+              <a:ext uri="{28A0092B-C50C-407E-A947-70E740481C1C}">
+                <a14:useLocalDpi xmlns:a14="http://schemas.microsoft.com/office/drawing/2010/main" val="0"/>
+              </a:ext>
+            </a:extLst>
+          </a:blip>
+          <a:srcRect/>
+          <a:stretch>
+            <a:fillRect/>
+          </a:stretch>
+        </p:blipFill>
+        <p:spPr bwMode="auto">
+          <a:xfrm>
+            <a:off x="4038600" y="3429000"/>
+            <a:ext cx="2584970" cy="2584970"/>
+          </a:xfrm>
+          <a:prstGeom prst="rect">
+            <a:avLst/>
+          </a:prstGeom>
+          <a:noFill/>
+          <a:extLst>
+            <a:ext uri="{909E8E84-426E-40DD-AFC4-6F175D3DCCD1}">
+              <a14:hiddenFill xmlns:a14="http://schemas.microsoft.com/office/drawing/2010/main">
+                <a:solidFill>
+                  <a:srgbClr val="FFFFFF"/>
+                </a:solidFill>
+              </a14:hiddenFill>
+            </a:ext>
+          </a:extLst>
+        </p:spPr>
+      </p:pic>
+    </p:spTree>
+    <p:extLst>
+      <p:ext uri="{BB962C8B-B14F-4D97-AF65-F5344CB8AC3E}">
+        <p14:creationId xmlns:p14="http://schemas.microsoft.com/office/powerpoint/2010/main" val="4270354168"/>
+      </p:ext>
+    </p:extLst>
+  </p:cSld>
+  <p:clrMapOvr>
+    <a:masterClrMapping/>
+  </p:clrMapOvr>
+</p:sld>
+</file>
+
+<file path=ppt/slides/slide41.xml><?xml version="1.0" encoding="utf-8"?>
+<p:sld xmlns:a="http://schemas.openxmlformats.org/drawingml/2006/main" xmlns:r="http://schemas.openxmlformats.org/officeDocument/2006/relationships" xmlns:p="http://schemas.openxmlformats.org/presentationml/2006/main">
+  <p:cSld>
+    <p:spTree>
+      <p:nvGrpSpPr>
+        <p:cNvPr id="1" name=""/>
+        <p:cNvGrpSpPr/>
+        <p:nvPr/>
+      </p:nvGrpSpPr>
+      <p:grpSpPr>
+        <a:xfrm>
+          <a:off x="0" y="0"/>
+          <a:ext cx="0" cy="0"/>
+          <a:chOff x="0" y="0"/>
+          <a:chExt cx="0" cy="0"/>
+        </a:xfrm>
+      </p:grpSpPr>
+      <p:sp>
+        <p:nvSpPr>
+          <p:cNvPr id="2" name="Título 1">
+            <a:extLst>
+              <a:ext uri="{FF2B5EF4-FFF2-40B4-BE49-F238E27FC236}">
+                <a16:creationId xmlns:a16="http://schemas.microsoft.com/office/drawing/2014/main" id="{FDD31483-0B96-49D3-A8CB-3FD03F661093}"/>
+              </a:ext>
+            </a:extLst>
+          </p:cNvPr>
+          <p:cNvSpPr>
+            <a:spLocks noGrp="1"/>
+          </p:cNvSpPr>
+          <p:nvPr>
+            <p:ph type="title"/>
+          </p:nvPr>
+        </p:nvSpPr>
+        <p:spPr>
+          <a:xfrm>
+            <a:off x="853440" y="734998"/>
+            <a:ext cx="10515600" cy="1325563"/>
+          </a:xfrm>
+        </p:spPr>
+        <p:txBody>
+          <a:bodyPr>
+            <a:normAutofit/>
+          </a:bodyPr>
+          <a:lstStyle/>
+          <a:p>
+            <a:r>
+              <a:rPr lang="en-CA" sz="5400" dirty="0"/>
+              <a:t>Programming session 1</a:t>
+            </a:r>
+            <a:endParaRPr lang="es-MX" sz="5400" dirty="0"/>
+          </a:p>
+        </p:txBody>
+      </p:sp>
+      <p:sp>
+        <p:nvSpPr>
+          <p:cNvPr id="6" name="Marcador de pie de página 5">
+            <a:extLst>
+              <a:ext uri="{FF2B5EF4-FFF2-40B4-BE49-F238E27FC236}">
+                <a16:creationId xmlns:a16="http://schemas.microsoft.com/office/drawing/2014/main" id="{CCEDAD4E-B8D1-47AC-92A0-CC700C06B788}"/>
+              </a:ext>
+            </a:extLst>
+          </p:cNvPr>
+          <p:cNvSpPr>
+            <a:spLocks noGrp="1"/>
+          </p:cNvSpPr>
+          <p:nvPr>
+            <p:ph type="ftr" sz="quarter" idx="11"/>
+          </p:nvPr>
+        </p:nvSpPr>
+        <p:spPr/>
+        <p:txBody>
+          <a:bodyPr/>
+          <a:lstStyle/>
+          <a:p>
+            <a:pPr rtl="0">
+              <a:spcAft>
+                <a:spcPts val="600"/>
+              </a:spcAft>
+            </a:pPr>
+            <a:r>
+              <a:rPr lang="es-ES" noProof="0" dirty="0" err="1"/>
+              <a:t>Advanced</a:t>
+            </a:r>
+            <a:r>
+              <a:rPr lang="es-ES" noProof="0" dirty="0"/>
+              <a:t> </a:t>
+            </a:r>
+            <a:r>
+              <a:rPr lang="es-ES" noProof="0" dirty="0" err="1"/>
+              <a:t>Programming</a:t>
+            </a:r>
+            <a:endParaRPr lang="es-ES" noProof="0" dirty="0"/>
+          </a:p>
+        </p:txBody>
+      </p:sp>
+      <p:sp>
+        <p:nvSpPr>
+          <p:cNvPr id="7" name="Marcador de número de diapositiva 6">
+            <a:extLst>
+              <a:ext uri="{FF2B5EF4-FFF2-40B4-BE49-F238E27FC236}">
+                <a16:creationId xmlns:a16="http://schemas.microsoft.com/office/drawing/2014/main" id="{55B14F44-F565-4BBD-A079-E1F615D762F1}"/>
+              </a:ext>
+            </a:extLst>
+          </p:cNvPr>
+          <p:cNvSpPr>
+            <a:spLocks noGrp="1"/>
+          </p:cNvSpPr>
+          <p:nvPr>
+            <p:ph type="sldNum" sz="quarter" idx="12"/>
+          </p:nvPr>
+        </p:nvSpPr>
+        <p:spPr/>
+        <p:txBody>
+          <a:bodyPr/>
+          <a:lstStyle/>
+          <a:p>
+            <a:pPr rtl="0"/>
+            <a:fld id="{2C18C1E5-FB55-42F5-BD6D-9CC153FCDBE6}" type="slidenum">
+              <a:rPr lang="es-ES" noProof="0" smtClean="0"/>
+              <a:t>41</a:t>
+            </a:fld>
+            <a:endParaRPr lang="es-ES" noProof="0"/>
+          </a:p>
+        </p:txBody>
+      </p:sp>
+      <p:pic>
+        <p:nvPicPr>
+          <p:cNvPr id="8" name="Marcador de imagen en línea 27" descr="Diseño web con relleno sólido">
+            <a:extLst>
+              <a:ext uri="{FF2B5EF4-FFF2-40B4-BE49-F238E27FC236}">
+                <a16:creationId xmlns:a16="http://schemas.microsoft.com/office/drawing/2014/main" id="{1771A7BA-C2C8-4AB5-8143-9E20EA009BE6}"/>
+              </a:ext>
+            </a:extLst>
+          </p:cNvPr>
+          <p:cNvPicPr>
+            <a:picLocks noChangeAspect="1"/>
+          </p:cNvPicPr>
+          <p:nvPr/>
+        </p:nvPicPr>
+        <p:blipFill>
+          <a:blip r:embed="rId2">
+            <a:extLst>
+              <a:ext uri="{96DAC541-7B7A-43D3-8B79-37D633B846F1}">
+                <asvg:svgBlip xmlns:asvg="http://schemas.microsoft.com/office/drawing/2016/SVG/main" r:embed="rId3"/>
+              </a:ext>
+            </a:extLst>
+          </a:blip>
+          <a:srcRect/>
+          <a:stretch/>
+        </p:blipFill>
+        <p:spPr>
+          <a:xfrm>
+            <a:off x="9982200" y="1047259"/>
+            <a:ext cx="701040" cy="701040"/>
+          </a:xfrm>
+          <a:prstGeom prst="rect">
+            <a:avLst/>
+          </a:prstGeom>
+        </p:spPr>
+      </p:pic>
+      <p:sp>
+        <p:nvSpPr>
+          <p:cNvPr id="10" name="Marcador de pie de página 5">
+            <a:extLst>
+              <a:ext uri="{FF2B5EF4-FFF2-40B4-BE49-F238E27FC236}">
+                <a16:creationId xmlns:a16="http://schemas.microsoft.com/office/drawing/2014/main" id="{C4BC7171-7735-4726-A052-284CD08A27CA}"/>
+              </a:ext>
+            </a:extLst>
+          </p:cNvPr>
+          <p:cNvSpPr txBox="1">
+            <a:spLocks/>
+          </p:cNvSpPr>
+          <p:nvPr/>
+        </p:nvSpPr>
+        <p:spPr>
+          <a:xfrm>
+            <a:off x="-804193" y="6356350"/>
+            <a:ext cx="4114800" cy="365125"/>
+          </a:xfrm>
+          <a:prstGeom prst="rect">
+            <a:avLst/>
+          </a:prstGeom>
+        </p:spPr>
+        <p:txBody>
+          <a:bodyPr vert="horz" lIns="91440" tIns="45720" rIns="91440" bIns="45720" rtlCol="0" anchor="ctr"/>
+          <a:lstStyle>
+            <a:defPPr rtl="0">
+              <a:defRPr lang="es-es"/>
+            </a:defPPr>
+            <a:lvl1pPr marL="0" algn="ctr" defTabSz="914400" rtl="0" eaLnBrk="1" latinLnBrk="0" hangingPunct="1">
+              <a:defRPr sz="1600" kern="1200">
+                <a:solidFill>
+                  <a:schemeClr val="tx1"/>
+                </a:solidFill>
+                <a:latin typeface="+mn-lt"/>
+                <a:ea typeface="+mn-ea"/>
+                <a:cs typeface="+mn-cs"/>
+              </a:defRPr>
+            </a:lvl1pPr>
+            <a:lvl2pPr marL="457200" algn="l" defTabSz="914400" rtl="0" eaLnBrk="1" latinLnBrk="0" hangingPunct="1">
+              <a:defRPr sz="1800" kern="1200">
+                <a:solidFill>
+                  <a:schemeClr val="tx1"/>
+                </a:solidFill>
+                <a:latin typeface="+mn-lt"/>
+                <a:ea typeface="+mn-ea"/>
+                <a:cs typeface="+mn-cs"/>
+              </a:defRPr>
+            </a:lvl2pPr>
+            <a:lvl3pPr marL="914400" algn="l" defTabSz="914400" rtl="0" eaLnBrk="1" latinLnBrk="0" hangingPunct="1">
+              <a:defRPr sz="1800" kern="1200">
+                <a:solidFill>
+                  <a:schemeClr val="tx1"/>
+                </a:solidFill>
+                <a:latin typeface="+mn-lt"/>
+                <a:ea typeface="+mn-ea"/>
+                <a:cs typeface="+mn-cs"/>
+              </a:defRPr>
+            </a:lvl3pPr>
+            <a:lvl4pPr marL="1371600" algn="l" defTabSz="914400" rtl="0" eaLnBrk="1" latinLnBrk="0" hangingPunct="1">
+              <a:defRPr sz="1800" kern="1200">
+                <a:solidFill>
+                  <a:schemeClr val="tx1"/>
+                </a:solidFill>
+                <a:latin typeface="+mn-lt"/>
+                <a:ea typeface="+mn-ea"/>
+                <a:cs typeface="+mn-cs"/>
+              </a:defRPr>
+            </a:lvl4pPr>
+            <a:lvl5pPr marL="1828800" algn="l" defTabSz="914400" rtl="0" eaLnBrk="1" latinLnBrk="0" hangingPunct="1">
+              <a:defRPr sz="1800" kern="1200">
+                <a:solidFill>
+                  <a:schemeClr val="tx1"/>
+                </a:solidFill>
+                <a:latin typeface="+mn-lt"/>
+                <a:ea typeface="+mn-ea"/>
+                <a:cs typeface="+mn-cs"/>
+              </a:defRPr>
+            </a:lvl5pPr>
+            <a:lvl6pPr marL="2286000" algn="l" defTabSz="914400" rtl="0" eaLnBrk="1" latinLnBrk="0" hangingPunct="1">
+              <a:defRPr sz="1800" kern="1200">
+                <a:solidFill>
+                  <a:schemeClr val="tx1"/>
+                </a:solidFill>
+                <a:latin typeface="+mn-lt"/>
+                <a:ea typeface="+mn-ea"/>
+                <a:cs typeface="+mn-cs"/>
+              </a:defRPr>
+            </a:lvl6pPr>
+            <a:lvl7pPr marL="2743200" algn="l" defTabSz="914400" rtl="0" eaLnBrk="1" latinLnBrk="0" hangingPunct="1">
+              <a:defRPr sz="1800" kern="1200">
+                <a:solidFill>
+                  <a:schemeClr val="tx1"/>
+                </a:solidFill>
+                <a:latin typeface="+mn-lt"/>
+                <a:ea typeface="+mn-ea"/>
+                <a:cs typeface="+mn-cs"/>
+              </a:defRPr>
+            </a:lvl7pPr>
+            <a:lvl8pPr marL="3200400" algn="l" defTabSz="914400" rtl="0" eaLnBrk="1" latinLnBrk="0" hangingPunct="1">
+              <a:defRPr sz="1800" kern="1200">
+                <a:solidFill>
+                  <a:schemeClr val="tx1"/>
+                </a:solidFill>
+                <a:latin typeface="+mn-lt"/>
+                <a:ea typeface="+mn-ea"/>
+                <a:cs typeface="+mn-cs"/>
+              </a:defRPr>
+            </a:lvl8pPr>
+            <a:lvl9pPr marL="3657600" algn="l" defTabSz="914400" rtl="0" eaLnBrk="1" latinLnBrk="0" hangingPunct="1">
+              <a:defRPr sz="1800" kern="1200">
+                <a:solidFill>
+                  <a:schemeClr val="tx1"/>
+                </a:solidFill>
+                <a:latin typeface="+mn-lt"/>
+                <a:ea typeface="+mn-ea"/>
+                <a:cs typeface="+mn-cs"/>
+              </a:defRPr>
+            </a:lvl9pPr>
+          </a:lstStyle>
+          <a:p>
+            <a:pPr>
+              <a:spcAft>
+                <a:spcPts val="600"/>
+              </a:spcAft>
+            </a:pPr>
+            <a:r>
+              <a:rPr lang="es-ES" dirty="0"/>
+              <a:t>Luis Gerardo Camara Salinas</a:t>
+            </a:r>
+          </a:p>
+        </p:txBody>
+      </p:sp>
+      <p:pic>
+        <p:nvPicPr>
+          <p:cNvPr id="11" name="image1.jpeg" descr="Un dibujo animado con letras&#10;&#10;Descripción generada automáticamente con confianza media">
+            <a:extLst>
+              <a:ext uri="{FF2B5EF4-FFF2-40B4-BE49-F238E27FC236}">
+                <a16:creationId xmlns:a16="http://schemas.microsoft.com/office/drawing/2014/main" id="{1A6CEF60-99D9-4B9D-9C7F-ADDBE771ECC7}"/>
+              </a:ext>
+            </a:extLst>
+          </p:cNvPr>
+          <p:cNvPicPr/>
+          <p:nvPr/>
+        </p:nvPicPr>
+        <p:blipFill>
+          <a:blip r:embed="rId4" cstate="print">
+            <a:extLst>
+              <a:ext uri="{28A0092B-C50C-407E-A947-70E740481C1C}">
+                <a14:useLocalDpi xmlns:a14="http://schemas.microsoft.com/office/drawing/2010/main" val="0"/>
+              </a:ext>
+            </a:extLst>
+          </a:blip>
+          <a:stretch>
+            <a:fillRect/>
+          </a:stretch>
+        </p:blipFill>
+        <p:spPr>
+          <a:xfrm>
+            <a:off x="173080" y="365125"/>
+            <a:ext cx="1852930" cy="701040"/>
+          </a:xfrm>
+          <a:prstGeom prst="rect">
+            <a:avLst/>
+          </a:prstGeom>
+        </p:spPr>
+      </p:pic>
+      <p:sp>
+        <p:nvSpPr>
+          <p:cNvPr id="12" name="CuadroTexto 11">
+            <a:extLst>
+              <a:ext uri="{FF2B5EF4-FFF2-40B4-BE49-F238E27FC236}">
+                <a16:creationId xmlns:a16="http://schemas.microsoft.com/office/drawing/2014/main" id="{3C575B82-57D0-4FCE-B23C-ECA7FC85D576}"/>
+              </a:ext>
+            </a:extLst>
+          </p:cNvPr>
+          <p:cNvSpPr txBox="1"/>
+          <p:nvPr/>
+        </p:nvSpPr>
+        <p:spPr>
+          <a:xfrm>
+            <a:off x="713147" y="2105561"/>
+            <a:ext cx="10640653" cy="707886"/>
+          </a:xfrm>
+          <a:prstGeom prst="rect">
+            <a:avLst/>
+          </a:prstGeom>
+          <a:noFill/>
+        </p:spPr>
+        <p:txBody>
+          <a:bodyPr wrap="square" rtlCol="0">
+            <a:spAutoFit/>
+          </a:bodyPr>
+          <a:lstStyle/>
+          <a:p>
+            <a:r>
+              <a:rPr lang="es-ES" sz="4000" dirty="0">
+                <a:latin typeface="The Hand Black (Cuerpo)"/>
+              </a:rPr>
+              <a:t>Data </a:t>
+            </a:r>
+            <a:r>
+              <a:rPr lang="es-ES" sz="4000" dirty="0" err="1">
+                <a:latin typeface="The Hand Black (Cuerpo)"/>
+              </a:rPr>
+              <a:t>Types</a:t>
+            </a:r>
+            <a:endParaRPr lang="es-MX" sz="4000" dirty="0">
+              <a:latin typeface="The Hand Black (Cuerpo)"/>
+            </a:endParaRPr>
+          </a:p>
+        </p:txBody>
+      </p:sp>
+      <p:sp>
+        <p:nvSpPr>
+          <p:cNvPr id="9" name="CuadroTexto 8">
+            <a:extLst>
+              <a:ext uri="{FF2B5EF4-FFF2-40B4-BE49-F238E27FC236}">
+                <a16:creationId xmlns:a16="http://schemas.microsoft.com/office/drawing/2014/main" id="{6A5BF80C-FEF9-46CF-98B3-E2646C27DA0F}"/>
+              </a:ext>
+            </a:extLst>
+          </p:cNvPr>
+          <p:cNvSpPr txBox="1"/>
+          <p:nvPr/>
+        </p:nvSpPr>
+        <p:spPr>
+          <a:xfrm>
+            <a:off x="713147" y="2869124"/>
+            <a:ext cx="10268199" cy="3293209"/>
+          </a:xfrm>
+          <a:prstGeom prst="rect">
+            <a:avLst/>
+          </a:prstGeom>
+          <a:noFill/>
+        </p:spPr>
+        <p:txBody>
+          <a:bodyPr wrap="square" rtlCol="0">
+            <a:spAutoFit/>
+          </a:bodyPr>
+          <a:lstStyle/>
+          <a:p>
+            <a:pPr marL="571500" indent="-571500">
+              <a:buFont typeface="Arial" panose="020B0604020202020204" pitchFamily="34" charset="0"/>
+              <a:buChar char="•"/>
+            </a:pPr>
+            <a:r>
+              <a:rPr lang="en-US" sz="2400" dirty="0">
+                <a:latin typeface="The Hand Black (Cuerpo)"/>
+              </a:rPr>
+              <a:t>A variable can be declared and initialized using one of the eight data types.</a:t>
+            </a:r>
+          </a:p>
+          <a:p>
+            <a:r>
+              <a:rPr lang="en-US" sz="2000" dirty="0">
+                <a:solidFill>
+                  <a:srgbClr val="FF0000"/>
+                </a:solidFill>
+                <a:latin typeface="The Hand Black (Cuerpo)"/>
+              </a:rPr>
+              <a:t>Number: </a:t>
+            </a:r>
+            <a:r>
+              <a:rPr lang="en-US" sz="2000" dirty="0">
+                <a:latin typeface="The Hand Black (Cuerpo)"/>
+              </a:rPr>
+              <a:t>Number is a primitive data type allows storing an integer or floating point number.</a:t>
+            </a:r>
+          </a:p>
+          <a:p>
+            <a:r>
+              <a:rPr lang="en-US" sz="2000" dirty="0">
+                <a:solidFill>
+                  <a:srgbClr val="FF0000"/>
+                </a:solidFill>
+                <a:latin typeface="The Hand Black (Cuerpo)"/>
+              </a:rPr>
+              <a:t>String: </a:t>
+            </a:r>
+            <a:r>
+              <a:rPr lang="en-US" sz="2000" dirty="0">
+                <a:latin typeface="The Hand Black (Cuerpo)"/>
+              </a:rPr>
+              <a:t> String is a primitive data type that allows storing a sequence of characters that represent a text value.</a:t>
+            </a:r>
+          </a:p>
+          <a:p>
+            <a:r>
+              <a:rPr lang="en-US" sz="2000" dirty="0" err="1">
+                <a:solidFill>
+                  <a:srgbClr val="FF0000"/>
+                </a:solidFill>
+                <a:latin typeface="The Hand Black (Cuerpo)"/>
+              </a:rPr>
+              <a:t>BigInt</a:t>
+            </a:r>
+            <a:r>
+              <a:rPr lang="en-US" sz="2000" dirty="0">
+                <a:latin typeface="The Hand Black (Cuerpo)"/>
+              </a:rPr>
+              <a:t>: </a:t>
+            </a:r>
+            <a:r>
+              <a:rPr lang="en-US" sz="2000" dirty="0" err="1">
+                <a:latin typeface="The Hand Black (Cuerpo)"/>
+              </a:rPr>
+              <a:t>BigInt</a:t>
+            </a:r>
+            <a:r>
+              <a:rPr lang="en-US" sz="2000" dirty="0">
+                <a:latin typeface="The Hand Black (Cuerpo)"/>
+              </a:rPr>
+              <a:t> is a primitive data type allows storing an integer with arbitrary precision format.</a:t>
+            </a:r>
+          </a:p>
+          <a:p>
+            <a:r>
+              <a:rPr lang="en-US" sz="2000" dirty="0">
+                <a:solidFill>
+                  <a:srgbClr val="00B050"/>
+                </a:solidFill>
+                <a:latin typeface="The Hand Black (Cuerpo)"/>
+              </a:rPr>
+              <a:t>Object</a:t>
+            </a:r>
+            <a:r>
+              <a:rPr lang="en-US" sz="2000" dirty="0">
+                <a:latin typeface="The Hand Black (Cuerpo)"/>
+              </a:rPr>
+              <a:t>: The Object data type can be used to store keyed collections of data items and complex entities.</a:t>
+            </a:r>
+          </a:p>
+          <a:p>
+            <a:r>
+              <a:rPr lang="en-US" sz="2000" dirty="0">
+                <a:solidFill>
+                  <a:srgbClr val="FF0000"/>
+                </a:solidFill>
+                <a:latin typeface="The Hand Black (Cuerpo)"/>
+              </a:rPr>
+              <a:t>Symbol</a:t>
+            </a:r>
+            <a:r>
+              <a:rPr lang="en-US" sz="2000" dirty="0">
+                <a:latin typeface="The Hand Black (Cuerpo)"/>
+              </a:rPr>
+              <a:t>: Symbol is a primitive data type that can be used to define unique and immutable values.</a:t>
+            </a:r>
+          </a:p>
+          <a:p>
+            <a:r>
+              <a:rPr lang="en-US" sz="2000" dirty="0">
+                <a:solidFill>
+                  <a:srgbClr val="FF0000"/>
+                </a:solidFill>
+                <a:latin typeface="The Hand Black (Cuerpo)"/>
+              </a:rPr>
+              <a:t>Undefined</a:t>
+            </a:r>
+            <a:r>
+              <a:rPr lang="en-US" sz="2000" dirty="0">
+                <a:latin typeface="The Hand Black (Cuerpo)"/>
+              </a:rPr>
+              <a:t>: The undefined keyword represents a primitive value that is not defined. It is auto-assigned to a variable that has been declared but not initialized.</a:t>
+            </a:r>
+          </a:p>
+          <a:p>
+            <a:r>
+              <a:rPr lang="en-US" sz="2000" dirty="0">
+                <a:solidFill>
+                  <a:srgbClr val="FF0000"/>
+                </a:solidFill>
+                <a:latin typeface="The Hand Black (Cuerpo)"/>
+              </a:rPr>
+              <a:t>Null</a:t>
+            </a:r>
+            <a:r>
+              <a:rPr lang="en-US" sz="2000" dirty="0">
+                <a:latin typeface="The Hand Black (Cuerpo)"/>
+              </a:rPr>
+              <a:t>: The null keyword represents any null value. It is a case-sensitive and primitive value.</a:t>
+            </a:r>
+          </a:p>
+          <a:p>
+            <a:r>
+              <a:rPr lang="en-US" sz="2000" dirty="0">
+                <a:solidFill>
+                  <a:srgbClr val="FF0000"/>
+                </a:solidFill>
+                <a:latin typeface="The Hand Black (Cuerpo)"/>
+              </a:rPr>
+              <a:t>Boolean</a:t>
+            </a:r>
+            <a:r>
+              <a:rPr lang="en-US" sz="2000" dirty="0">
+                <a:latin typeface="The Hand Black (Cuerpo)"/>
+              </a:rPr>
+              <a:t>: Boolean is a primitive data type that allows storing the value of true or false.</a:t>
+            </a:r>
+          </a:p>
+          <a:p>
+            <a:endParaRPr lang="en-US" sz="2400" dirty="0">
+              <a:latin typeface="The Hand Black (Cuerpo)"/>
+            </a:endParaRPr>
+          </a:p>
+        </p:txBody>
+      </p:sp>
+    </p:spTree>
+    <p:extLst>
+      <p:ext uri="{BB962C8B-B14F-4D97-AF65-F5344CB8AC3E}">
+        <p14:creationId xmlns:p14="http://schemas.microsoft.com/office/powerpoint/2010/main" val="672922548"/>
+      </p:ext>
+    </p:extLst>
+  </p:cSld>
+  <p:clrMapOvr>
+    <a:masterClrMapping/>
+  </p:clrMapOvr>
+</p:sld>
+</file>
+
+<file path=ppt/slides/slide42.xml><?xml version="1.0" encoding="utf-8"?>
+<p:sld xmlns:a="http://schemas.openxmlformats.org/drawingml/2006/main" xmlns:r="http://schemas.openxmlformats.org/officeDocument/2006/relationships" xmlns:p="http://schemas.openxmlformats.org/presentationml/2006/main">
+  <p:cSld>
+    <p:spTree>
+      <p:nvGrpSpPr>
+        <p:cNvPr id="1" name=""/>
+        <p:cNvGrpSpPr/>
+        <p:nvPr/>
+      </p:nvGrpSpPr>
+      <p:grpSpPr>
+        <a:xfrm>
+          <a:off x="0" y="0"/>
+          <a:ext cx="0" cy="0"/>
+          <a:chOff x="0" y="0"/>
+          <a:chExt cx="0" cy="0"/>
+        </a:xfrm>
+      </p:grpSpPr>
+      <p:sp>
+        <p:nvSpPr>
+          <p:cNvPr id="2" name="Título 1">
+            <a:extLst>
+              <a:ext uri="{FF2B5EF4-FFF2-40B4-BE49-F238E27FC236}">
+                <a16:creationId xmlns:a16="http://schemas.microsoft.com/office/drawing/2014/main" id="{FDD31483-0B96-49D3-A8CB-3FD03F661093}"/>
+              </a:ext>
+            </a:extLst>
+          </p:cNvPr>
+          <p:cNvSpPr>
+            <a:spLocks noGrp="1"/>
+          </p:cNvSpPr>
+          <p:nvPr>
+            <p:ph type="title"/>
+          </p:nvPr>
+        </p:nvSpPr>
+        <p:spPr>
+          <a:xfrm>
+            <a:off x="853440" y="734998"/>
+            <a:ext cx="10515600" cy="1325563"/>
+          </a:xfrm>
+        </p:spPr>
+        <p:txBody>
+          <a:bodyPr>
+            <a:normAutofit/>
+          </a:bodyPr>
+          <a:lstStyle/>
+          <a:p>
+            <a:r>
+              <a:rPr lang="en-CA" sz="5400" dirty="0"/>
+              <a:t>Programming session 1</a:t>
+            </a:r>
+            <a:endParaRPr lang="es-MX" sz="5400" dirty="0"/>
+          </a:p>
+        </p:txBody>
+      </p:sp>
+      <p:sp>
+        <p:nvSpPr>
+          <p:cNvPr id="6" name="Marcador de pie de página 5">
+            <a:extLst>
+              <a:ext uri="{FF2B5EF4-FFF2-40B4-BE49-F238E27FC236}">
+                <a16:creationId xmlns:a16="http://schemas.microsoft.com/office/drawing/2014/main" id="{CCEDAD4E-B8D1-47AC-92A0-CC700C06B788}"/>
+              </a:ext>
+            </a:extLst>
+          </p:cNvPr>
+          <p:cNvSpPr>
+            <a:spLocks noGrp="1"/>
+          </p:cNvSpPr>
+          <p:nvPr>
+            <p:ph type="ftr" sz="quarter" idx="11"/>
+          </p:nvPr>
+        </p:nvSpPr>
+        <p:spPr/>
+        <p:txBody>
+          <a:bodyPr/>
+          <a:lstStyle/>
+          <a:p>
+            <a:pPr rtl="0">
+              <a:spcAft>
+                <a:spcPts val="600"/>
+              </a:spcAft>
+            </a:pPr>
+            <a:r>
+              <a:rPr lang="es-ES" noProof="0" dirty="0" err="1"/>
+              <a:t>Advanced</a:t>
+            </a:r>
+            <a:r>
+              <a:rPr lang="es-ES" noProof="0" dirty="0"/>
+              <a:t> </a:t>
+            </a:r>
+            <a:r>
+              <a:rPr lang="es-ES" noProof="0" dirty="0" err="1"/>
+              <a:t>Programming</a:t>
+            </a:r>
+            <a:endParaRPr lang="es-ES" noProof="0" dirty="0"/>
+          </a:p>
+        </p:txBody>
+      </p:sp>
+      <p:sp>
+        <p:nvSpPr>
+          <p:cNvPr id="7" name="Marcador de número de diapositiva 6">
+            <a:extLst>
+              <a:ext uri="{FF2B5EF4-FFF2-40B4-BE49-F238E27FC236}">
+                <a16:creationId xmlns:a16="http://schemas.microsoft.com/office/drawing/2014/main" id="{55B14F44-F565-4BBD-A079-E1F615D762F1}"/>
+              </a:ext>
+            </a:extLst>
+          </p:cNvPr>
+          <p:cNvSpPr>
+            <a:spLocks noGrp="1"/>
+          </p:cNvSpPr>
+          <p:nvPr>
+            <p:ph type="sldNum" sz="quarter" idx="12"/>
+          </p:nvPr>
+        </p:nvSpPr>
+        <p:spPr/>
+        <p:txBody>
+          <a:bodyPr/>
+          <a:lstStyle/>
+          <a:p>
+            <a:pPr rtl="0"/>
+            <a:fld id="{2C18C1E5-FB55-42F5-BD6D-9CC153FCDBE6}" type="slidenum">
+              <a:rPr lang="es-ES" noProof="0" smtClean="0"/>
+              <a:t>42</a:t>
+            </a:fld>
+            <a:endParaRPr lang="es-ES" noProof="0"/>
+          </a:p>
+        </p:txBody>
+      </p:sp>
+      <p:pic>
+        <p:nvPicPr>
+          <p:cNvPr id="8" name="Marcador de imagen en línea 27" descr="Diseño web con relleno sólido">
+            <a:extLst>
+              <a:ext uri="{FF2B5EF4-FFF2-40B4-BE49-F238E27FC236}">
+                <a16:creationId xmlns:a16="http://schemas.microsoft.com/office/drawing/2014/main" id="{1771A7BA-C2C8-4AB5-8143-9E20EA009BE6}"/>
+              </a:ext>
+            </a:extLst>
+          </p:cNvPr>
+          <p:cNvPicPr>
+            <a:picLocks noChangeAspect="1"/>
+          </p:cNvPicPr>
+          <p:nvPr/>
+        </p:nvPicPr>
+        <p:blipFill>
+          <a:blip r:embed="rId2">
+            <a:extLst>
+              <a:ext uri="{96DAC541-7B7A-43D3-8B79-37D633B846F1}">
+                <asvg:svgBlip xmlns:asvg="http://schemas.microsoft.com/office/drawing/2016/SVG/main" r:embed="rId3"/>
+              </a:ext>
+            </a:extLst>
+          </a:blip>
+          <a:srcRect/>
+          <a:stretch/>
+        </p:blipFill>
+        <p:spPr>
+          <a:xfrm>
+            <a:off x="9982200" y="1047259"/>
+            <a:ext cx="701040" cy="701040"/>
+          </a:xfrm>
+          <a:prstGeom prst="rect">
+            <a:avLst/>
+          </a:prstGeom>
+        </p:spPr>
+      </p:pic>
+      <p:sp>
+        <p:nvSpPr>
+          <p:cNvPr id="10" name="Marcador de pie de página 5">
+            <a:extLst>
+              <a:ext uri="{FF2B5EF4-FFF2-40B4-BE49-F238E27FC236}">
+                <a16:creationId xmlns:a16="http://schemas.microsoft.com/office/drawing/2014/main" id="{C4BC7171-7735-4726-A052-284CD08A27CA}"/>
+              </a:ext>
+            </a:extLst>
+          </p:cNvPr>
+          <p:cNvSpPr txBox="1">
+            <a:spLocks/>
+          </p:cNvSpPr>
+          <p:nvPr/>
+        </p:nvSpPr>
+        <p:spPr>
+          <a:xfrm>
+            <a:off x="-804193" y="6356350"/>
+            <a:ext cx="4114800" cy="365125"/>
+          </a:xfrm>
+          <a:prstGeom prst="rect">
+            <a:avLst/>
+          </a:prstGeom>
+        </p:spPr>
+        <p:txBody>
+          <a:bodyPr vert="horz" lIns="91440" tIns="45720" rIns="91440" bIns="45720" rtlCol="0" anchor="ctr"/>
+          <a:lstStyle>
+            <a:defPPr rtl="0">
+              <a:defRPr lang="es-es"/>
+            </a:defPPr>
+            <a:lvl1pPr marL="0" algn="ctr" defTabSz="914400" rtl="0" eaLnBrk="1" latinLnBrk="0" hangingPunct="1">
+              <a:defRPr sz="1600" kern="1200">
+                <a:solidFill>
+                  <a:schemeClr val="tx1"/>
+                </a:solidFill>
+                <a:latin typeface="+mn-lt"/>
+                <a:ea typeface="+mn-ea"/>
+                <a:cs typeface="+mn-cs"/>
+              </a:defRPr>
+            </a:lvl1pPr>
+            <a:lvl2pPr marL="457200" algn="l" defTabSz="914400" rtl="0" eaLnBrk="1" latinLnBrk="0" hangingPunct="1">
+              <a:defRPr sz="1800" kern="1200">
+                <a:solidFill>
+                  <a:schemeClr val="tx1"/>
+                </a:solidFill>
+                <a:latin typeface="+mn-lt"/>
+                <a:ea typeface="+mn-ea"/>
+                <a:cs typeface="+mn-cs"/>
+              </a:defRPr>
+            </a:lvl2pPr>
+            <a:lvl3pPr marL="914400" algn="l" defTabSz="914400" rtl="0" eaLnBrk="1" latinLnBrk="0" hangingPunct="1">
+              <a:defRPr sz="1800" kern="1200">
+                <a:solidFill>
+                  <a:schemeClr val="tx1"/>
+                </a:solidFill>
+                <a:latin typeface="+mn-lt"/>
+                <a:ea typeface="+mn-ea"/>
+                <a:cs typeface="+mn-cs"/>
+              </a:defRPr>
+            </a:lvl3pPr>
+            <a:lvl4pPr marL="1371600" algn="l" defTabSz="914400" rtl="0" eaLnBrk="1" latinLnBrk="0" hangingPunct="1">
+              <a:defRPr sz="1800" kern="1200">
+                <a:solidFill>
+                  <a:schemeClr val="tx1"/>
+                </a:solidFill>
+                <a:latin typeface="+mn-lt"/>
+                <a:ea typeface="+mn-ea"/>
+                <a:cs typeface="+mn-cs"/>
+              </a:defRPr>
+            </a:lvl4pPr>
+            <a:lvl5pPr marL="1828800" algn="l" defTabSz="914400" rtl="0" eaLnBrk="1" latinLnBrk="0" hangingPunct="1">
+              <a:defRPr sz="1800" kern="1200">
+                <a:solidFill>
+                  <a:schemeClr val="tx1"/>
+                </a:solidFill>
+                <a:latin typeface="+mn-lt"/>
+                <a:ea typeface="+mn-ea"/>
+                <a:cs typeface="+mn-cs"/>
+              </a:defRPr>
+            </a:lvl5pPr>
+            <a:lvl6pPr marL="2286000" algn="l" defTabSz="914400" rtl="0" eaLnBrk="1" latinLnBrk="0" hangingPunct="1">
+              <a:defRPr sz="1800" kern="1200">
+                <a:solidFill>
+                  <a:schemeClr val="tx1"/>
+                </a:solidFill>
+                <a:latin typeface="+mn-lt"/>
+                <a:ea typeface="+mn-ea"/>
+                <a:cs typeface="+mn-cs"/>
+              </a:defRPr>
+            </a:lvl6pPr>
+            <a:lvl7pPr marL="2743200" algn="l" defTabSz="914400" rtl="0" eaLnBrk="1" latinLnBrk="0" hangingPunct="1">
+              <a:defRPr sz="1800" kern="1200">
+                <a:solidFill>
+                  <a:schemeClr val="tx1"/>
+                </a:solidFill>
+                <a:latin typeface="+mn-lt"/>
+                <a:ea typeface="+mn-ea"/>
+                <a:cs typeface="+mn-cs"/>
+              </a:defRPr>
+            </a:lvl7pPr>
+            <a:lvl8pPr marL="3200400" algn="l" defTabSz="914400" rtl="0" eaLnBrk="1" latinLnBrk="0" hangingPunct="1">
+              <a:defRPr sz="1800" kern="1200">
+                <a:solidFill>
+                  <a:schemeClr val="tx1"/>
+                </a:solidFill>
+                <a:latin typeface="+mn-lt"/>
+                <a:ea typeface="+mn-ea"/>
+                <a:cs typeface="+mn-cs"/>
+              </a:defRPr>
+            </a:lvl8pPr>
+            <a:lvl9pPr marL="3657600" algn="l" defTabSz="914400" rtl="0" eaLnBrk="1" latinLnBrk="0" hangingPunct="1">
+              <a:defRPr sz="1800" kern="1200">
+                <a:solidFill>
+                  <a:schemeClr val="tx1"/>
+                </a:solidFill>
+                <a:latin typeface="+mn-lt"/>
+                <a:ea typeface="+mn-ea"/>
+                <a:cs typeface="+mn-cs"/>
+              </a:defRPr>
+            </a:lvl9pPr>
+          </a:lstStyle>
+          <a:p>
+            <a:pPr>
+              <a:spcAft>
+                <a:spcPts val="600"/>
+              </a:spcAft>
+            </a:pPr>
+            <a:r>
+              <a:rPr lang="es-ES" dirty="0"/>
+              <a:t>Luis Gerardo Camara Salinas</a:t>
+            </a:r>
+          </a:p>
+        </p:txBody>
+      </p:sp>
+      <p:pic>
+        <p:nvPicPr>
+          <p:cNvPr id="11" name="image1.jpeg" descr="Un dibujo animado con letras&#10;&#10;Descripción generada automáticamente con confianza media">
+            <a:extLst>
+              <a:ext uri="{FF2B5EF4-FFF2-40B4-BE49-F238E27FC236}">
+                <a16:creationId xmlns:a16="http://schemas.microsoft.com/office/drawing/2014/main" id="{1A6CEF60-99D9-4B9D-9C7F-ADDBE771ECC7}"/>
+              </a:ext>
+            </a:extLst>
+          </p:cNvPr>
+          <p:cNvPicPr/>
+          <p:nvPr/>
+        </p:nvPicPr>
+        <p:blipFill>
+          <a:blip r:embed="rId4" cstate="print">
+            <a:extLst>
+              <a:ext uri="{28A0092B-C50C-407E-A947-70E740481C1C}">
+                <a14:useLocalDpi xmlns:a14="http://schemas.microsoft.com/office/drawing/2010/main" val="0"/>
+              </a:ext>
+            </a:extLst>
+          </a:blip>
+          <a:stretch>
+            <a:fillRect/>
+          </a:stretch>
+        </p:blipFill>
+        <p:spPr>
+          <a:xfrm>
+            <a:off x="173080" y="365125"/>
+            <a:ext cx="1852930" cy="701040"/>
+          </a:xfrm>
+          <a:prstGeom prst="rect">
+            <a:avLst/>
+          </a:prstGeom>
+        </p:spPr>
+      </p:pic>
+      <p:sp>
+        <p:nvSpPr>
+          <p:cNvPr id="12" name="CuadroTexto 11">
+            <a:extLst>
+              <a:ext uri="{FF2B5EF4-FFF2-40B4-BE49-F238E27FC236}">
+                <a16:creationId xmlns:a16="http://schemas.microsoft.com/office/drawing/2014/main" id="{3C575B82-57D0-4FCE-B23C-ECA7FC85D576}"/>
+              </a:ext>
+            </a:extLst>
+          </p:cNvPr>
+          <p:cNvSpPr txBox="1"/>
+          <p:nvPr/>
+        </p:nvSpPr>
+        <p:spPr>
+          <a:xfrm>
+            <a:off x="713147" y="2105561"/>
+            <a:ext cx="10640653" cy="707886"/>
+          </a:xfrm>
+          <a:prstGeom prst="rect">
+            <a:avLst/>
+          </a:prstGeom>
+          <a:noFill/>
+        </p:spPr>
+        <p:txBody>
+          <a:bodyPr wrap="square" rtlCol="0">
+            <a:spAutoFit/>
+          </a:bodyPr>
+          <a:lstStyle/>
+          <a:p>
+            <a:r>
+              <a:rPr lang="es-ES" sz="4000" dirty="0" err="1">
+                <a:latin typeface="The Hand Black (Cuerpo)"/>
+              </a:rPr>
+              <a:t>Typecasting</a:t>
+            </a:r>
+            <a:endParaRPr lang="es-MX" sz="4000" dirty="0">
+              <a:latin typeface="The Hand Black (Cuerpo)"/>
+            </a:endParaRPr>
+          </a:p>
+        </p:txBody>
+      </p:sp>
+      <p:sp>
+        <p:nvSpPr>
+          <p:cNvPr id="9" name="CuadroTexto 8">
+            <a:extLst>
+              <a:ext uri="{FF2B5EF4-FFF2-40B4-BE49-F238E27FC236}">
+                <a16:creationId xmlns:a16="http://schemas.microsoft.com/office/drawing/2014/main" id="{6A5BF80C-FEF9-46CF-98B3-E2646C27DA0F}"/>
+              </a:ext>
+            </a:extLst>
+          </p:cNvPr>
+          <p:cNvSpPr txBox="1"/>
+          <p:nvPr/>
+        </p:nvSpPr>
+        <p:spPr>
+          <a:xfrm>
+            <a:off x="713147" y="2951946"/>
+            <a:ext cx="10268199" cy="830997"/>
+          </a:xfrm>
+          <a:prstGeom prst="rect">
+            <a:avLst/>
+          </a:prstGeom>
+          <a:noFill/>
+        </p:spPr>
+        <p:txBody>
+          <a:bodyPr wrap="square" rtlCol="0">
+            <a:spAutoFit/>
+          </a:bodyPr>
+          <a:lstStyle/>
+          <a:p>
+            <a:pPr marL="571500" indent="-571500">
+              <a:buFont typeface="Arial" panose="020B0604020202020204" pitchFamily="34" charset="0"/>
+              <a:buChar char="•"/>
+            </a:pPr>
+            <a:r>
+              <a:rPr lang="en-US" sz="2400" dirty="0">
+                <a:latin typeface="The Hand Black (Cuerpo)"/>
+              </a:rPr>
+              <a:t> variable of one data type can be explicitly converted to another data type which is called typecasting. The following methods can be used.</a:t>
+            </a:r>
+          </a:p>
+        </p:txBody>
+      </p:sp>
+      <p:pic>
+        <p:nvPicPr>
+          <p:cNvPr id="4" name="Imagen 3" descr="Escala de tiempo&#10;&#10;Descripción generada automáticamente">
+            <a:extLst>
+              <a:ext uri="{FF2B5EF4-FFF2-40B4-BE49-F238E27FC236}">
+                <a16:creationId xmlns:a16="http://schemas.microsoft.com/office/drawing/2014/main" id="{930317F9-9EEE-4354-A9F3-A68826BFAD64}"/>
+              </a:ext>
+            </a:extLst>
+          </p:cNvPr>
+          <p:cNvPicPr>
+            <a:picLocks noChangeAspect="1"/>
+          </p:cNvPicPr>
+          <p:nvPr/>
+        </p:nvPicPr>
+        <p:blipFill>
+          <a:blip r:embed="rId5"/>
+          <a:stretch>
+            <a:fillRect/>
+          </a:stretch>
+        </p:blipFill>
+        <p:spPr>
+          <a:xfrm>
+            <a:off x="2542849" y="3837329"/>
+            <a:ext cx="6981247" cy="2464635"/>
+          </a:xfrm>
+          <a:prstGeom prst="rect">
+            <a:avLst/>
+          </a:prstGeom>
+        </p:spPr>
+      </p:pic>
+    </p:spTree>
+    <p:extLst>
+      <p:ext uri="{BB962C8B-B14F-4D97-AF65-F5344CB8AC3E}">
+        <p14:creationId xmlns:p14="http://schemas.microsoft.com/office/powerpoint/2010/main" val="2696110211"/>
+      </p:ext>
+    </p:extLst>
+  </p:cSld>
+  <p:clrMapOvr>
+    <a:masterClrMapping/>
+  </p:clrMapOvr>
+</p:sld>
+</file>
+
+<file path=ppt/slides/slide43.xml><?xml version="1.0" encoding="utf-8"?>
+<p:sld xmlns:a="http://schemas.openxmlformats.org/drawingml/2006/main" xmlns:r="http://schemas.openxmlformats.org/officeDocument/2006/relationships" xmlns:p="http://schemas.openxmlformats.org/presentationml/2006/main">
+  <p:cSld>
+    <p:spTree>
+      <p:nvGrpSpPr>
+        <p:cNvPr id="1" name=""/>
+        <p:cNvGrpSpPr/>
+        <p:nvPr/>
+      </p:nvGrpSpPr>
+      <p:grpSpPr>
+        <a:xfrm>
+          <a:off x="0" y="0"/>
+          <a:ext cx="0" cy="0"/>
+          <a:chOff x="0" y="0"/>
+          <a:chExt cx="0" cy="0"/>
+        </a:xfrm>
+      </p:grpSpPr>
+      <p:sp>
+        <p:nvSpPr>
+          <p:cNvPr id="2" name="Título 1">
+            <a:extLst>
+              <a:ext uri="{FF2B5EF4-FFF2-40B4-BE49-F238E27FC236}">
+                <a16:creationId xmlns:a16="http://schemas.microsoft.com/office/drawing/2014/main" id="{FDD31483-0B96-49D3-A8CB-3FD03F661093}"/>
+              </a:ext>
+            </a:extLst>
+          </p:cNvPr>
+          <p:cNvSpPr>
+            <a:spLocks noGrp="1"/>
+          </p:cNvSpPr>
+          <p:nvPr>
+            <p:ph type="title"/>
+          </p:nvPr>
+        </p:nvSpPr>
+        <p:spPr>
+          <a:xfrm>
+            <a:off x="853440" y="734998"/>
+            <a:ext cx="10515600" cy="1325563"/>
+          </a:xfrm>
+        </p:spPr>
+        <p:txBody>
+          <a:bodyPr>
+            <a:normAutofit/>
+          </a:bodyPr>
+          <a:lstStyle/>
+          <a:p>
+            <a:r>
+              <a:rPr lang="en-CA" sz="5400" dirty="0"/>
+              <a:t>Programming session 1</a:t>
+            </a:r>
+            <a:endParaRPr lang="es-MX" sz="5400" dirty="0"/>
+          </a:p>
+        </p:txBody>
+      </p:sp>
+      <p:sp>
+        <p:nvSpPr>
+          <p:cNvPr id="6" name="Marcador de pie de página 5">
+            <a:extLst>
+              <a:ext uri="{FF2B5EF4-FFF2-40B4-BE49-F238E27FC236}">
+                <a16:creationId xmlns:a16="http://schemas.microsoft.com/office/drawing/2014/main" id="{CCEDAD4E-B8D1-47AC-92A0-CC700C06B788}"/>
+              </a:ext>
+            </a:extLst>
+          </p:cNvPr>
+          <p:cNvSpPr>
+            <a:spLocks noGrp="1"/>
+          </p:cNvSpPr>
+          <p:nvPr>
+            <p:ph type="ftr" sz="quarter" idx="11"/>
+          </p:nvPr>
+        </p:nvSpPr>
+        <p:spPr/>
+        <p:txBody>
+          <a:bodyPr/>
+          <a:lstStyle/>
+          <a:p>
+            <a:pPr rtl="0">
+              <a:spcAft>
+                <a:spcPts val="600"/>
+              </a:spcAft>
+            </a:pPr>
+            <a:r>
+              <a:rPr lang="es-ES" noProof="0" dirty="0" err="1"/>
+              <a:t>Advanced</a:t>
+            </a:r>
+            <a:r>
+              <a:rPr lang="es-ES" noProof="0" dirty="0"/>
+              <a:t> </a:t>
+            </a:r>
+            <a:r>
+              <a:rPr lang="es-ES" noProof="0" dirty="0" err="1"/>
+              <a:t>Programming</a:t>
+            </a:r>
+            <a:endParaRPr lang="es-ES" noProof="0" dirty="0"/>
+          </a:p>
+        </p:txBody>
+      </p:sp>
+      <p:sp>
+        <p:nvSpPr>
+          <p:cNvPr id="7" name="Marcador de número de diapositiva 6">
+            <a:extLst>
+              <a:ext uri="{FF2B5EF4-FFF2-40B4-BE49-F238E27FC236}">
+                <a16:creationId xmlns:a16="http://schemas.microsoft.com/office/drawing/2014/main" id="{55B14F44-F565-4BBD-A079-E1F615D762F1}"/>
+              </a:ext>
+            </a:extLst>
+          </p:cNvPr>
+          <p:cNvSpPr>
+            <a:spLocks noGrp="1"/>
+          </p:cNvSpPr>
+          <p:nvPr>
+            <p:ph type="sldNum" sz="quarter" idx="12"/>
+          </p:nvPr>
+        </p:nvSpPr>
+        <p:spPr/>
+        <p:txBody>
+          <a:bodyPr/>
+          <a:lstStyle/>
+          <a:p>
+            <a:pPr rtl="0"/>
+            <a:fld id="{2C18C1E5-FB55-42F5-BD6D-9CC153FCDBE6}" type="slidenum">
+              <a:rPr lang="es-ES" noProof="0" smtClean="0"/>
+              <a:t>43</a:t>
+            </a:fld>
+            <a:endParaRPr lang="es-ES" noProof="0"/>
+          </a:p>
+        </p:txBody>
+      </p:sp>
+      <p:pic>
+        <p:nvPicPr>
+          <p:cNvPr id="8" name="Marcador de imagen en línea 27" descr="Diseño web con relleno sólido">
+            <a:extLst>
+              <a:ext uri="{FF2B5EF4-FFF2-40B4-BE49-F238E27FC236}">
+                <a16:creationId xmlns:a16="http://schemas.microsoft.com/office/drawing/2014/main" id="{1771A7BA-C2C8-4AB5-8143-9E20EA009BE6}"/>
+              </a:ext>
+            </a:extLst>
+          </p:cNvPr>
+          <p:cNvPicPr>
+            <a:picLocks noChangeAspect="1"/>
+          </p:cNvPicPr>
+          <p:nvPr/>
+        </p:nvPicPr>
+        <p:blipFill>
+          <a:blip r:embed="rId2">
+            <a:extLst>
+              <a:ext uri="{96DAC541-7B7A-43D3-8B79-37D633B846F1}">
+                <asvg:svgBlip xmlns:asvg="http://schemas.microsoft.com/office/drawing/2016/SVG/main" r:embed="rId3"/>
+              </a:ext>
+            </a:extLst>
+          </a:blip>
+          <a:srcRect/>
+          <a:stretch/>
+        </p:blipFill>
+        <p:spPr>
+          <a:xfrm>
+            <a:off x="9982200" y="1047259"/>
+            <a:ext cx="701040" cy="701040"/>
+          </a:xfrm>
+          <a:prstGeom prst="rect">
+            <a:avLst/>
+          </a:prstGeom>
+        </p:spPr>
+      </p:pic>
+      <p:sp>
+        <p:nvSpPr>
+          <p:cNvPr id="10" name="Marcador de pie de página 5">
+            <a:extLst>
+              <a:ext uri="{FF2B5EF4-FFF2-40B4-BE49-F238E27FC236}">
+                <a16:creationId xmlns:a16="http://schemas.microsoft.com/office/drawing/2014/main" id="{C4BC7171-7735-4726-A052-284CD08A27CA}"/>
+              </a:ext>
+            </a:extLst>
+          </p:cNvPr>
+          <p:cNvSpPr txBox="1">
+            <a:spLocks/>
+          </p:cNvSpPr>
+          <p:nvPr/>
+        </p:nvSpPr>
+        <p:spPr>
+          <a:xfrm>
+            <a:off x="-804193" y="6356350"/>
+            <a:ext cx="4114800" cy="365125"/>
+          </a:xfrm>
+          <a:prstGeom prst="rect">
+            <a:avLst/>
+          </a:prstGeom>
+        </p:spPr>
+        <p:txBody>
+          <a:bodyPr vert="horz" lIns="91440" tIns="45720" rIns="91440" bIns="45720" rtlCol="0" anchor="ctr"/>
+          <a:lstStyle>
+            <a:defPPr rtl="0">
+              <a:defRPr lang="es-es"/>
+            </a:defPPr>
+            <a:lvl1pPr marL="0" algn="ctr" defTabSz="914400" rtl="0" eaLnBrk="1" latinLnBrk="0" hangingPunct="1">
+              <a:defRPr sz="1600" kern="1200">
+                <a:solidFill>
+                  <a:schemeClr val="tx1"/>
+                </a:solidFill>
+                <a:latin typeface="+mn-lt"/>
+                <a:ea typeface="+mn-ea"/>
+                <a:cs typeface="+mn-cs"/>
+              </a:defRPr>
+            </a:lvl1pPr>
+            <a:lvl2pPr marL="457200" algn="l" defTabSz="914400" rtl="0" eaLnBrk="1" latinLnBrk="0" hangingPunct="1">
+              <a:defRPr sz="1800" kern="1200">
+                <a:solidFill>
+                  <a:schemeClr val="tx1"/>
+                </a:solidFill>
+                <a:latin typeface="+mn-lt"/>
+                <a:ea typeface="+mn-ea"/>
+                <a:cs typeface="+mn-cs"/>
+              </a:defRPr>
+            </a:lvl2pPr>
+            <a:lvl3pPr marL="914400" algn="l" defTabSz="914400" rtl="0" eaLnBrk="1" latinLnBrk="0" hangingPunct="1">
+              <a:defRPr sz="1800" kern="1200">
+                <a:solidFill>
+                  <a:schemeClr val="tx1"/>
+                </a:solidFill>
+                <a:latin typeface="+mn-lt"/>
+                <a:ea typeface="+mn-ea"/>
+                <a:cs typeface="+mn-cs"/>
+              </a:defRPr>
+            </a:lvl3pPr>
+            <a:lvl4pPr marL="1371600" algn="l" defTabSz="914400" rtl="0" eaLnBrk="1" latinLnBrk="0" hangingPunct="1">
+              <a:defRPr sz="1800" kern="1200">
+                <a:solidFill>
+                  <a:schemeClr val="tx1"/>
+                </a:solidFill>
+                <a:latin typeface="+mn-lt"/>
+                <a:ea typeface="+mn-ea"/>
+                <a:cs typeface="+mn-cs"/>
+              </a:defRPr>
+            </a:lvl4pPr>
+            <a:lvl5pPr marL="1828800" algn="l" defTabSz="914400" rtl="0" eaLnBrk="1" latinLnBrk="0" hangingPunct="1">
+              <a:defRPr sz="1800" kern="1200">
+                <a:solidFill>
+                  <a:schemeClr val="tx1"/>
+                </a:solidFill>
+                <a:latin typeface="+mn-lt"/>
+                <a:ea typeface="+mn-ea"/>
+                <a:cs typeface="+mn-cs"/>
+              </a:defRPr>
+            </a:lvl5pPr>
+            <a:lvl6pPr marL="2286000" algn="l" defTabSz="914400" rtl="0" eaLnBrk="1" latinLnBrk="0" hangingPunct="1">
+              <a:defRPr sz="1800" kern="1200">
+                <a:solidFill>
+                  <a:schemeClr val="tx1"/>
+                </a:solidFill>
+                <a:latin typeface="+mn-lt"/>
+                <a:ea typeface="+mn-ea"/>
+                <a:cs typeface="+mn-cs"/>
+              </a:defRPr>
+            </a:lvl6pPr>
+            <a:lvl7pPr marL="2743200" algn="l" defTabSz="914400" rtl="0" eaLnBrk="1" latinLnBrk="0" hangingPunct="1">
+              <a:defRPr sz="1800" kern="1200">
+                <a:solidFill>
+                  <a:schemeClr val="tx1"/>
+                </a:solidFill>
+                <a:latin typeface="+mn-lt"/>
+                <a:ea typeface="+mn-ea"/>
+                <a:cs typeface="+mn-cs"/>
+              </a:defRPr>
+            </a:lvl7pPr>
+            <a:lvl8pPr marL="3200400" algn="l" defTabSz="914400" rtl="0" eaLnBrk="1" latinLnBrk="0" hangingPunct="1">
+              <a:defRPr sz="1800" kern="1200">
+                <a:solidFill>
+                  <a:schemeClr val="tx1"/>
+                </a:solidFill>
+                <a:latin typeface="+mn-lt"/>
+                <a:ea typeface="+mn-ea"/>
+                <a:cs typeface="+mn-cs"/>
+              </a:defRPr>
+            </a:lvl8pPr>
+            <a:lvl9pPr marL="3657600" algn="l" defTabSz="914400" rtl="0" eaLnBrk="1" latinLnBrk="0" hangingPunct="1">
+              <a:defRPr sz="1800" kern="1200">
+                <a:solidFill>
+                  <a:schemeClr val="tx1"/>
+                </a:solidFill>
+                <a:latin typeface="+mn-lt"/>
+                <a:ea typeface="+mn-ea"/>
+                <a:cs typeface="+mn-cs"/>
+              </a:defRPr>
+            </a:lvl9pPr>
+          </a:lstStyle>
+          <a:p>
+            <a:pPr>
+              <a:spcAft>
+                <a:spcPts val="600"/>
+              </a:spcAft>
+            </a:pPr>
+            <a:r>
+              <a:rPr lang="es-ES" dirty="0"/>
+              <a:t>Luis Gerardo Camara Salinas</a:t>
+            </a:r>
+          </a:p>
+        </p:txBody>
+      </p:sp>
+      <p:pic>
+        <p:nvPicPr>
+          <p:cNvPr id="11" name="image1.jpeg" descr="Un dibujo animado con letras&#10;&#10;Descripción generada automáticamente con confianza media">
+            <a:extLst>
+              <a:ext uri="{FF2B5EF4-FFF2-40B4-BE49-F238E27FC236}">
+                <a16:creationId xmlns:a16="http://schemas.microsoft.com/office/drawing/2014/main" id="{1A6CEF60-99D9-4B9D-9C7F-ADDBE771ECC7}"/>
+              </a:ext>
+            </a:extLst>
+          </p:cNvPr>
+          <p:cNvPicPr/>
+          <p:nvPr/>
+        </p:nvPicPr>
+        <p:blipFill>
+          <a:blip r:embed="rId4" cstate="print">
+            <a:extLst>
+              <a:ext uri="{28A0092B-C50C-407E-A947-70E740481C1C}">
+                <a14:useLocalDpi xmlns:a14="http://schemas.microsoft.com/office/drawing/2010/main" val="0"/>
+              </a:ext>
+            </a:extLst>
+          </a:blip>
+          <a:stretch>
+            <a:fillRect/>
+          </a:stretch>
+        </p:blipFill>
+        <p:spPr>
+          <a:xfrm>
+            <a:off x="173080" y="365125"/>
+            <a:ext cx="1852930" cy="701040"/>
+          </a:xfrm>
+          <a:prstGeom prst="rect">
+            <a:avLst/>
+          </a:prstGeom>
+        </p:spPr>
+      </p:pic>
+      <p:sp>
+        <p:nvSpPr>
+          <p:cNvPr id="12" name="CuadroTexto 11">
+            <a:extLst>
+              <a:ext uri="{FF2B5EF4-FFF2-40B4-BE49-F238E27FC236}">
+                <a16:creationId xmlns:a16="http://schemas.microsoft.com/office/drawing/2014/main" id="{3C575B82-57D0-4FCE-B23C-ECA7FC85D576}"/>
+              </a:ext>
+            </a:extLst>
+          </p:cNvPr>
+          <p:cNvSpPr txBox="1"/>
+          <p:nvPr/>
+        </p:nvSpPr>
+        <p:spPr>
+          <a:xfrm>
+            <a:off x="713147" y="2105561"/>
+            <a:ext cx="10640653" cy="707886"/>
+          </a:xfrm>
+          <a:prstGeom prst="rect">
+            <a:avLst/>
+          </a:prstGeom>
+          <a:noFill/>
+        </p:spPr>
+        <p:txBody>
+          <a:bodyPr wrap="square" rtlCol="0">
+            <a:spAutoFit/>
+          </a:bodyPr>
+          <a:lstStyle/>
+          <a:p>
+            <a:r>
+              <a:rPr lang="es-ES" sz="4000" dirty="0" err="1">
+                <a:solidFill>
+                  <a:srgbClr val="175289"/>
+                </a:solidFill>
+                <a:latin typeface="The Hand Black (Cuerpo)"/>
+              </a:rPr>
+              <a:t>Coding</a:t>
+            </a:r>
+            <a:r>
+              <a:rPr lang="es-ES" sz="4000" dirty="0">
+                <a:latin typeface="The Hand Black (Cuerpo)"/>
+              </a:rPr>
+              <a:t>…</a:t>
+            </a:r>
+            <a:endParaRPr lang="es-MX" sz="4000" dirty="0">
+              <a:latin typeface="The Hand Black (Cuerpo)"/>
+            </a:endParaRPr>
+          </a:p>
+        </p:txBody>
+      </p:sp>
+      <p:pic>
+        <p:nvPicPr>
+          <p:cNvPr id="13" name="Picture 2" descr="Cat Coding Sticker by SUSHIBOX for iOS &amp; Android | GIPHY">
+            <a:extLst>
+              <a:ext uri="{FF2B5EF4-FFF2-40B4-BE49-F238E27FC236}">
+                <a16:creationId xmlns:a16="http://schemas.microsoft.com/office/drawing/2014/main" id="{BA402BB7-A5AB-400F-82E4-33D0F4457C3A}"/>
+              </a:ext>
+            </a:extLst>
+          </p:cNvPr>
+          <p:cNvPicPr>
+            <a:picLocks noGrp="1" noChangeAspect="1" noChangeArrowheads="1" noCrop="1"/>
+          </p:cNvPicPr>
+          <p:nvPr>
+            <p:ph sz="half" idx="1"/>
+          </p:nvPr>
+        </p:nvPicPr>
+        <p:blipFill>
+          <a:blip r:embed="rId5">
+            <a:extLst>
+              <a:ext uri="{28A0092B-C50C-407E-A947-70E740481C1C}">
+                <a14:useLocalDpi xmlns:a14="http://schemas.microsoft.com/office/drawing/2010/main" val="0"/>
+              </a:ext>
+            </a:extLst>
+          </a:blip>
+          <a:srcRect/>
+          <a:stretch>
+            <a:fillRect/>
+          </a:stretch>
+        </p:blipFill>
+        <p:spPr bwMode="auto">
+          <a:xfrm>
+            <a:off x="4038600" y="3429000"/>
+            <a:ext cx="2584970" cy="2584970"/>
+          </a:xfrm>
+          <a:prstGeom prst="rect">
+            <a:avLst/>
+          </a:prstGeom>
+          <a:noFill/>
+          <a:extLst>
+            <a:ext uri="{909E8E84-426E-40DD-AFC4-6F175D3DCCD1}">
+              <a14:hiddenFill xmlns:a14="http://schemas.microsoft.com/office/drawing/2010/main">
+                <a:solidFill>
+                  <a:srgbClr val="FFFFFF"/>
+                </a:solidFill>
+              </a14:hiddenFill>
+            </a:ext>
+          </a:extLst>
+        </p:spPr>
+      </p:pic>
+    </p:spTree>
+    <p:extLst>
+      <p:ext uri="{BB962C8B-B14F-4D97-AF65-F5344CB8AC3E}">
+        <p14:creationId xmlns:p14="http://schemas.microsoft.com/office/powerpoint/2010/main" val="2114457503"/>
       </p:ext>
     </p:extLst>
   </p:cSld>
